--- a/notes/ggplot2_part2.pptx
+++ b/notes/ggplot2_part2.pptx
@@ -5,32 +5,30 @@
     <p:sldMasterId id="2147483648" r:id="rId1"/>
   </p:sldMasterIdLst>
   <p:notesMasterIdLst>
-    <p:notesMasterId r:id="rId25"/>
+    <p:notesMasterId r:id="rId23"/>
   </p:notesMasterIdLst>
   <p:sldIdLst>
     <p:sldId id="256" r:id="rId2"/>
-    <p:sldId id="258" r:id="rId3"/>
-    <p:sldId id="257" r:id="rId4"/>
-    <p:sldId id="259" r:id="rId5"/>
-    <p:sldId id="265" r:id="rId6"/>
-    <p:sldId id="260" r:id="rId7"/>
-    <p:sldId id="261" r:id="rId8"/>
-    <p:sldId id="262" r:id="rId9"/>
-    <p:sldId id="263" r:id="rId10"/>
-    <p:sldId id="264" r:id="rId11"/>
-    <p:sldId id="266" r:id="rId12"/>
-    <p:sldId id="270" r:id="rId13"/>
-    <p:sldId id="267" r:id="rId14"/>
-    <p:sldId id="268" r:id="rId15"/>
-    <p:sldId id="269" r:id="rId16"/>
-    <p:sldId id="271" r:id="rId17"/>
-    <p:sldId id="272" r:id="rId18"/>
-    <p:sldId id="273" r:id="rId19"/>
-    <p:sldId id="274" r:id="rId20"/>
-    <p:sldId id="275" r:id="rId21"/>
-    <p:sldId id="276" r:id="rId22"/>
-    <p:sldId id="277" r:id="rId23"/>
-    <p:sldId id="278" r:id="rId24"/>
+    <p:sldId id="259" r:id="rId3"/>
+    <p:sldId id="265" r:id="rId4"/>
+    <p:sldId id="260" r:id="rId5"/>
+    <p:sldId id="261" r:id="rId6"/>
+    <p:sldId id="262" r:id="rId7"/>
+    <p:sldId id="263" r:id="rId8"/>
+    <p:sldId id="264" r:id="rId9"/>
+    <p:sldId id="266" r:id="rId10"/>
+    <p:sldId id="270" r:id="rId11"/>
+    <p:sldId id="267" r:id="rId12"/>
+    <p:sldId id="268" r:id="rId13"/>
+    <p:sldId id="269" r:id="rId14"/>
+    <p:sldId id="271" r:id="rId15"/>
+    <p:sldId id="272" r:id="rId16"/>
+    <p:sldId id="273" r:id="rId17"/>
+    <p:sldId id="274" r:id="rId18"/>
+    <p:sldId id="275" r:id="rId19"/>
+    <p:sldId id="276" r:id="rId20"/>
+    <p:sldId id="277" r:id="rId21"/>
+    <p:sldId id="278" r:id="rId22"/>
   </p:sldIdLst>
   <p:sldSz cx="9144000" cy="5143500" type="screen16x9"/>
   <p:notesSz cx="6858000" cy="9144000"/>
@@ -229,7 +227,7 @@
           </a:lstStyle>
           <a:p>
             <a:fld id="{1A9178C0-C8D5-6C48-889B-4D3D500BFD3A}" type="datetimeFigureOut">
-              <a:t>9/22/16</a:t>
+              <a:t>9/19/18</a:t>
             </a:fld>
             <a:endParaRPr lang="en-US"/>
           </a:p>
@@ -653,7 +651,7 @@
     </p:spTree>
     <p:extLst>
       <p:ext uri="{BB962C8B-B14F-4D97-AF65-F5344CB8AC3E}">
-        <p14:creationId xmlns:p14="http://schemas.microsoft.com/office/powerpoint/2010/main" val="4253301209"/>
+        <p14:creationId xmlns:p14="http://schemas.microsoft.com/office/powerpoint/2010/main" val="217716752"/>
       </p:ext>
     </p:extLst>
   </p:cSld>
@@ -737,7 +735,7 @@
     </p:spTree>
     <p:extLst>
       <p:ext uri="{BB962C8B-B14F-4D97-AF65-F5344CB8AC3E}">
-        <p14:creationId xmlns:p14="http://schemas.microsoft.com/office/powerpoint/2010/main" val="2845823332"/>
+        <p14:creationId xmlns:p14="http://schemas.microsoft.com/office/powerpoint/2010/main" val="3530854195"/>
       </p:ext>
     </p:extLst>
   </p:cSld>
@@ -821,7 +819,7 @@
     </p:spTree>
     <p:extLst>
       <p:ext uri="{BB962C8B-B14F-4D97-AF65-F5344CB8AC3E}">
-        <p14:creationId xmlns:p14="http://schemas.microsoft.com/office/powerpoint/2010/main" val="217716752"/>
+        <p14:creationId xmlns:p14="http://schemas.microsoft.com/office/powerpoint/2010/main" val="3747117431"/>
       </p:ext>
     </p:extLst>
   </p:cSld>
@@ -905,7 +903,7 @@
     </p:spTree>
     <p:extLst>
       <p:ext uri="{BB962C8B-B14F-4D97-AF65-F5344CB8AC3E}">
-        <p14:creationId xmlns:p14="http://schemas.microsoft.com/office/powerpoint/2010/main" val="3530854195"/>
+        <p14:creationId xmlns:p14="http://schemas.microsoft.com/office/powerpoint/2010/main" val="1642042027"/>
       </p:ext>
     </p:extLst>
   </p:cSld>
@@ -989,7 +987,7 @@
     </p:spTree>
     <p:extLst>
       <p:ext uri="{BB962C8B-B14F-4D97-AF65-F5344CB8AC3E}">
-        <p14:creationId xmlns:p14="http://schemas.microsoft.com/office/powerpoint/2010/main" val="3747117431"/>
+        <p14:creationId xmlns:p14="http://schemas.microsoft.com/office/powerpoint/2010/main" val="1238853037"/>
       </p:ext>
     </p:extLst>
   </p:cSld>
@@ -1063,7 +1061,6 @@
           <a:lstStyle/>
           <a:p>
             <a:fld id="{1CE107D7-CEC1-2A4C-979F-A346CA35B61F}" type="slidenum">
-              <a:rPr lang="en-US"/>
               <a:t>15</a:t>
             </a:fld>
             <a:endParaRPr lang="en-US"/>
@@ -1073,7 +1070,7 @@
     </p:spTree>
     <p:extLst>
       <p:ext uri="{BB962C8B-B14F-4D97-AF65-F5344CB8AC3E}">
-        <p14:creationId xmlns:p14="http://schemas.microsoft.com/office/powerpoint/2010/main" val="1642042027"/>
+        <p14:creationId xmlns:p14="http://schemas.microsoft.com/office/powerpoint/2010/main" val="1101128446"/>
       </p:ext>
     </p:extLst>
   </p:cSld>
@@ -1157,7 +1154,7 @@
     </p:spTree>
     <p:extLst>
       <p:ext uri="{BB962C8B-B14F-4D97-AF65-F5344CB8AC3E}">
-        <p14:creationId xmlns:p14="http://schemas.microsoft.com/office/powerpoint/2010/main" val="1238853037"/>
+        <p14:creationId xmlns:p14="http://schemas.microsoft.com/office/powerpoint/2010/main" val="3396473838"/>
       </p:ext>
     </p:extLst>
   </p:cSld>
@@ -1231,6 +1228,7 @@
           <a:lstStyle/>
           <a:p>
             <a:fld id="{1CE107D7-CEC1-2A4C-979F-A346CA35B61F}" type="slidenum">
+              <a:rPr lang="en-US"/>
               <a:t>17</a:t>
             </a:fld>
             <a:endParaRPr lang="en-US"/>
@@ -1240,7 +1238,7 @@
     </p:spTree>
     <p:extLst>
       <p:ext uri="{BB962C8B-B14F-4D97-AF65-F5344CB8AC3E}">
-        <p14:creationId xmlns:p14="http://schemas.microsoft.com/office/powerpoint/2010/main" val="1101128446"/>
+        <p14:creationId xmlns:p14="http://schemas.microsoft.com/office/powerpoint/2010/main" val="2245140233"/>
       </p:ext>
     </p:extLst>
   </p:cSld>
@@ -1324,7 +1322,7 @@
     </p:spTree>
     <p:extLst>
       <p:ext uri="{BB962C8B-B14F-4D97-AF65-F5344CB8AC3E}">
-        <p14:creationId xmlns:p14="http://schemas.microsoft.com/office/powerpoint/2010/main" val="3396473838"/>
+        <p14:creationId xmlns:p14="http://schemas.microsoft.com/office/powerpoint/2010/main" val="1590705202"/>
       </p:ext>
     </p:extLst>
   </p:cSld>
@@ -1408,7 +1406,7 @@
     </p:spTree>
     <p:extLst>
       <p:ext uri="{BB962C8B-B14F-4D97-AF65-F5344CB8AC3E}">
-        <p14:creationId xmlns:p14="http://schemas.microsoft.com/office/powerpoint/2010/main" val="2245140233"/>
+        <p14:creationId xmlns:p14="http://schemas.microsoft.com/office/powerpoint/2010/main" val="2239591112"/>
       </p:ext>
     </p:extLst>
   </p:cSld>
@@ -1492,175 +1490,7 @@
     </p:spTree>
     <p:extLst>
       <p:ext uri="{BB962C8B-B14F-4D97-AF65-F5344CB8AC3E}">
-        <p14:creationId xmlns:p14="http://schemas.microsoft.com/office/powerpoint/2010/main" val="2945835052"/>
-      </p:ext>
-    </p:extLst>
-  </p:cSld>
-  <p:clrMapOvr>
-    <a:masterClrMapping/>
-  </p:clrMapOvr>
-</p:notes>
-</file>
-
-<file path=ppt/notesSlides/notesSlide20.xml><?xml version="1.0" encoding="utf-8"?>
-<p:notes xmlns:a="http://schemas.openxmlformats.org/drawingml/2006/main" xmlns:r="http://schemas.openxmlformats.org/officeDocument/2006/relationships" xmlns:p="http://schemas.openxmlformats.org/presentationml/2006/main">
-  <p:cSld>
-    <p:spTree>
-      <p:nvGrpSpPr>
-        <p:cNvPr id="1" name=""/>
-        <p:cNvGrpSpPr/>
-        <p:nvPr/>
-      </p:nvGrpSpPr>
-      <p:grpSpPr>
-        <a:xfrm>
-          <a:off x="0" y="0"/>
-          <a:ext cx="0" cy="0"/>
-          <a:chOff x="0" y="0"/>
-          <a:chExt cx="0" cy="0"/>
-        </a:xfrm>
-      </p:grpSpPr>
-      <p:sp>
-        <p:nvSpPr>
-          <p:cNvPr id="2" name="Slide Image Placeholder 1"/>
-          <p:cNvSpPr>
-            <a:spLocks noGrp="1" noRot="1" noChangeAspect="1"/>
-          </p:cNvSpPr>
-          <p:nvPr>
-            <p:ph type="sldImg"/>
-          </p:nvPr>
-        </p:nvSpPr>
-        <p:spPr/>
-      </p:sp>
-      <p:sp>
-        <p:nvSpPr>
-          <p:cNvPr id="3" name="Notes Placeholder 2"/>
-          <p:cNvSpPr>
-            <a:spLocks noGrp="1"/>
-          </p:cNvSpPr>
-          <p:nvPr>
-            <p:ph type="body" idx="1"/>
-          </p:nvPr>
-        </p:nvSpPr>
-        <p:spPr/>
-        <p:txBody>
-          <a:bodyPr/>
-          <a:lstStyle/>
-          <a:p>
-            <a:endParaRPr lang="en-US"/>
-          </a:p>
-        </p:txBody>
-      </p:sp>
-      <p:sp>
-        <p:nvSpPr>
-          <p:cNvPr id="4" name="Slide Number Placeholder 3"/>
-          <p:cNvSpPr>
-            <a:spLocks noGrp="1"/>
-          </p:cNvSpPr>
-          <p:nvPr>
-            <p:ph type="sldNum" sz="quarter" idx="10"/>
-          </p:nvPr>
-        </p:nvSpPr>
-        <p:spPr/>
-        <p:txBody>
-          <a:bodyPr/>
-          <a:lstStyle/>
-          <a:p>
-            <a:fld id="{1CE107D7-CEC1-2A4C-979F-A346CA35B61F}" type="slidenum">
-              <a:rPr lang="en-US"/>
-              <a:t>20</a:t>
-            </a:fld>
-            <a:endParaRPr lang="en-US"/>
-          </a:p>
-        </p:txBody>
-      </p:sp>
-    </p:spTree>
-    <p:extLst>
-      <p:ext uri="{BB962C8B-B14F-4D97-AF65-F5344CB8AC3E}">
-        <p14:creationId xmlns:p14="http://schemas.microsoft.com/office/powerpoint/2010/main" val="1590705202"/>
-      </p:ext>
-    </p:extLst>
-  </p:cSld>
-  <p:clrMapOvr>
-    <a:masterClrMapping/>
-  </p:clrMapOvr>
-</p:notes>
-</file>
-
-<file path=ppt/notesSlides/notesSlide21.xml><?xml version="1.0" encoding="utf-8"?>
-<p:notes xmlns:a="http://schemas.openxmlformats.org/drawingml/2006/main" xmlns:r="http://schemas.openxmlformats.org/officeDocument/2006/relationships" xmlns:p="http://schemas.openxmlformats.org/presentationml/2006/main">
-  <p:cSld>
-    <p:spTree>
-      <p:nvGrpSpPr>
-        <p:cNvPr id="1" name=""/>
-        <p:cNvGrpSpPr/>
-        <p:nvPr/>
-      </p:nvGrpSpPr>
-      <p:grpSpPr>
-        <a:xfrm>
-          <a:off x="0" y="0"/>
-          <a:ext cx="0" cy="0"/>
-          <a:chOff x="0" y="0"/>
-          <a:chExt cx="0" cy="0"/>
-        </a:xfrm>
-      </p:grpSpPr>
-      <p:sp>
-        <p:nvSpPr>
-          <p:cNvPr id="2" name="Slide Image Placeholder 1"/>
-          <p:cNvSpPr>
-            <a:spLocks noGrp="1" noRot="1" noChangeAspect="1"/>
-          </p:cNvSpPr>
-          <p:nvPr>
-            <p:ph type="sldImg"/>
-          </p:nvPr>
-        </p:nvSpPr>
-        <p:spPr/>
-      </p:sp>
-      <p:sp>
-        <p:nvSpPr>
-          <p:cNvPr id="3" name="Notes Placeholder 2"/>
-          <p:cNvSpPr>
-            <a:spLocks noGrp="1"/>
-          </p:cNvSpPr>
-          <p:nvPr>
-            <p:ph type="body" idx="1"/>
-          </p:nvPr>
-        </p:nvSpPr>
-        <p:spPr/>
-        <p:txBody>
-          <a:bodyPr/>
-          <a:lstStyle/>
-          <a:p>
-            <a:endParaRPr lang="en-US"/>
-          </a:p>
-        </p:txBody>
-      </p:sp>
-      <p:sp>
-        <p:nvSpPr>
-          <p:cNvPr id="4" name="Slide Number Placeholder 3"/>
-          <p:cNvSpPr>
-            <a:spLocks noGrp="1"/>
-          </p:cNvSpPr>
-          <p:nvPr>
-            <p:ph type="sldNum" sz="quarter" idx="10"/>
-          </p:nvPr>
-        </p:nvSpPr>
-        <p:spPr/>
-        <p:txBody>
-          <a:bodyPr/>
-          <a:lstStyle/>
-          <a:p>
-            <a:fld id="{1CE107D7-CEC1-2A4C-979F-A346CA35B61F}" type="slidenum">
-              <a:rPr lang="en-US"/>
-              <a:t>21</a:t>
-            </a:fld>
-            <a:endParaRPr lang="en-US"/>
-          </a:p>
-        </p:txBody>
-      </p:sp>
-    </p:spTree>
-    <p:extLst>
-      <p:ext uri="{BB962C8B-B14F-4D97-AF65-F5344CB8AC3E}">
-        <p14:creationId xmlns:p14="http://schemas.microsoft.com/office/powerpoint/2010/main" val="2239591112"/>
+        <p14:creationId xmlns:p14="http://schemas.microsoft.com/office/powerpoint/2010/main" val="1899192538"/>
       </p:ext>
     </p:extLst>
   </p:cSld>
@@ -1744,7 +1574,7 @@
     </p:spTree>
     <p:extLst>
       <p:ext uri="{BB962C8B-B14F-4D97-AF65-F5344CB8AC3E}">
-        <p14:creationId xmlns:p14="http://schemas.microsoft.com/office/powerpoint/2010/main" val="1592612013"/>
+        <p14:creationId xmlns:p14="http://schemas.microsoft.com/office/powerpoint/2010/main" val="1775349218"/>
       </p:ext>
     </p:extLst>
   </p:cSld>
@@ -1828,7 +1658,7 @@
     </p:spTree>
     <p:extLst>
       <p:ext uri="{BB962C8B-B14F-4D97-AF65-F5344CB8AC3E}">
-        <p14:creationId xmlns:p14="http://schemas.microsoft.com/office/powerpoint/2010/main" val="1899192538"/>
+        <p14:creationId xmlns:p14="http://schemas.microsoft.com/office/powerpoint/2010/main" val="4196915226"/>
       </p:ext>
     </p:extLst>
   </p:cSld>
@@ -1912,7 +1742,7 @@
     </p:spTree>
     <p:extLst>
       <p:ext uri="{BB962C8B-B14F-4D97-AF65-F5344CB8AC3E}">
-        <p14:creationId xmlns:p14="http://schemas.microsoft.com/office/powerpoint/2010/main" val="1775349218"/>
+        <p14:creationId xmlns:p14="http://schemas.microsoft.com/office/powerpoint/2010/main" val="2232385356"/>
       </p:ext>
     </p:extLst>
   </p:cSld>
@@ -1996,7 +1826,7 @@
     </p:spTree>
     <p:extLst>
       <p:ext uri="{BB962C8B-B14F-4D97-AF65-F5344CB8AC3E}">
-        <p14:creationId xmlns:p14="http://schemas.microsoft.com/office/powerpoint/2010/main" val="4196915226"/>
+        <p14:creationId xmlns:p14="http://schemas.microsoft.com/office/powerpoint/2010/main" val="3025094957"/>
       </p:ext>
     </p:extLst>
   </p:cSld>
@@ -2080,7 +1910,7 @@
     </p:spTree>
     <p:extLst>
       <p:ext uri="{BB962C8B-B14F-4D97-AF65-F5344CB8AC3E}">
-        <p14:creationId xmlns:p14="http://schemas.microsoft.com/office/powerpoint/2010/main" val="2232385356"/>
+        <p14:creationId xmlns:p14="http://schemas.microsoft.com/office/powerpoint/2010/main" val="4236202055"/>
       </p:ext>
     </p:extLst>
   </p:cSld>
@@ -2164,7 +1994,7 @@
     </p:spTree>
     <p:extLst>
       <p:ext uri="{BB962C8B-B14F-4D97-AF65-F5344CB8AC3E}">
-        <p14:creationId xmlns:p14="http://schemas.microsoft.com/office/powerpoint/2010/main" val="3025094957"/>
+        <p14:creationId xmlns:p14="http://schemas.microsoft.com/office/powerpoint/2010/main" val="4253301209"/>
       </p:ext>
     </p:extLst>
   </p:cSld>
@@ -2248,7 +2078,7 @@
     </p:spTree>
     <p:extLst>
       <p:ext uri="{BB962C8B-B14F-4D97-AF65-F5344CB8AC3E}">
-        <p14:creationId xmlns:p14="http://schemas.microsoft.com/office/powerpoint/2010/main" val="4236202055"/>
+        <p14:creationId xmlns:p14="http://schemas.microsoft.com/office/powerpoint/2010/main" val="2845823332"/>
       </p:ext>
     </p:extLst>
   </p:cSld>
@@ -2436,7 +2266,7 @@
           <a:lstStyle/>
           <a:p>
             <a:fld id="{F0043A7B-3319-A040-A0BD-5F8BB7DD86A6}" type="datetimeFigureOut">
-              <a:t>9/22/16</a:t>
+              <a:t>9/19/18</a:t>
             </a:fld>
             <a:endParaRPr lang="en-US"/>
           </a:p>
@@ -2602,7 +2432,7 @@
           <a:lstStyle/>
           <a:p>
             <a:fld id="{F0043A7B-3319-A040-A0BD-5F8BB7DD86A6}" type="datetimeFigureOut">
-              <a:t>9/22/16</a:t>
+              <a:t>9/19/18</a:t>
             </a:fld>
             <a:endParaRPr lang="en-US"/>
           </a:p>
@@ -2778,7 +2608,7 @@
           <a:lstStyle/>
           <a:p>
             <a:fld id="{F0043A7B-3319-A040-A0BD-5F8BB7DD86A6}" type="datetimeFigureOut">
-              <a:t>9/22/16</a:t>
+              <a:t>9/19/18</a:t>
             </a:fld>
             <a:endParaRPr lang="en-US"/>
           </a:p>
@@ -2944,7 +2774,7 @@
           <a:lstStyle/>
           <a:p>
             <a:fld id="{F0043A7B-3319-A040-A0BD-5F8BB7DD86A6}" type="datetimeFigureOut">
-              <a:t>9/22/16</a:t>
+              <a:t>9/19/18</a:t>
             </a:fld>
             <a:endParaRPr lang="en-US"/>
           </a:p>
@@ -3187,7 +3017,7 @@
           <a:lstStyle/>
           <a:p>
             <a:fld id="{F0043A7B-3319-A040-A0BD-5F8BB7DD86A6}" type="datetimeFigureOut">
-              <a:t>9/22/16</a:t>
+              <a:t>9/19/18</a:t>
             </a:fld>
             <a:endParaRPr lang="en-US"/>
           </a:p>
@@ -3470,7 +3300,7 @@
           <a:lstStyle/>
           <a:p>
             <a:fld id="{F0043A7B-3319-A040-A0BD-5F8BB7DD86A6}" type="datetimeFigureOut">
-              <a:t>9/22/16</a:t>
+              <a:t>9/19/18</a:t>
             </a:fld>
             <a:endParaRPr lang="en-US"/>
           </a:p>
@@ -3892,7 +3722,7 @@
           <a:lstStyle/>
           <a:p>
             <a:fld id="{F0043A7B-3319-A040-A0BD-5F8BB7DD86A6}" type="datetimeFigureOut">
-              <a:t>9/22/16</a:t>
+              <a:t>9/19/18</a:t>
             </a:fld>
             <a:endParaRPr lang="en-US"/>
           </a:p>
@@ -4007,7 +3837,7 @@
           <a:lstStyle/>
           <a:p>
             <a:fld id="{F0043A7B-3319-A040-A0BD-5F8BB7DD86A6}" type="datetimeFigureOut">
-              <a:t>9/22/16</a:t>
+              <a:t>9/19/18</a:t>
             </a:fld>
             <a:endParaRPr lang="en-US"/>
           </a:p>
@@ -4100,7 +3930,7 @@
           <a:lstStyle/>
           <a:p>
             <a:fld id="{F0043A7B-3319-A040-A0BD-5F8BB7DD86A6}" type="datetimeFigureOut">
-              <a:t>9/22/16</a:t>
+              <a:t>9/19/18</a:t>
             </a:fld>
             <a:endParaRPr lang="en-US"/>
           </a:p>
@@ -4373,7 +4203,7 @@
           <a:lstStyle/>
           <a:p>
             <a:fld id="{F0043A7B-3319-A040-A0BD-5F8BB7DD86A6}" type="datetimeFigureOut">
-              <a:t>9/22/16</a:t>
+              <a:t>9/19/18</a:t>
             </a:fld>
             <a:endParaRPr lang="en-US"/>
           </a:p>
@@ -4623,7 +4453,7 @@
           <a:lstStyle/>
           <a:p>
             <a:fld id="{F0043A7B-3319-A040-A0BD-5F8BB7DD86A6}" type="datetimeFigureOut">
-              <a:t>9/22/16</a:t>
+              <a:t>9/19/18</a:t>
             </a:fld>
             <a:endParaRPr lang="en-US"/>
           </a:p>
@@ -4832,7 +4662,7 @@
           </a:lstStyle>
           <a:p>
             <a:fld id="{F0043A7B-3319-A040-A0BD-5F8BB7DD86A6}" type="datetimeFigureOut">
-              <a:t>9/22/16</a:t>
+              <a:t>9/19/18</a:t>
             </a:fld>
             <a:endParaRPr lang="en-US"/>
           </a:p>
@@ -5260,13 +5090,6 @@
   <p:clrMapOvr>
     <a:masterClrMapping/>
   </p:clrMapOvr>
-  <p:timing>
-    <p:tnLst>
-      <p:par>
-        <p:cTn id="1" dur="indefinite" restart="never" nodeType="tmRoot"/>
-      </p:par>
-    </p:tnLst>
-  </p:timing>
 </p:sld>
 </file>
 
@@ -5299,537 +5122,6 @@
         </p:nvSpPr>
         <p:spPr/>
         <p:txBody>
-          <a:bodyPr>
-            <a:normAutofit/>
-          </a:bodyPr>
-          <a:lstStyle/>
-          <a:p>
-            <a:r>
-              <a:rPr lang="en-US"/>
-              <a:t>Adding More Layers: Smooth</a:t>
-            </a:r>
-          </a:p>
-        </p:txBody>
-      </p:sp>
-      <p:pic>
-        <p:nvPicPr>
-          <p:cNvPr id="3" name="Picture 2" descr="ggplotp2plot3.pdf"/>
-          <p:cNvPicPr>
-            <a:picLocks noChangeAspect="1"/>
-          </p:cNvPicPr>
-          <p:nvPr/>
-        </p:nvPicPr>
-        <p:blipFill>
-          <a:blip r:embed="rId3">
-            <a:extLst>
-              <a:ext uri="{28A0092B-C50C-407E-A947-70E740481C1C}">
-                <a14:useLocalDpi xmlns:a14="http://schemas.microsoft.com/office/drawing/2010/main" val="0"/>
-              </a:ext>
-            </a:extLst>
-          </a:blip>
-          <a:stretch>
-            <a:fillRect/>
-          </a:stretch>
-        </p:blipFill>
-        <p:spPr>
-          <a:xfrm>
-            <a:off x="138760" y="1063229"/>
-            <a:ext cx="4229100" cy="3517900"/>
-          </a:xfrm>
-          <a:prstGeom prst="rect">
-            <a:avLst/>
-          </a:prstGeom>
-        </p:spPr>
-      </p:pic>
-      <p:pic>
-        <p:nvPicPr>
-          <p:cNvPr id="4" name="Picture 3" descr="ggplotp2plot4.pdf"/>
-          <p:cNvPicPr>
-            <a:picLocks noChangeAspect="1"/>
-          </p:cNvPicPr>
-          <p:nvPr/>
-        </p:nvPicPr>
-        <p:blipFill>
-          <a:blip r:embed="rId4">
-            <a:extLst>
-              <a:ext uri="{28A0092B-C50C-407E-A947-70E740481C1C}">
-                <a14:useLocalDpi xmlns:a14="http://schemas.microsoft.com/office/drawing/2010/main" val="0"/>
-              </a:ext>
-            </a:extLst>
-          </a:blip>
-          <a:stretch>
-            <a:fillRect/>
-          </a:stretch>
-        </p:blipFill>
-        <p:spPr>
-          <a:xfrm>
-            <a:off x="4626818" y="1063229"/>
-            <a:ext cx="4229100" cy="3517900"/>
-          </a:xfrm>
-          <a:prstGeom prst="rect">
-            <a:avLst/>
-          </a:prstGeom>
-        </p:spPr>
-      </p:pic>
-      <p:sp>
-        <p:nvSpPr>
-          <p:cNvPr id="5" name="TextBox 4"/>
-          <p:cNvSpPr txBox="1"/>
-          <p:nvPr/>
-        </p:nvSpPr>
-        <p:spPr>
-          <a:xfrm>
-            <a:off x="4702996" y="4735017"/>
-            <a:ext cx="4340326" cy="276999"/>
-          </a:xfrm>
-          <a:prstGeom prst="rect">
-            <a:avLst/>
-          </a:prstGeom>
-          <a:noFill/>
-        </p:spPr>
-        <p:txBody>
-          <a:bodyPr wrap="none" rtlCol="0">
-            <a:spAutoFit/>
-          </a:bodyPr>
-          <a:lstStyle/>
-          <a:p>
-            <a:r>
-              <a:rPr lang="en-US" sz="1200">
-                <a:latin typeface="Courier"/>
-                <a:cs typeface="Courier"/>
-              </a:rPr>
-              <a:t>g + geom_point() + geom_smooth(method = "lm”)</a:t>
-            </a:r>
-          </a:p>
-        </p:txBody>
-      </p:sp>
-      <p:sp>
-        <p:nvSpPr>
-          <p:cNvPr id="6" name="TextBox 5"/>
-          <p:cNvSpPr txBox="1"/>
-          <p:nvPr/>
-        </p:nvSpPr>
-        <p:spPr>
-          <a:xfrm>
-            <a:off x="716988" y="4735017"/>
-            <a:ext cx="3232150" cy="276999"/>
-          </a:xfrm>
-          <a:prstGeom prst="rect">
-            <a:avLst/>
-          </a:prstGeom>
-          <a:noFill/>
-        </p:spPr>
-        <p:txBody>
-          <a:bodyPr wrap="none" rtlCol="0">
-            <a:spAutoFit/>
-          </a:bodyPr>
-          <a:lstStyle/>
-          <a:p>
-            <a:r>
-              <a:rPr lang="en-US" sz="1200">
-                <a:latin typeface="Courier"/>
-                <a:cs typeface="Courier"/>
-              </a:rPr>
-              <a:t>g + geom_point() + geom_smooth()</a:t>
-            </a:r>
-          </a:p>
-        </p:txBody>
-      </p:sp>
-    </p:spTree>
-    <p:extLst>
-      <p:ext uri="{BB962C8B-B14F-4D97-AF65-F5344CB8AC3E}">
-        <p14:creationId xmlns:p14="http://schemas.microsoft.com/office/powerpoint/2010/main" val="2739953665"/>
-      </p:ext>
-    </p:extLst>
-  </p:cSld>
-  <p:clrMapOvr>
-    <a:masterClrMapping/>
-  </p:clrMapOvr>
-  <p:timing>
-    <p:tnLst>
-      <p:par>
-        <p:cTn id="1" dur="indefinite" restart="never" nodeType="tmRoot"/>
-      </p:par>
-    </p:tnLst>
-  </p:timing>
-</p:sld>
-</file>
-
-<file path=ppt/slides/slide11.xml><?xml version="1.0" encoding="utf-8"?>
-<p:sld xmlns:a="http://schemas.openxmlformats.org/drawingml/2006/main" xmlns:r="http://schemas.openxmlformats.org/officeDocument/2006/relationships" xmlns:p="http://schemas.openxmlformats.org/presentationml/2006/main">
-  <p:cSld>
-    <p:spTree>
-      <p:nvGrpSpPr>
-        <p:cNvPr id="1" name=""/>
-        <p:cNvGrpSpPr/>
-        <p:nvPr/>
-      </p:nvGrpSpPr>
-      <p:grpSpPr>
-        <a:xfrm>
-          <a:off x="0" y="0"/>
-          <a:ext cx="0" cy="0"/>
-          <a:chOff x="0" y="0"/>
-          <a:chExt cx="0" cy="0"/>
-        </a:xfrm>
-      </p:grpSpPr>
-      <p:sp>
-        <p:nvSpPr>
-          <p:cNvPr id="2" name="Title 1"/>
-          <p:cNvSpPr>
-            <a:spLocks noGrp="1"/>
-          </p:cNvSpPr>
-          <p:nvPr>
-            <p:ph type="title"/>
-          </p:nvPr>
-        </p:nvSpPr>
-        <p:spPr/>
-        <p:txBody>
-          <a:bodyPr/>
-          <a:lstStyle/>
-          <a:p>
-            <a:r>
-              <a:rPr lang="en-US"/>
-              <a:t>Adding More Layers: Facets</a:t>
-            </a:r>
-          </a:p>
-        </p:txBody>
-      </p:sp>
-      <p:pic>
-        <p:nvPicPr>
-          <p:cNvPr id="3" name="Picture 2" descr="ggplotp2plot5.pdf"/>
-          <p:cNvPicPr>
-            <a:picLocks noChangeAspect="1"/>
-          </p:cNvPicPr>
-          <p:nvPr/>
-        </p:nvPicPr>
-        <p:blipFill>
-          <a:blip r:embed="rId3">
-            <a:extLst>
-              <a:ext uri="{28A0092B-C50C-407E-A947-70E740481C1C}">
-                <a14:useLocalDpi xmlns:a14="http://schemas.microsoft.com/office/drawing/2010/main" val="0"/>
-              </a:ext>
-            </a:extLst>
-          </a:blip>
-          <a:stretch>
-            <a:fillRect/>
-          </a:stretch>
-        </p:blipFill>
-        <p:spPr>
-          <a:xfrm>
-            <a:off x="1346200" y="990366"/>
-            <a:ext cx="6438900" cy="3517900"/>
-          </a:xfrm>
-          <a:prstGeom prst="rect">
-            <a:avLst/>
-          </a:prstGeom>
-        </p:spPr>
-      </p:pic>
-      <p:sp>
-        <p:nvSpPr>
-          <p:cNvPr id="4" name="Rectangle 3"/>
-          <p:cNvSpPr/>
-          <p:nvPr/>
-        </p:nvSpPr>
-        <p:spPr>
-          <a:xfrm>
-            <a:off x="675813" y="4771424"/>
-            <a:ext cx="7839675" cy="307777"/>
-          </a:xfrm>
-          <a:prstGeom prst="rect">
-            <a:avLst/>
-          </a:prstGeom>
-        </p:spPr>
-        <p:txBody>
-          <a:bodyPr wrap="square">
-            <a:spAutoFit/>
-          </a:bodyPr>
-          <a:lstStyle/>
-          <a:p>
-            <a:r>
-              <a:rPr lang="en-US" sz="1400">
-                <a:latin typeface="Courier"/>
-                <a:cs typeface="Courier"/>
-              </a:rPr>
-              <a:t>g + geom_point() + facet_grid(. ~ bmicat) + geom_smooth(method = "lm")</a:t>
-            </a:r>
-          </a:p>
-        </p:txBody>
-      </p:sp>
-      <p:sp>
-        <p:nvSpPr>
-          <p:cNvPr id="5" name="Rectangle 4"/>
-          <p:cNvSpPr/>
-          <p:nvPr/>
-        </p:nvSpPr>
-        <p:spPr>
-          <a:xfrm>
-            <a:off x="175060" y="4337975"/>
-            <a:ext cx="1264831" cy="340582"/>
-          </a:xfrm>
-          <a:prstGeom prst="rect">
-            <a:avLst/>
-          </a:prstGeom>
-        </p:spPr>
-        <p:style>
-          <a:lnRef idx="1">
-            <a:schemeClr val="accent1"/>
-          </a:lnRef>
-          <a:fillRef idx="3">
-            <a:schemeClr val="accent1"/>
-          </a:fillRef>
-          <a:effectRef idx="2">
-            <a:schemeClr val="accent1"/>
-          </a:effectRef>
-          <a:fontRef idx="minor">
-            <a:schemeClr val="lt1"/>
-          </a:fontRef>
-        </p:style>
-        <p:txBody>
-          <a:bodyPr rtlCol="0" anchor="ctr"/>
-          <a:lstStyle/>
-          <a:p>
-            <a:pPr algn="ctr"/>
-            <a:r>
-              <a:rPr lang="en-US"/>
-              <a:t>Add facets</a:t>
-            </a:r>
-          </a:p>
-        </p:txBody>
-      </p:sp>
-      <p:sp>
-        <p:nvSpPr>
-          <p:cNvPr id="6" name="Rectangle 5"/>
-          <p:cNvSpPr/>
-          <p:nvPr/>
-        </p:nvSpPr>
-        <p:spPr>
-          <a:xfrm>
-            <a:off x="5836493" y="4337975"/>
-            <a:ext cx="2678995" cy="340582"/>
-          </a:xfrm>
-          <a:prstGeom prst="rect">
-            <a:avLst/>
-          </a:prstGeom>
-        </p:spPr>
-        <p:style>
-          <a:lnRef idx="1">
-            <a:schemeClr val="accent1"/>
-          </a:lnRef>
-          <a:fillRef idx="3">
-            <a:schemeClr val="accent1"/>
-          </a:fillRef>
-          <a:effectRef idx="2">
-            <a:schemeClr val="accent1"/>
-          </a:effectRef>
-          <a:fontRef idx="minor">
-            <a:schemeClr val="lt1"/>
-          </a:fontRef>
-        </p:style>
-        <p:txBody>
-          <a:bodyPr rtlCol="0" anchor="ctr"/>
-          <a:lstStyle/>
-          <a:p>
-            <a:pPr algn="ctr"/>
-            <a:r>
-              <a:rPr lang="en-US"/>
-              <a:t>Faceting (factor) variable</a:t>
-            </a:r>
-          </a:p>
-        </p:txBody>
-      </p:sp>
-      <p:cxnSp>
-        <p:nvCxnSpPr>
-          <p:cNvPr id="8" name="Straight Arrow Connector 7"/>
-          <p:cNvCxnSpPr/>
-          <p:nvPr/>
-        </p:nvCxnSpPr>
-        <p:spPr>
-          <a:xfrm>
-            <a:off x="1439891" y="4508266"/>
-            <a:ext cx="1495766" cy="263158"/>
-          </a:xfrm>
-          <a:prstGeom prst="straightConnector1">
-            <a:avLst/>
-          </a:prstGeom>
-          <a:ln>
-            <a:tailEnd type="arrow"/>
-          </a:ln>
-        </p:spPr>
-        <p:style>
-          <a:lnRef idx="2">
-            <a:schemeClr val="accent1"/>
-          </a:lnRef>
-          <a:fillRef idx="0">
-            <a:schemeClr val="accent1"/>
-          </a:fillRef>
-          <a:effectRef idx="1">
-            <a:schemeClr val="accent1"/>
-          </a:effectRef>
-          <a:fontRef idx="minor">
-            <a:schemeClr val="tx1"/>
-          </a:fontRef>
-        </p:style>
-      </p:cxnSp>
-      <p:cxnSp>
-        <p:nvCxnSpPr>
-          <p:cNvPr id="9" name="Straight Arrow Connector 8"/>
-          <p:cNvCxnSpPr>
-            <a:stCxn id="6" idx="1"/>
-          </p:cNvCxnSpPr>
-          <p:nvPr/>
-        </p:nvCxnSpPr>
-        <p:spPr>
-          <a:xfrm flipH="1">
-            <a:off x="4767841" y="4508266"/>
-            <a:ext cx="1068652" cy="263158"/>
-          </a:xfrm>
-          <a:prstGeom prst="straightConnector1">
-            <a:avLst/>
-          </a:prstGeom>
-          <a:ln>
-            <a:tailEnd type="arrow"/>
-          </a:ln>
-        </p:spPr>
-        <p:style>
-          <a:lnRef idx="2">
-            <a:schemeClr val="accent1"/>
-          </a:lnRef>
-          <a:fillRef idx="0">
-            <a:schemeClr val="accent1"/>
-          </a:fillRef>
-          <a:effectRef idx="1">
-            <a:schemeClr val="accent1"/>
-          </a:effectRef>
-          <a:fontRef idx="minor">
-            <a:schemeClr val="tx1"/>
-          </a:fontRef>
-        </p:style>
-      </p:cxnSp>
-      <p:sp>
-        <p:nvSpPr>
-          <p:cNvPr id="13" name="Rectangle 12"/>
-          <p:cNvSpPr/>
-          <p:nvPr/>
-        </p:nvSpPr>
-        <p:spPr>
-          <a:xfrm>
-            <a:off x="50139" y="1063229"/>
-            <a:ext cx="1542612" cy="654308"/>
-          </a:xfrm>
-          <a:prstGeom prst="rect">
-            <a:avLst/>
-          </a:prstGeom>
-        </p:spPr>
-        <p:style>
-          <a:lnRef idx="1">
-            <a:schemeClr val="accent1"/>
-          </a:lnRef>
-          <a:fillRef idx="3">
-            <a:schemeClr val="accent1"/>
-          </a:fillRef>
-          <a:effectRef idx="2">
-            <a:schemeClr val="accent1"/>
-          </a:effectRef>
-          <a:fontRef idx="minor">
-            <a:schemeClr val="lt1"/>
-          </a:fontRef>
-        </p:style>
-        <p:txBody>
-          <a:bodyPr rtlCol="0" anchor="ctr"/>
-          <a:lstStyle/>
-          <a:p>
-            <a:pPr algn="ctr"/>
-            <a:r>
-              <a:rPr lang="en-US"/>
-              <a:t>Labels from facet variable</a:t>
-            </a:r>
-          </a:p>
-        </p:txBody>
-      </p:sp>
-      <p:cxnSp>
-        <p:nvCxnSpPr>
-          <p:cNvPr id="14" name="Straight Arrow Connector 13"/>
-          <p:cNvCxnSpPr>
-            <a:stCxn id="13" idx="3"/>
-          </p:cNvCxnSpPr>
-          <p:nvPr/>
-        </p:nvCxnSpPr>
-        <p:spPr>
-          <a:xfrm flipV="1">
-            <a:off x="1592751" y="1259526"/>
-            <a:ext cx="1207575" cy="130857"/>
-          </a:xfrm>
-          <a:prstGeom prst="straightConnector1">
-            <a:avLst/>
-          </a:prstGeom>
-          <a:ln>
-            <a:tailEnd type="arrow"/>
-          </a:ln>
-        </p:spPr>
-        <p:style>
-          <a:lnRef idx="2">
-            <a:schemeClr val="accent1"/>
-          </a:lnRef>
-          <a:fillRef idx="0">
-            <a:schemeClr val="accent1"/>
-          </a:fillRef>
-          <a:effectRef idx="1">
-            <a:schemeClr val="accent1"/>
-          </a:effectRef>
-          <a:fontRef idx="minor">
-            <a:schemeClr val="tx1"/>
-          </a:fontRef>
-        </p:style>
-      </p:cxnSp>
-    </p:spTree>
-    <p:extLst>
-      <p:ext uri="{BB962C8B-B14F-4D97-AF65-F5344CB8AC3E}">
-        <p14:creationId xmlns:p14="http://schemas.microsoft.com/office/powerpoint/2010/main" val="775192822"/>
-      </p:ext>
-    </p:extLst>
-  </p:cSld>
-  <p:clrMapOvr>
-    <a:masterClrMapping/>
-  </p:clrMapOvr>
-  <p:timing>
-    <p:tnLst>
-      <p:par>
-        <p:cTn id="1" dur="indefinite" restart="never" nodeType="tmRoot"/>
-      </p:par>
-    </p:tnLst>
-  </p:timing>
-</p:sld>
-</file>
-
-<file path=ppt/slides/slide12.xml><?xml version="1.0" encoding="utf-8"?>
-<p:sld xmlns:a="http://schemas.openxmlformats.org/drawingml/2006/main" xmlns:r="http://schemas.openxmlformats.org/officeDocument/2006/relationships" xmlns:p="http://schemas.openxmlformats.org/presentationml/2006/main">
-  <p:cSld>
-    <p:spTree>
-      <p:nvGrpSpPr>
-        <p:cNvPr id="1" name=""/>
-        <p:cNvGrpSpPr/>
-        <p:nvPr/>
-      </p:nvGrpSpPr>
-      <p:grpSpPr>
-        <a:xfrm>
-          <a:off x="0" y="0"/>
-          <a:ext cx="0" cy="0"/>
-          <a:chOff x="0" y="0"/>
-          <a:chExt cx="0" cy="0"/>
-        </a:xfrm>
-      </p:grpSpPr>
-      <p:sp>
-        <p:nvSpPr>
-          <p:cNvPr id="2" name="Title 1"/>
-          <p:cNvSpPr>
-            <a:spLocks noGrp="1"/>
-          </p:cNvSpPr>
-          <p:nvPr>
-            <p:ph type="title"/>
-          </p:nvPr>
-        </p:nvSpPr>
-        <p:spPr/>
-        <p:txBody>
           <a:bodyPr/>
           <a:lstStyle/>
           <a:p>
@@ -5922,17 +5214,10 @@
   <p:clrMapOvr>
     <a:masterClrMapping/>
   </p:clrMapOvr>
-  <p:timing>
-    <p:tnLst>
-      <p:par>
-        <p:cTn id="1" dur="indefinite" restart="never" nodeType="tmRoot"/>
-      </p:par>
-    </p:tnLst>
-  </p:timing>
 </p:sld>
 </file>
 
-<file path=ppt/slides/slide13.xml><?xml version="1.0" encoding="utf-8"?>
+<file path=ppt/slides/slide11.xml><?xml version="1.0" encoding="utf-8"?>
 <p:sld xmlns:a="http://schemas.openxmlformats.org/drawingml/2006/main" xmlns:r="http://schemas.openxmlformats.org/officeDocument/2006/relationships" xmlns:p="http://schemas.openxmlformats.org/presentationml/2006/main">
   <p:cSld>
     <p:spTree>
@@ -6257,13 +5542,421 @@
   <p:clrMapOvr>
     <a:masterClrMapping/>
   </p:clrMapOvr>
-  <p:timing>
-    <p:tnLst>
-      <p:par>
-        <p:cTn id="1" dur="indefinite" restart="never" nodeType="tmRoot"/>
-      </p:par>
-    </p:tnLst>
-  </p:timing>
+</p:sld>
+</file>
+
+<file path=ppt/slides/slide12.xml><?xml version="1.0" encoding="utf-8"?>
+<p:sld xmlns:a="http://schemas.openxmlformats.org/drawingml/2006/main" xmlns:r="http://schemas.openxmlformats.org/officeDocument/2006/relationships" xmlns:p="http://schemas.openxmlformats.org/presentationml/2006/main">
+  <p:cSld>
+    <p:spTree>
+      <p:nvGrpSpPr>
+        <p:cNvPr id="1" name=""/>
+        <p:cNvGrpSpPr/>
+        <p:nvPr/>
+      </p:nvGrpSpPr>
+      <p:grpSpPr>
+        <a:xfrm>
+          <a:off x="0" y="0"/>
+          <a:ext cx="0" cy="0"/>
+          <a:chOff x="0" y="0"/>
+          <a:chExt cx="0" cy="0"/>
+        </a:xfrm>
+      </p:grpSpPr>
+      <p:sp>
+        <p:nvSpPr>
+          <p:cNvPr id="2" name="Title 1"/>
+          <p:cNvSpPr>
+            <a:spLocks noGrp="1"/>
+          </p:cNvSpPr>
+          <p:nvPr>
+            <p:ph type="title"/>
+          </p:nvPr>
+        </p:nvSpPr>
+        <p:spPr/>
+        <p:txBody>
+          <a:bodyPr/>
+          <a:lstStyle/>
+          <a:p>
+            <a:r>
+              <a:rPr lang="en-US"/>
+              <a:t>Modifying Labels</a:t>
+            </a:r>
+          </a:p>
+        </p:txBody>
+      </p:sp>
+      <p:pic>
+        <p:nvPicPr>
+          <p:cNvPr id="3" name="Picture 2" descr="ggplotp2plot8.pdf"/>
+          <p:cNvPicPr>
+            <a:picLocks noChangeAspect="1"/>
+          </p:cNvPicPr>
+          <p:nvPr/>
+        </p:nvPicPr>
+        <p:blipFill>
+          <a:blip r:embed="rId3">
+            <a:extLst>
+              <a:ext uri="{28A0092B-C50C-407E-A947-70E740481C1C}">
+                <a14:useLocalDpi xmlns:a14="http://schemas.microsoft.com/office/drawing/2010/main" val="0"/>
+              </a:ext>
+            </a:extLst>
+          </a:blip>
+          <a:stretch>
+            <a:fillRect/>
+          </a:stretch>
+        </p:blipFill>
+        <p:spPr>
+          <a:xfrm>
+            <a:off x="1811361" y="1000172"/>
+            <a:ext cx="5471779" cy="3742427"/>
+          </a:xfrm>
+          <a:prstGeom prst="rect">
+            <a:avLst/>
+          </a:prstGeom>
+        </p:spPr>
+      </p:pic>
+      <p:sp>
+        <p:nvSpPr>
+          <p:cNvPr id="4" name="TextBox 3"/>
+          <p:cNvSpPr txBox="1"/>
+          <p:nvPr/>
+        </p:nvSpPr>
+        <p:spPr>
+          <a:xfrm>
+            <a:off x="129149" y="4645424"/>
+            <a:ext cx="8922025" cy="461665"/>
+          </a:xfrm>
+          <a:prstGeom prst="rect">
+            <a:avLst/>
+          </a:prstGeom>
+          <a:noFill/>
+        </p:spPr>
+        <p:txBody>
+          <a:bodyPr wrap="square" rtlCol="0">
+            <a:spAutoFit/>
+          </a:bodyPr>
+          <a:lstStyle/>
+          <a:p>
+            <a:r>
+              <a:rPr lang="en-US" sz="1200">
+                <a:latin typeface="Courier"/>
+                <a:cs typeface="Courier"/>
+              </a:rPr>
+              <a:t>g + geom_point(aes(color = bmicat)) + labs(title = "MAACS Cohort") + labs(x = expression("log " * PM[2.5]), y = "Nocturnal Symptoms")</a:t>
+            </a:r>
+          </a:p>
+        </p:txBody>
+      </p:sp>
+      <p:sp>
+        <p:nvSpPr>
+          <p:cNvPr id="5" name="Rectangle 4"/>
+          <p:cNvSpPr/>
+          <p:nvPr/>
+        </p:nvSpPr>
+        <p:spPr>
+          <a:xfrm>
+            <a:off x="6672686" y="3110585"/>
+            <a:ext cx="2296670" cy="925641"/>
+          </a:xfrm>
+          <a:prstGeom prst="rect">
+            <a:avLst/>
+          </a:prstGeom>
+        </p:spPr>
+        <p:style>
+          <a:lnRef idx="1">
+            <a:schemeClr val="accent1"/>
+          </a:lnRef>
+          <a:fillRef idx="3">
+            <a:schemeClr val="accent1"/>
+          </a:fillRef>
+          <a:effectRef idx="2">
+            <a:schemeClr val="accent1"/>
+          </a:effectRef>
+          <a:fontRef idx="minor">
+            <a:schemeClr val="lt1"/>
+          </a:fontRef>
+        </p:style>
+        <p:txBody>
+          <a:bodyPr rtlCol="0" anchor="ctr"/>
+          <a:lstStyle/>
+          <a:p>
+            <a:pPr algn="ctr"/>
+            <a:r>
+              <a:rPr lang="en-US"/>
+              <a:t>labs() function for modifying titles and x-, y-axis labels</a:t>
+            </a:r>
+          </a:p>
+        </p:txBody>
+      </p:sp>
+      <p:cxnSp>
+        <p:nvCxnSpPr>
+          <p:cNvPr id="7" name="Straight Arrow Connector 6"/>
+          <p:cNvCxnSpPr>
+            <a:stCxn id="5" idx="2"/>
+          </p:cNvCxnSpPr>
+          <p:nvPr/>
+        </p:nvCxnSpPr>
+        <p:spPr>
+          <a:xfrm flipH="1">
+            <a:off x="6769547" y="4036226"/>
+            <a:ext cx="1051474" cy="641487"/>
+          </a:xfrm>
+          <a:prstGeom prst="straightConnector1">
+            <a:avLst/>
+          </a:prstGeom>
+          <a:ln>
+            <a:tailEnd type="arrow"/>
+          </a:ln>
+        </p:spPr>
+        <p:style>
+          <a:lnRef idx="2">
+            <a:schemeClr val="accent1"/>
+          </a:lnRef>
+          <a:fillRef idx="0">
+            <a:schemeClr val="accent1"/>
+          </a:fillRef>
+          <a:effectRef idx="1">
+            <a:schemeClr val="accent1"/>
+          </a:effectRef>
+          <a:fontRef idx="minor">
+            <a:schemeClr val="tx1"/>
+          </a:fontRef>
+        </p:style>
+      </p:cxnSp>
+    </p:spTree>
+    <p:extLst>
+      <p:ext uri="{BB962C8B-B14F-4D97-AF65-F5344CB8AC3E}">
+        <p14:creationId xmlns:p14="http://schemas.microsoft.com/office/powerpoint/2010/main" val="1719195091"/>
+      </p:ext>
+    </p:extLst>
+  </p:cSld>
+  <p:clrMapOvr>
+    <a:masterClrMapping/>
+  </p:clrMapOvr>
+</p:sld>
+</file>
+
+<file path=ppt/slides/slide13.xml><?xml version="1.0" encoding="utf-8"?>
+<p:sld xmlns:a="http://schemas.openxmlformats.org/drawingml/2006/main" xmlns:r="http://schemas.openxmlformats.org/officeDocument/2006/relationships" xmlns:p="http://schemas.openxmlformats.org/presentationml/2006/main">
+  <p:cSld>
+    <p:spTree>
+      <p:nvGrpSpPr>
+        <p:cNvPr id="1" name=""/>
+        <p:cNvGrpSpPr/>
+        <p:nvPr/>
+      </p:nvGrpSpPr>
+      <p:grpSpPr>
+        <a:xfrm>
+          <a:off x="0" y="0"/>
+          <a:ext cx="0" cy="0"/>
+          <a:chOff x="0" y="0"/>
+          <a:chExt cx="0" cy="0"/>
+        </a:xfrm>
+      </p:grpSpPr>
+      <p:sp>
+        <p:nvSpPr>
+          <p:cNvPr id="2" name="Title 1"/>
+          <p:cNvSpPr>
+            <a:spLocks noGrp="1"/>
+          </p:cNvSpPr>
+          <p:nvPr>
+            <p:ph type="title"/>
+          </p:nvPr>
+        </p:nvSpPr>
+        <p:spPr/>
+        <p:txBody>
+          <a:bodyPr/>
+          <a:lstStyle/>
+          <a:p>
+            <a:r>
+              <a:rPr lang="en-US"/>
+              <a:t>Customizing the Smooth</a:t>
+            </a:r>
+          </a:p>
+        </p:txBody>
+      </p:sp>
+      <p:pic>
+        <p:nvPicPr>
+          <p:cNvPr id="3" name="Picture 2" descr="ggplotp2plot9.pdf"/>
+          <p:cNvPicPr>
+            <a:picLocks noChangeAspect="1"/>
+          </p:cNvPicPr>
+          <p:nvPr/>
+        </p:nvPicPr>
+        <p:blipFill>
+          <a:blip r:embed="rId3">
+            <a:extLst>
+              <a:ext uri="{28A0092B-C50C-407E-A947-70E740481C1C}">
+                <a14:useLocalDpi xmlns:a14="http://schemas.microsoft.com/office/drawing/2010/main" val="0"/>
+              </a:ext>
+            </a:extLst>
+          </a:blip>
+          <a:stretch>
+            <a:fillRect/>
+          </a:stretch>
+        </p:blipFill>
+        <p:spPr>
+          <a:xfrm>
+            <a:off x="1625600" y="1063229"/>
+            <a:ext cx="5892800" cy="3517900"/>
+          </a:xfrm>
+          <a:prstGeom prst="rect">
+            <a:avLst/>
+          </a:prstGeom>
+        </p:spPr>
+      </p:pic>
+      <p:sp>
+        <p:nvSpPr>
+          <p:cNvPr id="4" name="TextBox 3"/>
+          <p:cNvSpPr txBox="1"/>
+          <p:nvPr/>
+        </p:nvSpPr>
+        <p:spPr>
+          <a:xfrm>
+            <a:off x="924000" y="4506772"/>
+            <a:ext cx="7266183" cy="523220"/>
+          </a:xfrm>
+          <a:prstGeom prst="rect">
+            <a:avLst/>
+          </a:prstGeom>
+          <a:noFill/>
+        </p:spPr>
+        <p:txBody>
+          <a:bodyPr wrap="square" rtlCol="0">
+            <a:spAutoFit/>
+          </a:bodyPr>
+          <a:lstStyle/>
+          <a:p>
+            <a:r>
+              <a:rPr lang="en-US" sz="1400">
+                <a:latin typeface="Courier"/>
+                <a:cs typeface="Courier"/>
+              </a:rPr>
+              <a:t>g + geom_point(aes(color = bmicat), size = 2, alpha = 1/2) + geom_smooth(size = 4, linetype = 3, method = "lm", se = FALSE)</a:t>
+            </a:r>
+          </a:p>
+        </p:txBody>
+      </p:sp>
+      <p:sp>
+        <p:nvSpPr>
+          <p:cNvPr id="5" name="Rectangle 4"/>
+          <p:cNvSpPr/>
+          <p:nvPr/>
+        </p:nvSpPr>
+        <p:spPr>
+          <a:xfrm>
+            <a:off x="227558" y="3307046"/>
+            <a:ext cx="1657408" cy="631993"/>
+          </a:xfrm>
+          <a:prstGeom prst="rect">
+            <a:avLst/>
+          </a:prstGeom>
+        </p:spPr>
+        <p:style>
+          <a:lnRef idx="1">
+            <a:schemeClr val="accent1"/>
+          </a:lnRef>
+          <a:fillRef idx="3">
+            <a:schemeClr val="accent1"/>
+          </a:fillRef>
+          <a:effectRef idx="2">
+            <a:schemeClr val="accent1"/>
+          </a:effectRef>
+          <a:fontRef idx="minor">
+            <a:schemeClr val="lt1"/>
+          </a:fontRef>
+        </p:style>
+        <p:txBody>
+          <a:bodyPr rtlCol="0" anchor="ctr"/>
+          <a:lstStyle/>
+          <a:p>
+            <a:pPr algn="ctr"/>
+            <a:r>
+              <a:rPr lang="en-US"/>
+              <a:t>Modified smoother</a:t>
+            </a:r>
+          </a:p>
+        </p:txBody>
+      </p:sp>
+      <p:cxnSp>
+        <p:nvCxnSpPr>
+          <p:cNvPr id="7" name="Straight Arrow Connector 6"/>
+          <p:cNvCxnSpPr>
+            <a:stCxn id="5" idx="3"/>
+          </p:cNvCxnSpPr>
+          <p:nvPr/>
+        </p:nvCxnSpPr>
+        <p:spPr>
+          <a:xfrm>
+            <a:off x="1884966" y="3623043"/>
+            <a:ext cx="278275" cy="1220431"/>
+          </a:xfrm>
+          <a:prstGeom prst="straightConnector1">
+            <a:avLst/>
+          </a:prstGeom>
+          <a:ln>
+            <a:tailEnd type="arrow"/>
+          </a:ln>
+        </p:spPr>
+        <p:style>
+          <a:lnRef idx="2">
+            <a:schemeClr val="accent1"/>
+          </a:lnRef>
+          <a:fillRef idx="0">
+            <a:schemeClr val="accent1"/>
+          </a:fillRef>
+          <a:effectRef idx="1">
+            <a:schemeClr val="accent1"/>
+          </a:effectRef>
+          <a:fontRef idx="minor">
+            <a:schemeClr val="tx1"/>
+          </a:fontRef>
+        </p:style>
+      </p:cxnSp>
+      <p:cxnSp>
+        <p:nvCxnSpPr>
+          <p:cNvPr id="8" name="Straight Arrow Connector 7"/>
+          <p:cNvCxnSpPr>
+            <a:stCxn id="5" idx="3"/>
+          </p:cNvCxnSpPr>
+          <p:nvPr/>
+        </p:nvCxnSpPr>
+        <p:spPr>
+          <a:xfrm>
+            <a:off x="1884966" y="3623043"/>
+            <a:ext cx="1257653" cy="122258"/>
+          </a:xfrm>
+          <a:prstGeom prst="straightConnector1">
+            <a:avLst/>
+          </a:prstGeom>
+          <a:ln>
+            <a:tailEnd type="arrow"/>
+          </a:ln>
+        </p:spPr>
+        <p:style>
+          <a:lnRef idx="2">
+            <a:schemeClr val="accent1"/>
+          </a:lnRef>
+          <a:fillRef idx="0">
+            <a:schemeClr val="accent1"/>
+          </a:fillRef>
+          <a:effectRef idx="1">
+            <a:schemeClr val="accent1"/>
+          </a:effectRef>
+          <a:fontRef idx="minor">
+            <a:schemeClr val="tx1"/>
+          </a:fontRef>
+        </p:style>
+      </p:cxnSp>
+    </p:spTree>
+    <p:extLst>
+      <p:ext uri="{BB962C8B-B14F-4D97-AF65-F5344CB8AC3E}">
+        <p14:creationId xmlns:p14="http://schemas.microsoft.com/office/powerpoint/2010/main" val="4245283254"/>
+      </p:ext>
+    </p:extLst>
+  </p:cSld>
+  <p:clrMapOvr>
+    <a:masterClrMapping/>
+  </p:clrMapOvr>
 </p:sld>
 </file>
 
@@ -6301,435 +5994,6 @@
           <a:p>
             <a:r>
               <a:rPr lang="en-US"/>
-              <a:t>Modifying Labels</a:t>
-            </a:r>
-          </a:p>
-        </p:txBody>
-      </p:sp>
-      <p:pic>
-        <p:nvPicPr>
-          <p:cNvPr id="3" name="Picture 2" descr="ggplotp2plot8.pdf"/>
-          <p:cNvPicPr>
-            <a:picLocks noChangeAspect="1"/>
-          </p:cNvPicPr>
-          <p:nvPr/>
-        </p:nvPicPr>
-        <p:blipFill>
-          <a:blip r:embed="rId3">
-            <a:extLst>
-              <a:ext uri="{28A0092B-C50C-407E-A947-70E740481C1C}">
-                <a14:useLocalDpi xmlns:a14="http://schemas.microsoft.com/office/drawing/2010/main" val="0"/>
-              </a:ext>
-            </a:extLst>
-          </a:blip>
-          <a:stretch>
-            <a:fillRect/>
-          </a:stretch>
-        </p:blipFill>
-        <p:spPr>
-          <a:xfrm>
-            <a:off x="1811361" y="1000172"/>
-            <a:ext cx="5471779" cy="3742427"/>
-          </a:xfrm>
-          <a:prstGeom prst="rect">
-            <a:avLst/>
-          </a:prstGeom>
-        </p:spPr>
-      </p:pic>
-      <p:sp>
-        <p:nvSpPr>
-          <p:cNvPr id="4" name="TextBox 3"/>
-          <p:cNvSpPr txBox="1"/>
-          <p:nvPr/>
-        </p:nvSpPr>
-        <p:spPr>
-          <a:xfrm>
-            <a:off x="129149" y="4645424"/>
-            <a:ext cx="8922025" cy="461665"/>
-          </a:xfrm>
-          <a:prstGeom prst="rect">
-            <a:avLst/>
-          </a:prstGeom>
-          <a:noFill/>
-        </p:spPr>
-        <p:txBody>
-          <a:bodyPr wrap="square" rtlCol="0">
-            <a:spAutoFit/>
-          </a:bodyPr>
-          <a:lstStyle/>
-          <a:p>
-            <a:r>
-              <a:rPr lang="en-US" sz="1200">
-                <a:latin typeface="Courier"/>
-                <a:cs typeface="Courier"/>
-              </a:rPr>
-              <a:t>g + geom_point(aes(color = bmicat)) + labs(title = "MAACS Cohort") + labs(x = expression("log " * PM[2.5]), y = "Nocturnal Symptoms")</a:t>
-            </a:r>
-          </a:p>
-        </p:txBody>
-      </p:sp>
-      <p:sp>
-        <p:nvSpPr>
-          <p:cNvPr id="5" name="Rectangle 4"/>
-          <p:cNvSpPr/>
-          <p:nvPr/>
-        </p:nvSpPr>
-        <p:spPr>
-          <a:xfrm>
-            <a:off x="6672686" y="3110585"/>
-            <a:ext cx="2296670" cy="925641"/>
-          </a:xfrm>
-          <a:prstGeom prst="rect">
-            <a:avLst/>
-          </a:prstGeom>
-        </p:spPr>
-        <p:style>
-          <a:lnRef idx="1">
-            <a:schemeClr val="accent1"/>
-          </a:lnRef>
-          <a:fillRef idx="3">
-            <a:schemeClr val="accent1"/>
-          </a:fillRef>
-          <a:effectRef idx="2">
-            <a:schemeClr val="accent1"/>
-          </a:effectRef>
-          <a:fontRef idx="minor">
-            <a:schemeClr val="lt1"/>
-          </a:fontRef>
-        </p:style>
-        <p:txBody>
-          <a:bodyPr rtlCol="0" anchor="ctr"/>
-          <a:lstStyle/>
-          <a:p>
-            <a:pPr algn="ctr"/>
-            <a:r>
-              <a:rPr lang="en-US"/>
-              <a:t>labs() function for modifying titles and x-, y-axis labels</a:t>
-            </a:r>
-          </a:p>
-        </p:txBody>
-      </p:sp>
-      <p:cxnSp>
-        <p:nvCxnSpPr>
-          <p:cNvPr id="7" name="Straight Arrow Connector 6"/>
-          <p:cNvCxnSpPr>
-            <a:stCxn id="5" idx="2"/>
-          </p:cNvCxnSpPr>
-          <p:nvPr/>
-        </p:nvCxnSpPr>
-        <p:spPr>
-          <a:xfrm flipH="1">
-            <a:off x="6769547" y="4036226"/>
-            <a:ext cx="1051474" cy="641487"/>
-          </a:xfrm>
-          <a:prstGeom prst="straightConnector1">
-            <a:avLst/>
-          </a:prstGeom>
-          <a:ln>
-            <a:tailEnd type="arrow"/>
-          </a:ln>
-        </p:spPr>
-        <p:style>
-          <a:lnRef idx="2">
-            <a:schemeClr val="accent1"/>
-          </a:lnRef>
-          <a:fillRef idx="0">
-            <a:schemeClr val="accent1"/>
-          </a:fillRef>
-          <a:effectRef idx="1">
-            <a:schemeClr val="accent1"/>
-          </a:effectRef>
-          <a:fontRef idx="minor">
-            <a:schemeClr val="tx1"/>
-          </a:fontRef>
-        </p:style>
-      </p:cxnSp>
-    </p:spTree>
-    <p:extLst>
-      <p:ext uri="{BB962C8B-B14F-4D97-AF65-F5344CB8AC3E}">
-        <p14:creationId xmlns:p14="http://schemas.microsoft.com/office/powerpoint/2010/main" val="1719195091"/>
-      </p:ext>
-    </p:extLst>
-  </p:cSld>
-  <p:clrMapOvr>
-    <a:masterClrMapping/>
-  </p:clrMapOvr>
-  <p:timing>
-    <p:tnLst>
-      <p:par>
-        <p:cTn id="1" dur="indefinite" restart="never" nodeType="tmRoot"/>
-      </p:par>
-    </p:tnLst>
-  </p:timing>
-</p:sld>
-</file>
-
-<file path=ppt/slides/slide15.xml><?xml version="1.0" encoding="utf-8"?>
-<p:sld xmlns:a="http://schemas.openxmlformats.org/drawingml/2006/main" xmlns:r="http://schemas.openxmlformats.org/officeDocument/2006/relationships" xmlns:p="http://schemas.openxmlformats.org/presentationml/2006/main">
-  <p:cSld>
-    <p:spTree>
-      <p:nvGrpSpPr>
-        <p:cNvPr id="1" name=""/>
-        <p:cNvGrpSpPr/>
-        <p:nvPr/>
-      </p:nvGrpSpPr>
-      <p:grpSpPr>
-        <a:xfrm>
-          <a:off x="0" y="0"/>
-          <a:ext cx="0" cy="0"/>
-          <a:chOff x="0" y="0"/>
-          <a:chExt cx="0" cy="0"/>
-        </a:xfrm>
-      </p:grpSpPr>
-      <p:sp>
-        <p:nvSpPr>
-          <p:cNvPr id="2" name="Title 1"/>
-          <p:cNvSpPr>
-            <a:spLocks noGrp="1"/>
-          </p:cNvSpPr>
-          <p:nvPr>
-            <p:ph type="title"/>
-          </p:nvPr>
-        </p:nvSpPr>
-        <p:spPr/>
-        <p:txBody>
-          <a:bodyPr/>
-          <a:lstStyle/>
-          <a:p>
-            <a:r>
-              <a:rPr lang="en-US"/>
-              <a:t>Customizing the Smooth</a:t>
-            </a:r>
-          </a:p>
-        </p:txBody>
-      </p:sp>
-      <p:pic>
-        <p:nvPicPr>
-          <p:cNvPr id="3" name="Picture 2" descr="ggplotp2plot9.pdf"/>
-          <p:cNvPicPr>
-            <a:picLocks noChangeAspect="1"/>
-          </p:cNvPicPr>
-          <p:nvPr/>
-        </p:nvPicPr>
-        <p:blipFill>
-          <a:blip r:embed="rId3">
-            <a:extLst>
-              <a:ext uri="{28A0092B-C50C-407E-A947-70E740481C1C}">
-                <a14:useLocalDpi xmlns:a14="http://schemas.microsoft.com/office/drawing/2010/main" val="0"/>
-              </a:ext>
-            </a:extLst>
-          </a:blip>
-          <a:stretch>
-            <a:fillRect/>
-          </a:stretch>
-        </p:blipFill>
-        <p:spPr>
-          <a:xfrm>
-            <a:off x="1625600" y="1063229"/>
-            <a:ext cx="5892800" cy="3517900"/>
-          </a:xfrm>
-          <a:prstGeom prst="rect">
-            <a:avLst/>
-          </a:prstGeom>
-        </p:spPr>
-      </p:pic>
-      <p:sp>
-        <p:nvSpPr>
-          <p:cNvPr id="4" name="TextBox 3"/>
-          <p:cNvSpPr txBox="1"/>
-          <p:nvPr/>
-        </p:nvSpPr>
-        <p:spPr>
-          <a:xfrm>
-            <a:off x="924000" y="4506772"/>
-            <a:ext cx="7266183" cy="523220"/>
-          </a:xfrm>
-          <a:prstGeom prst="rect">
-            <a:avLst/>
-          </a:prstGeom>
-          <a:noFill/>
-        </p:spPr>
-        <p:txBody>
-          <a:bodyPr wrap="square" rtlCol="0">
-            <a:spAutoFit/>
-          </a:bodyPr>
-          <a:lstStyle/>
-          <a:p>
-            <a:r>
-              <a:rPr lang="en-US" sz="1400">
-                <a:latin typeface="Courier"/>
-                <a:cs typeface="Courier"/>
-              </a:rPr>
-              <a:t>g + geom_point(aes(color = bmicat), size = 2, alpha = 1/2) + geom_smooth(size = 4, linetype = 3, method = "lm", se = FALSE)</a:t>
-            </a:r>
-          </a:p>
-        </p:txBody>
-      </p:sp>
-      <p:sp>
-        <p:nvSpPr>
-          <p:cNvPr id="5" name="Rectangle 4"/>
-          <p:cNvSpPr/>
-          <p:nvPr/>
-        </p:nvSpPr>
-        <p:spPr>
-          <a:xfrm>
-            <a:off x="227558" y="3307046"/>
-            <a:ext cx="1657408" cy="631993"/>
-          </a:xfrm>
-          <a:prstGeom prst="rect">
-            <a:avLst/>
-          </a:prstGeom>
-        </p:spPr>
-        <p:style>
-          <a:lnRef idx="1">
-            <a:schemeClr val="accent1"/>
-          </a:lnRef>
-          <a:fillRef idx="3">
-            <a:schemeClr val="accent1"/>
-          </a:fillRef>
-          <a:effectRef idx="2">
-            <a:schemeClr val="accent1"/>
-          </a:effectRef>
-          <a:fontRef idx="minor">
-            <a:schemeClr val="lt1"/>
-          </a:fontRef>
-        </p:style>
-        <p:txBody>
-          <a:bodyPr rtlCol="0" anchor="ctr"/>
-          <a:lstStyle/>
-          <a:p>
-            <a:pPr algn="ctr"/>
-            <a:r>
-              <a:rPr lang="en-US"/>
-              <a:t>Modified smoother</a:t>
-            </a:r>
-          </a:p>
-        </p:txBody>
-      </p:sp>
-      <p:cxnSp>
-        <p:nvCxnSpPr>
-          <p:cNvPr id="7" name="Straight Arrow Connector 6"/>
-          <p:cNvCxnSpPr>
-            <a:stCxn id="5" idx="3"/>
-          </p:cNvCxnSpPr>
-          <p:nvPr/>
-        </p:nvCxnSpPr>
-        <p:spPr>
-          <a:xfrm>
-            <a:off x="1884966" y="3623043"/>
-            <a:ext cx="278275" cy="1220431"/>
-          </a:xfrm>
-          <a:prstGeom prst="straightConnector1">
-            <a:avLst/>
-          </a:prstGeom>
-          <a:ln>
-            <a:tailEnd type="arrow"/>
-          </a:ln>
-        </p:spPr>
-        <p:style>
-          <a:lnRef idx="2">
-            <a:schemeClr val="accent1"/>
-          </a:lnRef>
-          <a:fillRef idx="0">
-            <a:schemeClr val="accent1"/>
-          </a:fillRef>
-          <a:effectRef idx="1">
-            <a:schemeClr val="accent1"/>
-          </a:effectRef>
-          <a:fontRef idx="minor">
-            <a:schemeClr val="tx1"/>
-          </a:fontRef>
-        </p:style>
-      </p:cxnSp>
-      <p:cxnSp>
-        <p:nvCxnSpPr>
-          <p:cNvPr id="8" name="Straight Arrow Connector 7"/>
-          <p:cNvCxnSpPr>
-            <a:stCxn id="5" idx="3"/>
-          </p:cNvCxnSpPr>
-          <p:nvPr/>
-        </p:nvCxnSpPr>
-        <p:spPr>
-          <a:xfrm>
-            <a:off x="1884966" y="3623043"/>
-            <a:ext cx="1257653" cy="122258"/>
-          </a:xfrm>
-          <a:prstGeom prst="straightConnector1">
-            <a:avLst/>
-          </a:prstGeom>
-          <a:ln>
-            <a:tailEnd type="arrow"/>
-          </a:ln>
-        </p:spPr>
-        <p:style>
-          <a:lnRef idx="2">
-            <a:schemeClr val="accent1"/>
-          </a:lnRef>
-          <a:fillRef idx="0">
-            <a:schemeClr val="accent1"/>
-          </a:fillRef>
-          <a:effectRef idx="1">
-            <a:schemeClr val="accent1"/>
-          </a:effectRef>
-          <a:fontRef idx="minor">
-            <a:schemeClr val="tx1"/>
-          </a:fontRef>
-        </p:style>
-      </p:cxnSp>
-    </p:spTree>
-    <p:extLst>
-      <p:ext uri="{BB962C8B-B14F-4D97-AF65-F5344CB8AC3E}">
-        <p14:creationId xmlns:p14="http://schemas.microsoft.com/office/powerpoint/2010/main" val="4245283254"/>
-      </p:ext>
-    </p:extLst>
-  </p:cSld>
-  <p:clrMapOvr>
-    <a:masterClrMapping/>
-  </p:clrMapOvr>
-  <p:timing>
-    <p:tnLst>
-      <p:par>
-        <p:cTn id="1" dur="indefinite" restart="never" nodeType="tmRoot"/>
-      </p:par>
-    </p:tnLst>
-  </p:timing>
-</p:sld>
-</file>
-
-<file path=ppt/slides/slide16.xml><?xml version="1.0" encoding="utf-8"?>
-<p:sld xmlns:a="http://schemas.openxmlformats.org/drawingml/2006/main" xmlns:r="http://schemas.openxmlformats.org/officeDocument/2006/relationships" xmlns:p="http://schemas.openxmlformats.org/presentationml/2006/main">
-  <p:cSld>
-    <p:spTree>
-      <p:nvGrpSpPr>
-        <p:cNvPr id="1" name=""/>
-        <p:cNvGrpSpPr/>
-        <p:nvPr/>
-      </p:nvGrpSpPr>
-      <p:grpSpPr>
-        <a:xfrm>
-          <a:off x="0" y="0"/>
-          <a:ext cx="0" cy="0"/>
-          <a:chOff x="0" y="0"/>
-          <a:chExt cx="0" cy="0"/>
-        </a:xfrm>
-      </p:grpSpPr>
-      <p:sp>
-        <p:nvSpPr>
-          <p:cNvPr id="2" name="Title 1"/>
-          <p:cNvSpPr>
-            <a:spLocks noGrp="1"/>
-          </p:cNvSpPr>
-          <p:nvPr>
-            <p:ph type="title"/>
-          </p:nvPr>
-        </p:nvSpPr>
-        <p:spPr/>
-        <p:txBody>
-          <a:bodyPr/>
-          <a:lstStyle/>
-          <a:p>
-            <a:r>
-              <a:rPr lang="en-US"/>
               <a:t>Changing the Theme</a:t>
             </a:r>
           </a:p>
@@ -6807,17 +6071,10 @@
   <p:clrMapOvr>
     <a:masterClrMapping/>
   </p:clrMapOvr>
-  <p:timing>
-    <p:tnLst>
-      <p:par>
-        <p:cTn id="1" dur="indefinite" restart="never" nodeType="tmRoot"/>
-      </p:par>
-    </p:tnLst>
-  </p:timing>
 </p:sld>
 </file>
 
-<file path=ppt/slides/slide17.xml><?xml version="1.0" encoding="utf-8"?>
+<file path=ppt/slides/slide15.xml><?xml version="1.0" encoding="utf-8"?>
 <p:sld xmlns:a="http://schemas.openxmlformats.org/drawingml/2006/main" xmlns:r="http://schemas.openxmlformats.org/officeDocument/2006/relationships" xmlns:p="http://schemas.openxmlformats.org/presentationml/2006/main">
   <p:cSld>
     <p:spTree>
@@ -7020,17 +6277,10 @@
   <p:clrMapOvr>
     <a:masterClrMapping/>
   </p:clrMapOvr>
-  <p:timing>
-    <p:tnLst>
-      <p:par>
-        <p:cTn id="1" dur="indefinite" restart="never" nodeType="tmRoot"/>
-      </p:par>
-    </p:tnLst>
-  </p:timing>
 </p:sld>
 </file>
 
-<file path=ppt/slides/slide18.xml><?xml version="1.0" encoding="utf-8"?>
+<file path=ppt/slides/slide16.xml><?xml version="1.0" encoding="utf-8"?>
 <p:sld xmlns:a="http://schemas.openxmlformats.org/drawingml/2006/main" xmlns:r="http://schemas.openxmlformats.org/officeDocument/2006/relationships" xmlns:p="http://schemas.openxmlformats.org/presentationml/2006/main">
   <p:cSld>
     <p:spTree>
@@ -7358,13 +6608,290 @@
   <p:clrMapOvr>
     <a:masterClrMapping/>
   </p:clrMapOvr>
-  <p:timing>
-    <p:tnLst>
-      <p:par>
-        <p:cTn id="1" dur="indefinite" restart="never" nodeType="tmRoot"/>
-      </p:par>
-    </p:tnLst>
-  </p:timing>
+</p:sld>
+</file>
+
+<file path=ppt/slides/slide17.xml><?xml version="1.0" encoding="utf-8"?>
+<p:sld xmlns:a="http://schemas.openxmlformats.org/drawingml/2006/main" xmlns:r="http://schemas.openxmlformats.org/officeDocument/2006/relationships" xmlns:p="http://schemas.openxmlformats.org/presentationml/2006/main">
+  <p:cSld>
+    <p:spTree>
+      <p:nvGrpSpPr>
+        <p:cNvPr id="1" name=""/>
+        <p:cNvGrpSpPr/>
+        <p:nvPr/>
+      </p:nvGrpSpPr>
+      <p:grpSpPr>
+        <a:xfrm>
+          <a:off x="0" y="0"/>
+          <a:ext cx="0" cy="0"/>
+          <a:chOff x="0" y="0"/>
+          <a:chExt cx="0" cy="0"/>
+        </a:xfrm>
+      </p:grpSpPr>
+      <p:sp>
+        <p:nvSpPr>
+          <p:cNvPr id="2" name="Title 1"/>
+          <p:cNvSpPr>
+            <a:spLocks noGrp="1"/>
+          </p:cNvSpPr>
+          <p:nvPr>
+            <p:ph type="title"/>
+          </p:nvPr>
+        </p:nvSpPr>
+        <p:spPr/>
+        <p:txBody>
+          <a:bodyPr>
+            <a:normAutofit/>
+          </a:bodyPr>
+          <a:lstStyle/>
+          <a:p>
+            <a:r>
+              <a:rPr lang="en-US"/>
+              <a:t>More Complex Example</a:t>
+            </a:r>
+            <a:endParaRPr lang="en-US" baseline="-25000"/>
+          </a:p>
+        </p:txBody>
+      </p:sp>
+      <p:sp>
+        <p:nvSpPr>
+          <p:cNvPr id="3" name="Content Placeholder 2"/>
+          <p:cNvSpPr>
+            <a:spLocks noGrp="1"/>
+          </p:cNvSpPr>
+          <p:nvPr>
+            <p:ph idx="1"/>
+          </p:nvPr>
+        </p:nvSpPr>
+        <p:spPr/>
+        <p:txBody>
+          <a:bodyPr>
+            <a:normAutofit fontScale="92500" lnSpcReduction="10000"/>
+          </a:bodyPr>
+          <a:lstStyle/>
+          <a:p>
+            <a:r>
+              <a:rPr lang="en-US"/>
+              <a:t>How does the relationship between PM</a:t>
+            </a:r>
+            <a:r>
+              <a:rPr lang="en-US" baseline="-25000"/>
+              <a:t>2.5</a:t>
+            </a:r>
+            <a:r>
+              <a:rPr lang="en-US"/>
+              <a:t> and nocturnal symptoms vary by BMI and NO</a:t>
+            </a:r>
+            <a:r>
+              <a:rPr lang="en-US" baseline="-25000"/>
+              <a:t>2</a:t>
+            </a:r>
+            <a:r>
+              <a:rPr lang="en-US"/>
+              <a:t>?</a:t>
+            </a:r>
+          </a:p>
+          <a:p>
+            <a:r>
+              <a:rPr lang="en-US"/>
+              <a:t>Unlike our previous BMI variable, NO</a:t>
+            </a:r>
+            <a:r>
+              <a:rPr lang="en-US" baseline="-25000"/>
+              <a:t>2</a:t>
+            </a:r>
+            <a:r>
+              <a:rPr lang="en-US"/>
+              <a:t> is continuous</a:t>
+            </a:r>
+          </a:p>
+          <a:p>
+            <a:r>
+              <a:rPr lang="en-US"/>
+              <a:t>We need to make NO2 categorical so we can condition on it in the plotting</a:t>
+            </a:r>
+          </a:p>
+          <a:p>
+            <a:pPr lvl="1"/>
+            <a:r>
+              <a:rPr lang="en-US"/>
+              <a:t>Use the cut() function for this</a:t>
+            </a:r>
+          </a:p>
+        </p:txBody>
+      </p:sp>
+    </p:spTree>
+    <p:extLst>
+      <p:ext uri="{BB962C8B-B14F-4D97-AF65-F5344CB8AC3E}">
+        <p14:creationId xmlns:p14="http://schemas.microsoft.com/office/powerpoint/2010/main" val="1148400531"/>
+      </p:ext>
+    </p:extLst>
+  </p:cSld>
+  <p:clrMapOvr>
+    <a:masterClrMapping/>
+  </p:clrMapOvr>
+</p:sld>
+</file>
+
+<file path=ppt/slides/slide18.xml><?xml version="1.0" encoding="utf-8"?>
+<p:sld xmlns:a="http://schemas.openxmlformats.org/drawingml/2006/main" xmlns:r="http://schemas.openxmlformats.org/officeDocument/2006/relationships" xmlns:p="http://schemas.openxmlformats.org/presentationml/2006/main">
+  <p:cSld>
+    <p:spTree>
+      <p:nvGrpSpPr>
+        <p:cNvPr id="1" name=""/>
+        <p:cNvGrpSpPr/>
+        <p:nvPr/>
+      </p:nvGrpSpPr>
+      <p:grpSpPr>
+        <a:xfrm>
+          <a:off x="0" y="0"/>
+          <a:ext cx="0" cy="0"/>
+          <a:chOff x="0" y="0"/>
+          <a:chExt cx="0" cy="0"/>
+        </a:xfrm>
+      </p:grpSpPr>
+      <p:sp>
+        <p:nvSpPr>
+          <p:cNvPr id="2" name="Title 1"/>
+          <p:cNvSpPr>
+            <a:spLocks noGrp="1"/>
+          </p:cNvSpPr>
+          <p:nvPr>
+            <p:ph type="title"/>
+          </p:nvPr>
+        </p:nvSpPr>
+        <p:spPr/>
+        <p:txBody>
+          <a:bodyPr/>
+          <a:lstStyle/>
+          <a:p>
+            <a:r>
+              <a:rPr lang="en-US"/>
+              <a:t>Making NO</a:t>
+            </a:r>
+            <a:r>
+              <a:rPr lang="en-US" baseline="-25000"/>
+              <a:t>2</a:t>
+            </a:r>
+            <a:r>
+              <a:rPr lang="en-US"/>
+              <a:t> Tertiles</a:t>
+            </a:r>
+          </a:p>
+        </p:txBody>
+      </p:sp>
+      <p:sp>
+        <p:nvSpPr>
+          <p:cNvPr id="4" name="TextBox 3"/>
+          <p:cNvSpPr txBox="1"/>
+          <p:nvPr/>
+        </p:nvSpPr>
+        <p:spPr>
+          <a:xfrm>
+            <a:off x="219354" y="1391451"/>
+            <a:ext cx="8588334" cy="2031325"/>
+          </a:xfrm>
+          <a:prstGeom prst="rect">
+            <a:avLst/>
+          </a:prstGeom>
+          <a:noFill/>
+        </p:spPr>
+        <p:txBody>
+          <a:bodyPr wrap="none" rtlCol="0">
+            <a:spAutoFit/>
+          </a:bodyPr>
+          <a:lstStyle/>
+          <a:p>
+            <a:r>
+              <a:rPr lang="en-US" sz="1400">
+                <a:latin typeface="Courier"/>
+                <a:cs typeface="Courier"/>
+              </a:rPr>
+              <a:t>## Calculate the deciles of the data</a:t>
+            </a:r>
+          </a:p>
+          <a:p>
+            <a:r>
+              <a:rPr lang="en-US" sz="1400">
+                <a:latin typeface="Courier"/>
+                <a:cs typeface="Courier"/>
+              </a:rPr>
+              <a:t>&gt; cutpoints &lt;- quantile(maacs$logno2_new, seq(0, 1, length = 4), na.rm = TRUE)</a:t>
+            </a:r>
+          </a:p>
+          <a:p>
+            <a:endParaRPr lang="en-US" sz="1400">
+              <a:latin typeface="Courier"/>
+              <a:cs typeface="Courier"/>
+            </a:endParaRPr>
+          </a:p>
+          <a:p>
+            <a:r>
+              <a:rPr lang="en-US" sz="1400">
+                <a:latin typeface="Courier"/>
+                <a:cs typeface="Courier"/>
+              </a:rPr>
+              <a:t>## Cut the data at the deciles and create a new factor variable</a:t>
+            </a:r>
+          </a:p>
+          <a:p>
+            <a:r>
+              <a:rPr lang="en-US" sz="1400">
+                <a:latin typeface="Courier"/>
+                <a:cs typeface="Courier"/>
+              </a:rPr>
+              <a:t>&gt; maacs$no2dec &lt;- cut(maacs$logno2_new, cutpoints)</a:t>
+            </a:r>
+          </a:p>
+          <a:p>
+            <a:endParaRPr lang="en-US" sz="1400">
+              <a:latin typeface="Courier"/>
+              <a:cs typeface="Courier"/>
+            </a:endParaRPr>
+          </a:p>
+          <a:p>
+            <a:r>
+              <a:rPr lang="en-US" sz="1400">
+                <a:latin typeface="Courier"/>
+                <a:cs typeface="Courier"/>
+              </a:rPr>
+              <a:t>## See the levels of the newly created factor variable</a:t>
+            </a:r>
+          </a:p>
+          <a:p>
+            <a:r>
+              <a:rPr lang="hu-HU" sz="1400">
+                <a:latin typeface="Courier"/>
+                <a:cs typeface="Courier"/>
+              </a:rPr>
+              <a:t>&gt; levels(maacs$no2dec)</a:t>
+            </a:r>
+          </a:p>
+          <a:p>
+            <a:r>
+              <a:rPr lang="hu-HU" sz="1400">
+                <a:latin typeface="Courier"/>
+                <a:cs typeface="Courier"/>
+              </a:rPr>
+              <a:t>[1] "(0.378,1.2]" "(1.2,1.42]"  "(1.42,2.55]”</a:t>
+            </a:r>
+            <a:endParaRPr lang="en-US" sz="1400">
+              <a:latin typeface="Courier"/>
+              <a:cs typeface="Courier"/>
+            </a:endParaRPr>
+          </a:p>
+        </p:txBody>
+      </p:sp>
+    </p:spTree>
+    <p:extLst>
+      <p:ext uri="{BB962C8B-B14F-4D97-AF65-F5344CB8AC3E}">
+        <p14:creationId xmlns:p14="http://schemas.microsoft.com/office/powerpoint/2010/main" val="3396982925"/>
+      </p:ext>
+    </p:extLst>
+  </p:cSld>
+  <p:clrMapOvr>
+    <a:masterClrMapping/>
+  </p:clrMapOvr>
 </p:sld>
 </file>
 
@@ -7397,103 +6924,471 @@
         </p:nvSpPr>
         <p:spPr/>
         <p:txBody>
-          <a:bodyPr>
-            <a:normAutofit/>
-          </a:bodyPr>
-          <a:lstStyle/>
-          <a:p>
-            <a:r>
-              <a:rPr lang="en-US"/>
-              <a:t>More Complex Example</a:t>
-            </a:r>
-            <a:endParaRPr lang="en-US" baseline="-25000"/>
-          </a:p>
-        </p:txBody>
-      </p:sp>
-      <p:sp>
-        <p:nvSpPr>
-          <p:cNvPr id="3" name="Content Placeholder 2"/>
-          <p:cNvSpPr>
-            <a:spLocks noGrp="1"/>
-          </p:cNvSpPr>
-          <p:nvPr>
-            <p:ph idx="1"/>
-          </p:nvPr>
-        </p:nvSpPr>
-        <p:spPr/>
-        <p:txBody>
-          <a:bodyPr>
-            <a:normAutofit fontScale="92500" lnSpcReduction="10000"/>
-          </a:bodyPr>
-          <a:lstStyle/>
-          <a:p>
-            <a:r>
-              <a:rPr lang="en-US"/>
-              <a:t>How does the relationship between PM</a:t>
-            </a:r>
-            <a:r>
-              <a:rPr lang="en-US" baseline="-25000"/>
-              <a:t>2.5</a:t>
-            </a:r>
-            <a:r>
-              <a:rPr lang="en-US"/>
-              <a:t> and nocturnal symptoms vary by BMI and NO</a:t>
-            </a:r>
-            <a:r>
-              <a:rPr lang="en-US" baseline="-25000"/>
-              <a:t>2</a:t>
-            </a:r>
-            <a:r>
-              <a:rPr lang="en-US"/>
-              <a:t>?</a:t>
-            </a:r>
-          </a:p>
-          <a:p>
-            <a:r>
-              <a:rPr lang="en-US"/>
-              <a:t>Unlike our previous BMI variable, NO</a:t>
-            </a:r>
-            <a:r>
-              <a:rPr lang="en-US" baseline="-25000"/>
-              <a:t>2</a:t>
-            </a:r>
-            <a:r>
-              <a:rPr lang="en-US"/>
-              <a:t> is continuous</a:t>
-            </a:r>
-          </a:p>
-          <a:p>
-            <a:r>
-              <a:rPr lang="en-US"/>
-              <a:t>We need to make NO2 categorical so we can condition on it in the plotting</a:t>
-            </a:r>
-          </a:p>
-          <a:p>
-            <a:pPr lvl="1"/>
-            <a:r>
-              <a:rPr lang="en-US"/>
-              <a:t>Use the cut() function for this</a:t>
-            </a:r>
-          </a:p>
-        </p:txBody>
-      </p:sp>
+          <a:bodyPr/>
+          <a:lstStyle/>
+          <a:p>
+            <a:r>
+              <a:rPr lang="en-US"/>
+              <a:t>Final Plot</a:t>
+            </a:r>
+          </a:p>
+        </p:txBody>
+      </p:sp>
+      <p:pic>
+        <p:nvPicPr>
+          <p:cNvPr id="3" name="Picture 2" descr="Screen Shot 2013-09-30 at 2.04.22 PM.png"/>
+          <p:cNvPicPr>
+            <a:picLocks noChangeAspect="1"/>
+          </p:cNvPicPr>
+          <p:nvPr/>
+        </p:nvPicPr>
+        <p:blipFill>
+          <a:blip r:embed="rId3">
+            <a:extLst>
+              <a:ext uri="{28A0092B-C50C-407E-A947-70E740481C1C}">
+                <a14:useLocalDpi xmlns:a14="http://schemas.microsoft.com/office/drawing/2010/main" val="0"/>
+              </a:ext>
+            </a:extLst>
+          </a:blip>
+          <a:stretch>
+            <a:fillRect/>
+          </a:stretch>
+        </p:blipFill>
+        <p:spPr>
+          <a:xfrm>
+            <a:off x="1134704" y="1030526"/>
+            <a:ext cx="6845211" cy="4059860"/>
+          </a:xfrm>
+          <a:prstGeom prst="rect">
+            <a:avLst/>
+          </a:prstGeom>
+        </p:spPr>
+      </p:pic>
+      <p:sp>
+        <p:nvSpPr>
+          <p:cNvPr id="4" name="Rectangle 3"/>
+          <p:cNvSpPr/>
+          <p:nvPr/>
+        </p:nvSpPr>
+        <p:spPr>
+          <a:xfrm>
+            <a:off x="7058070" y="614149"/>
+            <a:ext cx="1769723" cy="416377"/>
+          </a:xfrm>
+          <a:prstGeom prst="rect">
+            <a:avLst/>
+          </a:prstGeom>
+        </p:spPr>
+        <p:style>
+          <a:lnRef idx="1">
+            <a:schemeClr val="accent1"/>
+          </a:lnRef>
+          <a:fillRef idx="3">
+            <a:schemeClr val="accent1"/>
+          </a:fillRef>
+          <a:effectRef idx="2">
+            <a:schemeClr val="accent1"/>
+          </a:effectRef>
+          <a:fontRef idx="minor">
+            <a:schemeClr val="lt1"/>
+          </a:fontRef>
+        </p:style>
+        <p:txBody>
+          <a:bodyPr rtlCol="0" anchor="ctr"/>
+          <a:lstStyle/>
+          <a:p>
+            <a:pPr algn="ctr"/>
+            <a:r>
+              <a:rPr lang="en-US"/>
+              <a:t>Multiple panels</a:t>
+            </a:r>
+          </a:p>
+        </p:txBody>
+      </p:sp>
+      <p:sp>
+        <p:nvSpPr>
+          <p:cNvPr id="5" name="Rectangle 4"/>
+          <p:cNvSpPr/>
+          <p:nvPr/>
+        </p:nvSpPr>
+        <p:spPr>
+          <a:xfrm>
+            <a:off x="547985" y="141983"/>
+            <a:ext cx="1769723" cy="416377"/>
+          </a:xfrm>
+          <a:prstGeom prst="rect">
+            <a:avLst/>
+          </a:prstGeom>
+        </p:spPr>
+        <p:style>
+          <a:lnRef idx="1">
+            <a:schemeClr val="accent1"/>
+          </a:lnRef>
+          <a:fillRef idx="3">
+            <a:schemeClr val="accent1"/>
+          </a:fillRef>
+          <a:effectRef idx="2">
+            <a:schemeClr val="accent1"/>
+          </a:effectRef>
+          <a:fontRef idx="minor">
+            <a:schemeClr val="lt1"/>
+          </a:fontRef>
+        </p:style>
+        <p:txBody>
+          <a:bodyPr rtlCol="0" anchor="ctr"/>
+          <a:lstStyle/>
+          <a:p>
+            <a:pPr algn="ctr"/>
+            <a:r>
+              <a:rPr lang="en-US"/>
+              <a:t>Non-default font</a:t>
+            </a:r>
+          </a:p>
+        </p:txBody>
+      </p:sp>
+      <p:sp>
+        <p:nvSpPr>
+          <p:cNvPr id="6" name="Rectangle 5"/>
+          <p:cNvSpPr/>
+          <p:nvPr/>
+        </p:nvSpPr>
+        <p:spPr>
+          <a:xfrm>
+            <a:off x="7979915" y="2310867"/>
+            <a:ext cx="1128046" cy="416377"/>
+          </a:xfrm>
+          <a:prstGeom prst="rect">
+            <a:avLst/>
+          </a:prstGeom>
+        </p:spPr>
+        <p:style>
+          <a:lnRef idx="1">
+            <a:schemeClr val="accent1"/>
+          </a:lnRef>
+          <a:fillRef idx="3">
+            <a:schemeClr val="accent1"/>
+          </a:fillRef>
+          <a:effectRef idx="2">
+            <a:schemeClr val="accent1"/>
+          </a:effectRef>
+          <a:fontRef idx="minor">
+            <a:schemeClr val="lt1"/>
+          </a:fontRef>
+        </p:style>
+        <p:txBody>
+          <a:bodyPr rtlCol="0" anchor="ctr"/>
+          <a:lstStyle/>
+          <a:p>
+            <a:pPr algn="ctr"/>
+            <a:r>
+              <a:rPr lang="en-US"/>
+              <a:t>Smoother</a:t>
+            </a:r>
+          </a:p>
+        </p:txBody>
+      </p:sp>
+      <p:sp>
+        <p:nvSpPr>
+          <p:cNvPr id="7" name="Rectangle 6"/>
+          <p:cNvSpPr/>
+          <p:nvPr/>
+        </p:nvSpPr>
+        <p:spPr>
+          <a:xfrm>
+            <a:off x="48301" y="1234970"/>
+            <a:ext cx="1315428" cy="628297"/>
+          </a:xfrm>
+          <a:prstGeom prst="rect">
+            <a:avLst/>
+          </a:prstGeom>
+        </p:spPr>
+        <p:style>
+          <a:lnRef idx="1">
+            <a:schemeClr val="accent1"/>
+          </a:lnRef>
+          <a:fillRef idx="3">
+            <a:schemeClr val="accent1"/>
+          </a:fillRef>
+          <a:effectRef idx="2">
+            <a:schemeClr val="accent1"/>
+          </a:effectRef>
+          <a:fontRef idx="minor">
+            <a:schemeClr val="lt1"/>
+          </a:fontRef>
+        </p:style>
+        <p:txBody>
+          <a:bodyPr rtlCol="0" anchor="ctr"/>
+          <a:lstStyle/>
+          <a:p>
+            <a:pPr algn="ctr"/>
+            <a:r>
+              <a:rPr lang="en-US"/>
+              <a:t>Transparent points</a:t>
+            </a:r>
+          </a:p>
+        </p:txBody>
+      </p:sp>
+      <p:sp>
+        <p:nvSpPr>
+          <p:cNvPr id="8" name="Rectangle 7"/>
+          <p:cNvSpPr/>
+          <p:nvPr/>
+        </p:nvSpPr>
+        <p:spPr>
+          <a:xfrm>
+            <a:off x="48301" y="4600916"/>
+            <a:ext cx="1315428" cy="416377"/>
+          </a:xfrm>
+          <a:prstGeom prst="rect">
+            <a:avLst/>
+          </a:prstGeom>
+        </p:spPr>
+        <p:style>
+          <a:lnRef idx="1">
+            <a:schemeClr val="accent1"/>
+          </a:lnRef>
+          <a:fillRef idx="3">
+            <a:schemeClr val="accent1"/>
+          </a:fillRef>
+          <a:effectRef idx="2">
+            <a:schemeClr val="accent1"/>
+          </a:effectRef>
+          <a:fontRef idx="minor">
+            <a:schemeClr val="lt1"/>
+          </a:fontRef>
+        </p:style>
+        <p:txBody>
+          <a:bodyPr rtlCol="0" anchor="ctr"/>
+          <a:lstStyle/>
+          <a:p>
+            <a:pPr algn="ctr"/>
+            <a:r>
+              <a:rPr lang="en-US"/>
+              <a:t>Labels/Title</a:t>
+            </a:r>
+          </a:p>
+        </p:txBody>
+      </p:sp>
+      <p:cxnSp>
+        <p:nvCxnSpPr>
+          <p:cNvPr id="10" name="Straight Arrow Connector 9"/>
+          <p:cNvCxnSpPr>
+            <a:stCxn id="5" idx="3"/>
+          </p:cNvCxnSpPr>
+          <p:nvPr/>
+        </p:nvCxnSpPr>
+        <p:spPr>
+          <a:xfrm>
+            <a:off x="2317708" y="350172"/>
+            <a:ext cx="1773474" cy="971810"/>
+          </a:xfrm>
+          <a:prstGeom prst="straightConnector1">
+            <a:avLst/>
+          </a:prstGeom>
+          <a:ln>
+            <a:tailEnd type="arrow"/>
+          </a:ln>
+        </p:spPr>
+        <p:style>
+          <a:lnRef idx="2">
+            <a:schemeClr val="accent1"/>
+          </a:lnRef>
+          <a:fillRef idx="0">
+            <a:schemeClr val="accent1"/>
+          </a:fillRef>
+          <a:effectRef idx="1">
+            <a:schemeClr val="accent1"/>
+          </a:effectRef>
+          <a:fontRef idx="minor">
+            <a:schemeClr val="tx1"/>
+          </a:fontRef>
+        </p:style>
+      </p:cxnSp>
+      <p:cxnSp>
+        <p:nvCxnSpPr>
+          <p:cNvPr id="11" name="Straight Arrow Connector 10"/>
+          <p:cNvCxnSpPr>
+            <a:stCxn id="7" idx="3"/>
+          </p:cNvCxnSpPr>
+          <p:nvPr/>
+        </p:nvCxnSpPr>
+        <p:spPr>
+          <a:xfrm>
+            <a:off x="1363729" y="1549119"/>
+            <a:ext cx="953979" cy="761748"/>
+          </a:xfrm>
+          <a:prstGeom prst="straightConnector1">
+            <a:avLst/>
+          </a:prstGeom>
+          <a:ln>
+            <a:tailEnd type="arrow"/>
+          </a:ln>
+        </p:spPr>
+        <p:style>
+          <a:lnRef idx="2">
+            <a:schemeClr val="accent1"/>
+          </a:lnRef>
+          <a:fillRef idx="0">
+            <a:schemeClr val="accent1"/>
+          </a:fillRef>
+          <a:effectRef idx="1">
+            <a:schemeClr val="accent1"/>
+          </a:effectRef>
+          <a:fontRef idx="minor">
+            <a:schemeClr val="tx1"/>
+          </a:fontRef>
+        </p:style>
+      </p:cxnSp>
+      <p:cxnSp>
+        <p:nvCxnSpPr>
+          <p:cNvPr id="14" name="Straight Arrow Connector 13"/>
+          <p:cNvCxnSpPr>
+            <a:stCxn id="8" idx="3"/>
+          </p:cNvCxnSpPr>
+          <p:nvPr/>
+        </p:nvCxnSpPr>
+        <p:spPr>
+          <a:xfrm>
+            <a:off x="1363729" y="4809105"/>
+            <a:ext cx="3029347" cy="83270"/>
+          </a:xfrm>
+          <a:prstGeom prst="straightConnector1">
+            <a:avLst/>
+          </a:prstGeom>
+          <a:ln>
+            <a:tailEnd type="arrow"/>
+          </a:ln>
+        </p:spPr>
+        <p:style>
+          <a:lnRef idx="2">
+            <a:schemeClr val="accent1"/>
+          </a:lnRef>
+          <a:fillRef idx="0">
+            <a:schemeClr val="accent1"/>
+          </a:fillRef>
+          <a:effectRef idx="1">
+            <a:schemeClr val="accent1"/>
+          </a:effectRef>
+          <a:fontRef idx="minor">
+            <a:schemeClr val="tx1"/>
+          </a:fontRef>
+        </p:style>
+      </p:cxnSp>
+      <p:cxnSp>
+        <p:nvCxnSpPr>
+          <p:cNvPr id="17" name="Straight Arrow Connector 16"/>
+          <p:cNvCxnSpPr>
+            <a:stCxn id="8" idx="0"/>
+          </p:cNvCxnSpPr>
+          <p:nvPr/>
+        </p:nvCxnSpPr>
+        <p:spPr>
+          <a:xfrm flipV="1">
+            <a:off x="706015" y="3612030"/>
+            <a:ext cx="511970" cy="988886"/>
+          </a:xfrm>
+          <a:prstGeom prst="straightConnector1">
+            <a:avLst/>
+          </a:prstGeom>
+          <a:ln>
+            <a:tailEnd type="arrow"/>
+          </a:ln>
+        </p:spPr>
+        <p:style>
+          <a:lnRef idx="2">
+            <a:schemeClr val="accent1"/>
+          </a:lnRef>
+          <a:fillRef idx="0">
+            <a:schemeClr val="accent1"/>
+          </a:fillRef>
+          <a:effectRef idx="1">
+            <a:schemeClr val="accent1"/>
+          </a:effectRef>
+          <a:fontRef idx="minor">
+            <a:schemeClr val="tx1"/>
+          </a:fontRef>
+        </p:style>
+      </p:cxnSp>
+      <p:cxnSp>
+        <p:nvCxnSpPr>
+          <p:cNvPr id="20" name="Straight Arrow Connector 19"/>
+          <p:cNvCxnSpPr>
+            <a:stCxn id="6" idx="1"/>
+          </p:cNvCxnSpPr>
+          <p:nvPr/>
+        </p:nvCxnSpPr>
+        <p:spPr>
+          <a:xfrm flipH="1">
+            <a:off x="5965006" y="2519056"/>
+            <a:ext cx="2014909" cy="208188"/>
+          </a:xfrm>
+          <a:prstGeom prst="straightConnector1">
+            <a:avLst/>
+          </a:prstGeom>
+          <a:ln>
+            <a:tailEnd type="arrow"/>
+          </a:ln>
+        </p:spPr>
+        <p:style>
+          <a:lnRef idx="2">
+            <a:schemeClr val="accent1"/>
+          </a:lnRef>
+          <a:fillRef idx="0">
+            <a:schemeClr val="accent1"/>
+          </a:fillRef>
+          <a:effectRef idx="1">
+            <a:schemeClr val="accent1"/>
+          </a:effectRef>
+          <a:fontRef idx="minor">
+            <a:schemeClr val="tx1"/>
+          </a:fontRef>
+        </p:style>
+      </p:cxnSp>
+      <p:cxnSp>
+        <p:nvCxnSpPr>
+          <p:cNvPr id="23" name="Straight Arrow Connector 22"/>
+          <p:cNvCxnSpPr>
+            <a:stCxn id="4" idx="1"/>
+          </p:cNvCxnSpPr>
+          <p:nvPr/>
+        </p:nvCxnSpPr>
+        <p:spPr>
+          <a:xfrm flipH="1">
+            <a:off x="6443872" y="822338"/>
+            <a:ext cx="614198" cy="499644"/>
+          </a:xfrm>
+          <a:prstGeom prst="straightConnector1">
+            <a:avLst/>
+          </a:prstGeom>
+          <a:ln>
+            <a:tailEnd type="arrow"/>
+          </a:ln>
+        </p:spPr>
+        <p:style>
+          <a:lnRef idx="2">
+            <a:schemeClr val="accent1"/>
+          </a:lnRef>
+          <a:fillRef idx="0">
+            <a:schemeClr val="accent1"/>
+          </a:fillRef>
+          <a:effectRef idx="1">
+            <a:schemeClr val="accent1"/>
+          </a:effectRef>
+          <a:fontRef idx="minor">
+            <a:schemeClr val="tx1"/>
+          </a:fontRef>
+        </p:style>
+      </p:cxnSp>
     </p:spTree>
     <p:extLst>
       <p:ext uri="{BB962C8B-B14F-4D97-AF65-F5344CB8AC3E}">
-        <p14:creationId xmlns:p14="http://schemas.microsoft.com/office/powerpoint/2010/main" val="1148400531"/>
+        <p14:creationId xmlns:p14="http://schemas.microsoft.com/office/powerpoint/2010/main" val="1402919096"/>
       </p:ext>
     </p:extLst>
   </p:cSld>
   <p:clrMapOvr>
     <a:masterClrMapping/>
   </p:clrMapOvr>
-  <p:timing>
-    <p:tnLst>
-      <p:par>
-        <p:cTn id="1" dur="indefinite" restart="never" nodeType="tmRoot"/>
-      </p:par>
-    </p:tnLst>
-  </p:timing>
 </p:sld>
 </file>
 
@@ -7531,7 +7426,7 @@
           <a:p>
             <a:r>
               <a:rPr lang="en-US"/>
-              <a:t>What is ggplot2?</a:t>
+              <a:t>Building Plots with ggplot2</a:t>
             </a:r>
           </a:p>
         </p:txBody>
@@ -7549,39 +7444,40 @@
         <p:spPr/>
         <p:txBody>
           <a:bodyPr>
-            <a:normAutofit fontScale="92500" lnSpcReduction="10000"/>
+            <a:normAutofit lnSpcReduction="10000"/>
           </a:bodyPr>
           <a:lstStyle/>
           <a:p>
             <a:r>
               <a:rPr lang="en-US"/>
-              <a:t>An implementation of the </a:t>
-            </a:r>
-            <a:r>
-              <a:rPr lang="en-US" i="1"/>
-              <a:t>Grammar of Graphics</a:t>
-            </a:r>
-            <a:r>
-              <a:rPr lang="en-US"/>
-              <a:t> by Leland Wilkinson</a:t>
-            </a:r>
-          </a:p>
-          <a:p>
-            <a:r>
-              <a:rPr lang="en-US"/>
-              <a:t>Grammar of graphics represents and abstraction of graphics ideas/objects</a:t>
-            </a:r>
-          </a:p>
-          <a:p>
-            <a:r>
-              <a:rPr lang="en-US"/>
-              <a:t>Think “verb”, “noun”, “adjective” for graphics</a:t>
-            </a:r>
-          </a:p>
-          <a:p>
-            <a:r>
-              <a:rPr lang="en-US"/>
-              <a:t>Allows for a “theory” of graphics on which to build new graphics and graphics objects</a:t>
+              <a:t>When building plots in ggplot2 (rather than using qplot) the “artist’s palette” model may be the closest analogy</a:t>
+            </a:r>
+          </a:p>
+          <a:p>
+            <a:r>
+              <a:rPr lang="en-US"/>
+              <a:t>Plots are built up in layers</a:t>
+            </a:r>
+          </a:p>
+          <a:p>
+            <a:pPr lvl="1"/>
+            <a:r>
+              <a:rPr lang="en-US"/>
+              <a:t>Plot the data</a:t>
+            </a:r>
+          </a:p>
+          <a:p>
+            <a:pPr lvl="1"/>
+            <a:r>
+              <a:rPr lang="en-US"/>
+              <a:t>Overlay a summary</a:t>
+            </a:r>
+          </a:p>
+          <a:p>
+            <a:pPr lvl="1"/>
+            <a:r>
+              <a:rPr lang="en-US"/>
+              <a:t>Metadata and annotation</a:t>
             </a:r>
           </a:p>
         </p:txBody>
@@ -7589,20 +7485,13 @@
     </p:spTree>
     <p:extLst>
       <p:ext uri="{BB962C8B-B14F-4D97-AF65-F5344CB8AC3E}">
-        <p14:creationId xmlns:p14="http://schemas.microsoft.com/office/powerpoint/2010/main" val="988926372"/>
+        <p14:creationId xmlns:p14="http://schemas.microsoft.com/office/powerpoint/2010/main" val="3426321968"/>
       </p:ext>
     </p:extLst>
   </p:cSld>
   <p:clrMapOvr>
     <a:masterClrMapping/>
   </p:clrMapOvr>
-  <p:timing>
-    <p:tnLst>
-      <p:par>
-        <p:cTn id="1" dur="indefinite" restart="never" nodeType="tmRoot"/>
-      </p:par>
-    </p:tnLst>
-  </p:timing>
 </p:sld>
 </file>
 
@@ -7640,29 +7529,21 @@
           <a:p>
             <a:r>
               <a:rPr lang="en-US"/>
-              <a:t>Making NO</a:t>
-            </a:r>
-            <a:r>
-              <a:rPr lang="en-US" baseline="-25000"/>
-              <a:t>2</a:t>
-            </a:r>
-            <a:r>
-              <a:rPr lang="en-US"/>
-              <a:t> Tertiles</a:t>
-            </a:r>
-          </a:p>
-        </p:txBody>
-      </p:sp>
-      <p:sp>
-        <p:nvSpPr>
-          <p:cNvPr id="4" name="TextBox 3"/>
+              <a:t>Code for Final Plot</a:t>
+            </a:r>
+          </a:p>
+        </p:txBody>
+      </p:sp>
+      <p:sp>
+        <p:nvSpPr>
+          <p:cNvPr id="3" name="TextBox 2"/>
           <p:cNvSpPr txBox="1"/>
           <p:nvPr/>
         </p:nvSpPr>
         <p:spPr>
           <a:xfrm>
-            <a:off x="219354" y="1391451"/>
-            <a:ext cx="8588334" cy="2031325"/>
+            <a:off x="774894" y="1380270"/>
+            <a:ext cx="7835022" cy="3139321"/>
           </a:xfrm>
           <a:prstGeom prst="rect">
             <a:avLst/>
@@ -7670,108 +7551,498 @@
           <a:noFill/>
         </p:spPr>
         <p:txBody>
-          <a:bodyPr wrap="none" rtlCol="0">
+          <a:bodyPr wrap="square" rtlCol="0">
             <a:spAutoFit/>
           </a:bodyPr>
           <a:lstStyle/>
           <a:p>
             <a:r>
-              <a:rPr lang="en-US" sz="1400">
+              <a:rPr lang="en-US">
                 <a:latin typeface="Courier"/>
                 <a:cs typeface="Courier"/>
               </a:rPr>
-              <a:t>## Calculate the deciles of the data</a:t>
-            </a:r>
-          </a:p>
-          <a:p>
-            <a:r>
-              <a:rPr lang="en-US" sz="1400">
+              <a:t>## Setup ggplot with data frame</a:t>
+            </a:r>
+          </a:p>
+          <a:p>
+            <a:r>
+              <a:rPr lang="en-US">
                 <a:latin typeface="Courier"/>
                 <a:cs typeface="Courier"/>
               </a:rPr>
-              <a:t>&gt; cutpoints &lt;- quantile(maacs$logno2_new, seq(0, 1, length = 4), na.rm = TRUE)</a:t>
-            </a:r>
-          </a:p>
-          <a:p>
-            <a:endParaRPr lang="en-US" sz="1400">
+              <a:t>g &lt;- ggplot(maacs, aes(logpm25, NocturnalSympt))</a:t>
+            </a:r>
+          </a:p>
+          <a:p>
+            <a:endParaRPr lang="en-US">
               <a:latin typeface="Courier"/>
               <a:cs typeface="Courier"/>
             </a:endParaRPr>
           </a:p>
           <a:p>
             <a:r>
-              <a:rPr lang="en-US" sz="1400">
+              <a:rPr lang="en-US">
                 <a:latin typeface="Courier"/>
                 <a:cs typeface="Courier"/>
               </a:rPr>
-              <a:t>## Cut the data at the deciles and create a new factor variable</a:t>
-            </a:r>
-          </a:p>
-          <a:p>
-            <a:r>
-              <a:rPr lang="en-US" sz="1400">
+              <a:t>## Add layers</a:t>
+            </a:r>
+          </a:p>
+          <a:p>
+            <a:r>
+              <a:rPr lang="en-US">
                 <a:latin typeface="Courier"/>
                 <a:cs typeface="Courier"/>
               </a:rPr>
-              <a:t>&gt; maacs$no2dec &lt;- cut(maacs$logno2_new, cutpoints)</a:t>
-            </a:r>
-          </a:p>
-          <a:p>
-            <a:endParaRPr lang="en-US" sz="1400">
-              <a:latin typeface="Courier"/>
-              <a:cs typeface="Courier"/>
-            </a:endParaRPr>
-          </a:p>
-          <a:p>
-            <a:r>
-              <a:rPr lang="en-US" sz="1400">
+              <a:t>g + geom_point(alpha = 1/3) </a:t>
+            </a:r>
+          </a:p>
+          <a:p>
+            <a:r>
+              <a:rPr lang="en-US">
                 <a:latin typeface="Courier"/>
                 <a:cs typeface="Courier"/>
               </a:rPr>
-              <a:t>## See the levels of the newly created factor variable</a:t>
-            </a:r>
-          </a:p>
-          <a:p>
-            <a:r>
-              <a:rPr lang="hu-HU" sz="1400">
+              <a:t>  + facet_wrap(bmicat ~ no2dec, nrow = 2, ncol = 4) </a:t>
+            </a:r>
+          </a:p>
+          <a:p>
+            <a:r>
+              <a:rPr lang="en-US">
                 <a:latin typeface="Courier"/>
                 <a:cs typeface="Courier"/>
               </a:rPr>
-              <a:t>&gt; levels(maacs$no2dec)</a:t>
-            </a:r>
-          </a:p>
-          <a:p>
-            <a:r>
-              <a:rPr lang="hu-HU" sz="1400">
+              <a:t>  + geom_smooth(method="lm", se=FALSE, col="steelblue")      </a:t>
+            </a:r>
+          </a:p>
+          <a:p>
+            <a:r>
+              <a:rPr lang="en-US">
                 <a:latin typeface="Courier"/>
                 <a:cs typeface="Courier"/>
               </a:rPr>
-              <a:t>[1] "(0.378,1.2]" "(1.2,1.42]"  "(1.42,2.55]”</a:t>
-            </a:r>
-            <a:endParaRPr lang="en-US" sz="1400">
-              <a:latin typeface="Courier"/>
-              <a:cs typeface="Courier"/>
-            </a:endParaRPr>
-          </a:p>
-        </p:txBody>
-      </p:sp>
+              <a:t>  + theme_bw(base_family = "Avenir", base_size = 10) </a:t>
+            </a:r>
+          </a:p>
+          <a:p>
+            <a:r>
+              <a:rPr lang="en-US">
+                <a:latin typeface="Courier"/>
+                <a:cs typeface="Courier"/>
+              </a:rPr>
+              <a:t>  + labs(x = expression("log " * PM[2.5]) </a:t>
+            </a:r>
+          </a:p>
+          <a:p>
+            <a:r>
+              <a:rPr lang="en-US">
+                <a:latin typeface="Courier"/>
+                <a:cs typeface="Courier"/>
+              </a:rPr>
+              <a:t>  + labs(y = "Nocturnal Symptoms”) </a:t>
+            </a:r>
+          </a:p>
+          <a:p>
+            <a:r>
+              <a:rPr lang="en-US">
+                <a:latin typeface="Courier"/>
+                <a:cs typeface="Courier"/>
+              </a:rPr>
+              <a:t>  + labs(title = "MAACS Cohort”)</a:t>
+            </a:r>
+          </a:p>
+        </p:txBody>
+      </p:sp>
+      <p:sp>
+        <p:nvSpPr>
+          <p:cNvPr id="4" name="Rectangle 3"/>
+          <p:cNvSpPr/>
+          <p:nvPr/>
+        </p:nvSpPr>
+        <p:spPr>
+          <a:xfrm>
+            <a:off x="6113040" y="1183960"/>
+            <a:ext cx="1388349" cy="505874"/>
+          </a:xfrm>
+          <a:prstGeom prst="rect">
+            <a:avLst/>
+          </a:prstGeom>
+        </p:spPr>
+        <p:style>
+          <a:lnRef idx="1">
+            <a:schemeClr val="accent1"/>
+          </a:lnRef>
+          <a:fillRef idx="3">
+            <a:schemeClr val="accent1"/>
+          </a:fillRef>
+          <a:effectRef idx="2">
+            <a:schemeClr val="accent1"/>
+          </a:effectRef>
+          <a:fontRef idx="minor">
+            <a:schemeClr val="lt1"/>
+          </a:fontRef>
+        </p:style>
+        <p:txBody>
+          <a:bodyPr rtlCol="0" anchor="ctr"/>
+          <a:lstStyle/>
+          <a:p>
+            <a:pPr algn="ctr"/>
+            <a:r>
+              <a:rPr lang="en-US"/>
+              <a:t>Add points</a:t>
+            </a:r>
+          </a:p>
+        </p:txBody>
+      </p:sp>
+      <p:sp>
+        <p:nvSpPr>
+          <p:cNvPr id="5" name="Rectangle 4"/>
+          <p:cNvSpPr/>
+          <p:nvPr/>
+        </p:nvSpPr>
+        <p:spPr>
+          <a:xfrm>
+            <a:off x="7493317" y="1836853"/>
+            <a:ext cx="1608979" cy="505874"/>
+          </a:xfrm>
+          <a:prstGeom prst="rect">
+            <a:avLst/>
+          </a:prstGeom>
+        </p:spPr>
+        <p:style>
+          <a:lnRef idx="1">
+            <a:schemeClr val="accent1"/>
+          </a:lnRef>
+          <a:fillRef idx="3">
+            <a:schemeClr val="accent1"/>
+          </a:fillRef>
+          <a:effectRef idx="2">
+            <a:schemeClr val="accent1"/>
+          </a:effectRef>
+          <a:fontRef idx="minor">
+            <a:schemeClr val="lt1"/>
+          </a:fontRef>
+        </p:style>
+        <p:txBody>
+          <a:bodyPr rtlCol="0" anchor="ctr"/>
+          <a:lstStyle/>
+          <a:p>
+            <a:pPr algn="ctr"/>
+            <a:r>
+              <a:rPr lang="en-US"/>
+              <a:t>Add smoother</a:t>
+            </a:r>
+          </a:p>
+        </p:txBody>
+      </p:sp>
+      <p:sp>
+        <p:nvSpPr>
+          <p:cNvPr id="6" name="Rectangle 5"/>
+          <p:cNvSpPr/>
+          <p:nvPr/>
+        </p:nvSpPr>
+        <p:spPr>
+          <a:xfrm>
+            <a:off x="7433150" y="3781337"/>
+            <a:ext cx="1608979" cy="505874"/>
+          </a:xfrm>
+          <a:prstGeom prst="rect">
+            <a:avLst/>
+          </a:prstGeom>
+        </p:spPr>
+        <p:style>
+          <a:lnRef idx="1">
+            <a:schemeClr val="accent1"/>
+          </a:lnRef>
+          <a:fillRef idx="3">
+            <a:schemeClr val="accent1"/>
+          </a:fillRef>
+          <a:effectRef idx="2">
+            <a:schemeClr val="accent1"/>
+          </a:effectRef>
+          <a:fontRef idx="minor">
+            <a:schemeClr val="lt1"/>
+          </a:fontRef>
+        </p:style>
+        <p:txBody>
+          <a:bodyPr rtlCol="0" anchor="ctr"/>
+          <a:lstStyle/>
+          <a:p>
+            <a:pPr algn="ctr"/>
+            <a:r>
+              <a:rPr lang="en-US"/>
+              <a:t>Change theme</a:t>
+            </a:r>
+          </a:p>
+        </p:txBody>
+      </p:sp>
+      <p:sp>
+        <p:nvSpPr>
+          <p:cNvPr id="7" name="Rectangle 6"/>
+          <p:cNvSpPr/>
+          <p:nvPr/>
+        </p:nvSpPr>
+        <p:spPr>
+          <a:xfrm>
+            <a:off x="7077822" y="4503206"/>
+            <a:ext cx="1219985" cy="505874"/>
+          </a:xfrm>
+          <a:prstGeom prst="rect">
+            <a:avLst/>
+          </a:prstGeom>
+        </p:spPr>
+        <p:style>
+          <a:lnRef idx="1">
+            <a:schemeClr val="accent1"/>
+          </a:lnRef>
+          <a:fillRef idx="3">
+            <a:schemeClr val="accent1"/>
+          </a:fillRef>
+          <a:effectRef idx="2">
+            <a:schemeClr val="accent1"/>
+          </a:effectRef>
+          <a:fontRef idx="minor">
+            <a:schemeClr val="lt1"/>
+          </a:fontRef>
+        </p:style>
+        <p:txBody>
+          <a:bodyPr rtlCol="0" anchor="ctr"/>
+          <a:lstStyle/>
+          <a:p>
+            <a:pPr algn="ctr"/>
+            <a:r>
+              <a:rPr lang="en-US"/>
+              <a:t>Add labels</a:t>
+            </a:r>
+          </a:p>
+        </p:txBody>
+      </p:sp>
+      <p:cxnSp>
+        <p:nvCxnSpPr>
+          <p:cNvPr id="9" name="Straight Arrow Connector 8"/>
+          <p:cNvCxnSpPr>
+            <a:stCxn id="4" idx="1"/>
+          </p:cNvCxnSpPr>
+          <p:nvPr/>
+        </p:nvCxnSpPr>
+        <p:spPr>
+          <a:xfrm flipH="1">
+            <a:off x="4509444" y="1436897"/>
+            <a:ext cx="1603596" cy="1038656"/>
+          </a:xfrm>
+          <a:prstGeom prst="straightConnector1">
+            <a:avLst/>
+          </a:prstGeom>
+          <a:ln>
+            <a:tailEnd type="arrow"/>
+          </a:ln>
+        </p:spPr>
+        <p:style>
+          <a:lnRef idx="2">
+            <a:schemeClr val="accent1"/>
+          </a:lnRef>
+          <a:fillRef idx="0">
+            <a:schemeClr val="accent1"/>
+          </a:fillRef>
+          <a:effectRef idx="1">
+            <a:schemeClr val="accent1"/>
+          </a:effectRef>
+          <a:fontRef idx="minor">
+            <a:schemeClr val="tx1"/>
+          </a:fontRef>
+        </p:style>
+      </p:cxnSp>
+      <p:cxnSp>
+        <p:nvCxnSpPr>
+          <p:cNvPr id="10" name="Straight Arrow Connector 9"/>
+          <p:cNvCxnSpPr>
+            <a:stCxn id="5" idx="2"/>
+          </p:cNvCxnSpPr>
+          <p:nvPr/>
+        </p:nvCxnSpPr>
+        <p:spPr>
+          <a:xfrm flipH="1">
+            <a:off x="7953410" y="2342727"/>
+            <a:ext cx="344397" cy="800149"/>
+          </a:xfrm>
+          <a:prstGeom prst="straightConnector1">
+            <a:avLst/>
+          </a:prstGeom>
+          <a:ln>
+            <a:tailEnd type="arrow"/>
+          </a:ln>
+        </p:spPr>
+        <p:style>
+          <a:lnRef idx="2">
+            <a:schemeClr val="accent1"/>
+          </a:lnRef>
+          <a:fillRef idx="0">
+            <a:schemeClr val="accent1"/>
+          </a:fillRef>
+          <a:effectRef idx="1">
+            <a:schemeClr val="accent1"/>
+          </a:effectRef>
+          <a:fontRef idx="minor">
+            <a:schemeClr val="tx1"/>
+          </a:fontRef>
+        </p:style>
+      </p:cxnSp>
+      <p:sp>
+        <p:nvSpPr>
+          <p:cNvPr id="15" name="Rectangle 14"/>
+          <p:cNvSpPr/>
+          <p:nvPr/>
+        </p:nvSpPr>
+        <p:spPr>
+          <a:xfrm>
+            <a:off x="6016182" y="2043068"/>
+            <a:ext cx="1358752" cy="505874"/>
+          </a:xfrm>
+          <a:prstGeom prst="rect">
+            <a:avLst/>
+          </a:prstGeom>
+        </p:spPr>
+        <p:style>
+          <a:lnRef idx="1">
+            <a:schemeClr val="accent1"/>
+          </a:lnRef>
+          <a:fillRef idx="3">
+            <a:schemeClr val="accent1"/>
+          </a:fillRef>
+          <a:effectRef idx="2">
+            <a:schemeClr val="accent1"/>
+          </a:effectRef>
+          <a:fontRef idx="minor">
+            <a:schemeClr val="lt1"/>
+          </a:fontRef>
+        </p:style>
+        <p:txBody>
+          <a:bodyPr rtlCol="0" anchor="ctr"/>
+          <a:lstStyle/>
+          <a:p>
+            <a:pPr algn="ctr"/>
+            <a:r>
+              <a:rPr lang="en-US"/>
+              <a:t>Make panels</a:t>
+            </a:r>
+          </a:p>
+        </p:txBody>
+      </p:sp>
+      <p:cxnSp>
+        <p:nvCxnSpPr>
+          <p:cNvPr id="16" name="Straight Arrow Connector 15"/>
+          <p:cNvCxnSpPr>
+            <a:stCxn id="15" idx="1"/>
+          </p:cNvCxnSpPr>
+          <p:nvPr/>
+        </p:nvCxnSpPr>
+        <p:spPr>
+          <a:xfrm flipH="1">
+            <a:off x="4778503" y="2296005"/>
+            <a:ext cx="1237679" cy="556263"/>
+          </a:xfrm>
+          <a:prstGeom prst="straightConnector1">
+            <a:avLst/>
+          </a:prstGeom>
+          <a:ln>
+            <a:tailEnd type="arrow"/>
+          </a:ln>
+        </p:spPr>
+        <p:style>
+          <a:lnRef idx="2">
+            <a:schemeClr val="accent1"/>
+          </a:lnRef>
+          <a:fillRef idx="0">
+            <a:schemeClr val="accent1"/>
+          </a:fillRef>
+          <a:effectRef idx="1">
+            <a:schemeClr val="accent1"/>
+          </a:effectRef>
+          <a:fontRef idx="minor">
+            <a:schemeClr val="tx1"/>
+          </a:fontRef>
+        </p:style>
+      </p:cxnSp>
+      <p:cxnSp>
+        <p:nvCxnSpPr>
+          <p:cNvPr id="19" name="Straight Arrow Connector 18"/>
+          <p:cNvCxnSpPr>
+            <a:stCxn id="6" idx="1"/>
+          </p:cNvCxnSpPr>
+          <p:nvPr/>
+        </p:nvCxnSpPr>
+        <p:spPr>
+          <a:xfrm flipH="1" flipV="1">
+            <a:off x="6898695" y="3616460"/>
+            <a:ext cx="534455" cy="417814"/>
+          </a:xfrm>
+          <a:prstGeom prst="straightConnector1">
+            <a:avLst/>
+          </a:prstGeom>
+          <a:ln>
+            <a:tailEnd type="arrow"/>
+          </a:ln>
+        </p:spPr>
+        <p:style>
+          <a:lnRef idx="2">
+            <a:schemeClr val="accent1"/>
+          </a:lnRef>
+          <a:fillRef idx="0">
+            <a:schemeClr val="accent1"/>
+          </a:fillRef>
+          <a:effectRef idx="1">
+            <a:schemeClr val="accent1"/>
+          </a:effectRef>
+          <a:fontRef idx="minor">
+            <a:schemeClr val="tx1"/>
+          </a:fontRef>
+        </p:style>
+      </p:cxnSp>
+      <p:cxnSp>
+        <p:nvCxnSpPr>
+          <p:cNvPr id="22" name="Straight Arrow Connector 21"/>
+          <p:cNvCxnSpPr>
+            <a:stCxn id="7" idx="1"/>
+          </p:cNvCxnSpPr>
+          <p:nvPr/>
+        </p:nvCxnSpPr>
+        <p:spPr>
+          <a:xfrm flipH="1" flipV="1">
+            <a:off x="5650257" y="4034274"/>
+            <a:ext cx="1427565" cy="721869"/>
+          </a:xfrm>
+          <a:prstGeom prst="straightConnector1">
+            <a:avLst/>
+          </a:prstGeom>
+          <a:ln>
+            <a:tailEnd type="arrow"/>
+          </a:ln>
+        </p:spPr>
+        <p:style>
+          <a:lnRef idx="2">
+            <a:schemeClr val="accent1"/>
+          </a:lnRef>
+          <a:fillRef idx="0">
+            <a:schemeClr val="accent1"/>
+          </a:fillRef>
+          <a:effectRef idx="1">
+            <a:schemeClr val="accent1"/>
+          </a:effectRef>
+          <a:fontRef idx="minor">
+            <a:schemeClr val="tx1"/>
+          </a:fontRef>
+        </p:style>
+      </p:cxnSp>
     </p:spTree>
     <p:extLst>
       <p:ext uri="{BB962C8B-B14F-4D97-AF65-F5344CB8AC3E}">
-        <p14:creationId xmlns:p14="http://schemas.microsoft.com/office/powerpoint/2010/main" val="3396982925"/>
+        <p14:creationId xmlns:p14="http://schemas.microsoft.com/office/powerpoint/2010/main" val="2321722039"/>
       </p:ext>
     </p:extLst>
   </p:cSld>
   <p:clrMapOvr>
     <a:masterClrMapping/>
   </p:clrMapOvr>
-  <p:timing>
-    <p:tnLst>
-      <p:par>
-        <p:cTn id="1" dur="indefinite" restart="never" nodeType="tmRoot"/>
-      </p:par>
-    </p:tnLst>
-  </p:timing>
 </p:sld>
 </file>
 
@@ -7809,1485 +8080,6 @@
           <a:p>
             <a:r>
               <a:rPr lang="en-US"/>
-              <a:t>Final Plot</a:t>
-            </a:r>
-          </a:p>
-        </p:txBody>
-      </p:sp>
-      <p:pic>
-        <p:nvPicPr>
-          <p:cNvPr id="3" name="Picture 2" descr="Screen Shot 2013-09-30 at 2.04.22 PM.png"/>
-          <p:cNvPicPr>
-            <a:picLocks noChangeAspect="1"/>
-          </p:cNvPicPr>
-          <p:nvPr/>
-        </p:nvPicPr>
-        <p:blipFill>
-          <a:blip r:embed="rId3">
-            <a:extLst>
-              <a:ext uri="{28A0092B-C50C-407E-A947-70E740481C1C}">
-                <a14:useLocalDpi xmlns:a14="http://schemas.microsoft.com/office/drawing/2010/main" val="0"/>
-              </a:ext>
-            </a:extLst>
-          </a:blip>
-          <a:stretch>
-            <a:fillRect/>
-          </a:stretch>
-        </p:blipFill>
-        <p:spPr>
-          <a:xfrm>
-            <a:off x="1134704" y="1030526"/>
-            <a:ext cx="6845211" cy="4059860"/>
-          </a:xfrm>
-          <a:prstGeom prst="rect">
-            <a:avLst/>
-          </a:prstGeom>
-        </p:spPr>
-      </p:pic>
-      <p:sp>
-        <p:nvSpPr>
-          <p:cNvPr id="4" name="Rectangle 3"/>
-          <p:cNvSpPr/>
-          <p:nvPr/>
-        </p:nvSpPr>
-        <p:spPr>
-          <a:xfrm>
-            <a:off x="7058070" y="614149"/>
-            <a:ext cx="1769723" cy="416377"/>
-          </a:xfrm>
-          <a:prstGeom prst="rect">
-            <a:avLst/>
-          </a:prstGeom>
-        </p:spPr>
-        <p:style>
-          <a:lnRef idx="1">
-            <a:schemeClr val="accent1"/>
-          </a:lnRef>
-          <a:fillRef idx="3">
-            <a:schemeClr val="accent1"/>
-          </a:fillRef>
-          <a:effectRef idx="2">
-            <a:schemeClr val="accent1"/>
-          </a:effectRef>
-          <a:fontRef idx="minor">
-            <a:schemeClr val="lt1"/>
-          </a:fontRef>
-        </p:style>
-        <p:txBody>
-          <a:bodyPr rtlCol="0" anchor="ctr"/>
-          <a:lstStyle/>
-          <a:p>
-            <a:pPr algn="ctr"/>
-            <a:r>
-              <a:rPr lang="en-US"/>
-              <a:t>Multiple panels</a:t>
-            </a:r>
-          </a:p>
-        </p:txBody>
-      </p:sp>
-      <p:sp>
-        <p:nvSpPr>
-          <p:cNvPr id="5" name="Rectangle 4"/>
-          <p:cNvSpPr/>
-          <p:nvPr/>
-        </p:nvSpPr>
-        <p:spPr>
-          <a:xfrm>
-            <a:off x="547985" y="141983"/>
-            <a:ext cx="1769723" cy="416377"/>
-          </a:xfrm>
-          <a:prstGeom prst="rect">
-            <a:avLst/>
-          </a:prstGeom>
-        </p:spPr>
-        <p:style>
-          <a:lnRef idx="1">
-            <a:schemeClr val="accent1"/>
-          </a:lnRef>
-          <a:fillRef idx="3">
-            <a:schemeClr val="accent1"/>
-          </a:fillRef>
-          <a:effectRef idx="2">
-            <a:schemeClr val="accent1"/>
-          </a:effectRef>
-          <a:fontRef idx="minor">
-            <a:schemeClr val="lt1"/>
-          </a:fontRef>
-        </p:style>
-        <p:txBody>
-          <a:bodyPr rtlCol="0" anchor="ctr"/>
-          <a:lstStyle/>
-          <a:p>
-            <a:pPr algn="ctr"/>
-            <a:r>
-              <a:rPr lang="en-US"/>
-              <a:t>Non-default font</a:t>
-            </a:r>
-          </a:p>
-        </p:txBody>
-      </p:sp>
-      <p:sp>
-        <p:nvSpPr>
-          <p:cNvPr id="6" name="Rectangle 5"/>
-          <p:cNvSpPr/>
-          <p:nvPr/>
-        </p:nvSpPr>
-        <p:spPr>
-          <a:xfrm>
-            <a:off x="7979915" y="2310867"/>
-            <a:ext cx="1128046" cy="416377"/>
-          </a:xfrm>
-          <a:prstGeom prst="rect">
-            <a:avLst/>
-          </a:prstGeom>
-        </p:spPr>
-        <p:style>
-          <a:lnRef idx="1">
-            <a:schemeClr val="accent1"/>
-          </a:lnRef>
-          <a:fillRef idx="3">
-            <a:schemeClr val="accent1"/>
-          </a:fillRef>
-          <a:effectRef idx="2">
-            <a:schemeClr val="accent1"/>
-          </a:effectRef>
-          <a:fontRef idx="minor">
-            <a:schemeClr val="lt1"/>
-          </a:fontRef>
-        </p:style>
-        <p:txBody>
-          <a:bodyPr rtlCol="0" anchor="ctr"/>
-          <a:lstStyle/>
-          <a:p>
-            <a:pPr algn="ctr"/>
-            <a:r>
-              <a:rPr lang="en-US"/>
-              <a:t>Smoother</a:t>
-            </a:r>
-          </a:p>
-        </p:txBody>
-      </p:sp>
-      <p:sp>
-        <p:nvSpPr>
-          <p:cNvPr id="7" name="Rectangle 6"/>
-          <p:cNvSpPr/>
-          <p:nvPr/>
-        </p:nvSpPr>
-        <p:spPr>
-          <a:xfrm>
-            <a:off x="48301" y="1234970"/>
-            <a:ext cx="1315428" cy="628297"/>
-          </a:xfrm>
-          <a:prstGeom prst="rect">
-            <a:avLst/>
-          </a:prstGeom>
-        </p:spPr>
-        <p:style>
-          <a:lnRef idx="1">
-            <a:schemeClr val="accent1"/>
-          </a:lnRef>
-          <a:fillRef idx="3">
-            <a:schemeClr val="accent1"/>
-          </a:fillRef>
-          <a:effectRef idx="2">
-            <a:schemeClr val="accent1"/>
-          </a:effectRef>
-          <a:fontRef idx="minor">
-            <a:schemeClr val="lt1"/>
-          </a:fontRef>
-        </p:style>
-        <p:txBody>
-          <a:bodyPr rtlCol="0" anchor="ctr"/>
-          <a:lstStyle/>
-          <a:p>
-            <a:pPr algn="ctr"/>
-            <a:r>
-              <a:rPr lang="en-US"/>
-              <a:t>Transparent points</a:t>
-            </a:r>
-          </a:p>
-        </p:txBody>
-      </p:sp>
-      <p:sp>
-        <p:nvSpPr>
-          <p:cNvPr id="8" name="Rectangle 7"/>
-          <p:cNvSpPr/>
-          <p:nvPr/>
-        </p:nvSpPr>
-        <p:spPr>
-          <a:xfrm>
-            <a:off x="48301" y="4600916"/>
-            <a:ext cx="1315428" cy="416377"/>
-          </a:xfrm>
-          <a:prstGeom prst="rect">
-            <a:avLst/>
-          </a:prstGeom>
-        </p:spPr>
-        <p:style>
-          <a:lnRef idx="1">
-            <a:schemeClr val="accent1"/>
-          </a:lnRef>
-          <a:fillRef idx="3">
-            <a:schemeClr val="accent1"/>
-          </a:fillRef>
-          <a:effectRef idx="2">
-            <a:schemeClr val="accent1"/>
-          </a:effectRef>
-          <a:fontRef idx="minor">
-            <a:schemeClr val="lt1"/>
-          </a:fontRef>
-        </p:style>
-        <p:txBody>
-          <a:bodyPr rtlCol="0" anchor="ctr"/>
-          <a:lstStyle/>
-          <a:p>
-            <a:pPr algn="ctr"/>
-            <a:r>
-              <a:rPr lang="en-US"/>
-              <a:t>Labels/Title</a:t>
-            </a:r>
-          </a:p>
-        </p:txBody>
-      </p:sp>
-      <p:cxnSp>
-        <p:nvCxnSpPr>
-          <p:cNvPr id="10" name="Straight Arrow Connector 9"/>
-          <p:cNvCxnSpPr>
-            <a:stCxn id="5" idx="3"/>
-          </p:cNvCxnSpPr>
-          <p:nvPr/>
-        </p:nvCxnSpPr>
-        <p:spPr>
-          <a:xfrm>
-            <a:off x="2317708" y="350172"/>
-            <a:ext cx="1773474" cy="971810"/>
-          </a:xfrm>
-          <a:prstGeom prst="straightConnector1">
-            <a:avLst/>
-          </a:prstGeom>
-          <a:ln>
-            <a:tailEnd type="arrow"/>
-          </a:ln>
-        </p:spPr>
-        <p:style>
-          <a:lnRef idx="2">
-            <a:schemeClr val="accent1"/>
-          </a:lnRef>
-          <a:fillRef idx="0">
-            <a:schemeClr val="accent1"/>
-          </a:fillRef>
-          <a:effectRef idx="1">
-            <a:schemeClr val="accent1"/>
-          </a:effectRef>
-          <a:fontRef idx="minor">
-            <a:schemeClr val="tx1"/>
-          </a:fontRef>
-        </p:style>
-      </p:cxnSp>
-      <p:cxnSp>
-        <p:nvCxnSpPr>
-          <p:cNvPr id="11" name="Straight Arrow Connector 10"/>
-          <p:cNvCxnSpPr>
-            <a:stCxn id="7" idx="3"/>
-          </p:cNvCxnSpPr>
-          <p:nvPr/>
-        </p:nvCxnSpPr>
-        <p:spPr>
-          <a:xfrm>
-            <a:off x="1363729" y="1549119"/>
-            <a:ext cx="953979" cy="761748"/>
-          </a:xfrm>
-          <a:prstGeom prst="straightConnector1">
-            <a:avLst/>
-          </a:prstGeom>
-          <a:ln>
-            <a:tailEnd type="arrow"/>
-          </a:ln>
-        </p:spPr>
-        <p:style>
-          <a:lnRef idx="2">
-            <a:schemeClr val="accent1"/>
-          </a:lnRef>
-          <a:fillRef idx="0">
-            <a:schemeClr val="accent1"/>
-          </a:fillRef>
-          <a:effectRef idx="1">
-            <a:schemeClr val="accent1"/>
-          </a:effectRef>
-          <a:fontRef idx="minor">
-            <a:schemeClr val="tx1"/>
-          </a:fontRef>
-        </p:style>
-      </p:cxnSp>
-      <p:cxnSp>
-        <p:nvCxnSpPr>
-          <p:cNvPr id="14" name="Straight Arrow Connector 13"/>
-          <p:cNvCxnSpPr>
-            <a:stCxn id="8" idx="3"/>
-          </p:cNvCxnSpPr>
-          <p:nvPr/>
-        </p:nvCxnSpPr>
-        <p:spPr>
-          <a:xfrm>
-            <a:off x="1363729" y="4809105"/>
-            <a:ext cx="3029347" cy="83270"/>
-          </a:xfrm>
-          <a:prstGeom prst="straightConnector1">
-            <a:avLst/>
-          </a:prstGeom>
-          <a:ln>
-            <a:tailEnd type="arrow"/>
-          </a:ln>
-        </p:spPr>
-        <p:style>
-          <a:lnRef idx="2">
-            <a:schemeClr val="accent1"/>
-          </a:lnRef>
-          <a:fillRef idx="0">
-            <a:schemeClr val="accent1"/>
-          </a:fillRef>
-          <a:effectRef idx="1">
-            <a:schemeClr val="accent1"/>
-          </a:effectRef>
-          <a:fontRef idx="minor">
-            <a:schemeClr val="tx1"/>
-          </a:fontRef>
-        </p:style>
-      </p:cxnSp>
-      <p:cxnSp>
-        <p:nvCxnSpPr>
-          <p:cNvPr id="17" name="Straight Arrow Connector 16"/>
-          <p:cNvCxnSpPr>
-            <a:stCxn id="8" idx="0"/>
-          </p:cNvCxnSpPr>
-          <p:nvPr/>
-        </p:nvCxnSpPr>
-        <p:spPr>
-          <a:xfrm flipV="1">
-            <a:off x="706015" y="3612030"/>
-            <a:ext cx="511970" cy="988886"/>
-          </a:xfrm>
-          <a:prstGeom prst="straightConnector1">
-            <a:avLst/>
-          </a:prstGeom>
-          <a:ln>
-            <a:tailEnd type="arrow"/>
-          </a:ln>
-        </p:spPr>
-        <p:style>
-          <a:lnRef idx="2">
-            <a:schemeClr val="accent1"/>
-          </a:lnRef>
-          <a:fillRef idx="0">
-            <a:schemeClr val="accent1"/>
-          </a:fillRef>
-          <a:effectRef idx="1">
-            <a:schemeClr val="accent1"/>
-          </a:effectRef>
-          <a:fontRef idx="minor">
-            <a:schemeClr val="tx1"/>
-          </a:fontRef>
-        </p:style>
-      </p:cxnSp>
-      <p:cxnSp>
-        <p:nvCxnSpPr>
-          <p:cNvPr id="20" name="Straight Arrow Connector 19"/>
-          <p:cNvCxnSpPr>
-            <a:stCxn id="6" idx="1"/>
-          </p:cNvCxnSpPr>
-          <p:nvPr/>
-        </p:nvCxnSpPr>
-        <p:spPr>
-          <a:xfrm flipH="1">
-            <a:off x="5965006" y="2519056"/>
-            <a:ext cx="2014909" cy="208188"/>
-          </a:xfrm>
-          <a:prstGeom prst="straightConnector1">
-            <a:avLst/>
-          </a:prstGeom>
-          <a:ln>
-            <a:tailEnd type="arrow"/>
-          </a:ln>
-        </p:spPr>
-        <p:style>
-          <a:lnRef idx="2">
-            <a:schemeClr val="accent1"/>
-          </a:lnRef>
-          <a:fillRef idx="0">
-            <a:schemeClr val="accent1"/>
-          </a:fillRef>
-          <a:effectRef idx="1">
-            <a:schemeClr val="accent1"/>
-          </a:effectRef>
-          <a:fontRef idx="minor">
-            <a:schemeClr val="tx1"/>
-          </a:fontRef>
-        </p:style>
-      </p:cxnSp>
-      <p:cxnSp>
-        <p:nvCxnSpPr>
-          <p:cNvPr id="23" name="Straight Arrow Connector 22"/>
-          <p:cNvCxnSpPr>
-            <a:stCxn id="4" idx="1"/>
-          </p:cNvCxnSpPr>
-          <p:nvPr/>
-        </p:nvCxnSpPr>
-        <p:spPr>
-          <a:xfrm flipH="1">
-            <a:off x="6443872" y="822338"/>
-            <a:ext cx="614198" cy="499644"/>
-          </a:xfrm>
-          <a:prstGeom prst="straightConnector1">
-            <a:avLst/>
-          </a:prstGeom>
-          <a:ln>
-            <a:tailEnd type="arrow"/>
-          </a:ln>
-        </p:spPr>
-        <p:style>
-          <a:lnRef idx="2">
-            <a:schemeClr val="accent1"/>
-          </a:lnRef>
-          <a:fillRef idx="0">
-            <a:schemeClr val="accent1"/>
-          </a:fillRef>
-          <a:effectRef idx="1">
-            <a:schemeClr val="accent1"/>
-          </a:effectRef>
-          <a:fontRef idx="minor">
-            <a:schemeClr val="tx1"/>
-          </a:fontRef>
-        </p:style>
-      </p:cxnSp>
-    </p:spTree>
-    <p:extLst>
-      <p:ext uri="{BB962C8B-B14F-4D97-AF65-F5344CB8AC3E}">
-        <p14:creationId xmlns:p14="http://schemas.microsoft.com/office/powerpoint/2010/main" val="1402919096"/>
-      </p:ext>
-    </p:extLst>
-  </p:cSld>
-  <p:clrMapOvr>
-    <a:masterClrMapping/>
-  </p:clrMapOvr>
-  <p:timing>
-    <p:tnLst>
-      <p:par>
-        <p:cTn id="1" dur="indefinite" restart="never" nodeType="tmRoot">
-          <p:childTnLst>
-            <p:seq concurrent="1" nextAc="seek">
-              <p:cTn id="2" dur="indefinite" nodeType="mainSeq">
-                <p:childTnLst>
-                  <p:par>
-                    <p:cTn id="3" fill="hold">
-                      <p:stCondLst>
-                        <p:cond delay="indefinite"/>
-                      </p:stCondLst>
-                      <p:childTnLst>
-                        <p:par>
-                          <p:cTn id="4" fill="hold">
-                            <p:stCondLst>
-                              <p:cond delay="0"/>
-                            </p:stCondLst>
-                            <p:childTnLst>
-                              <p:par>
-                                <p:cTn id="5" presetID="1" presetClass="entr" presetSubtype="0" fill="hold" grpId="0" nodeType="clickEffect">
-                                  <p:stCondLst>
-                                    <p:cond delay="0"/>
-                                  </p:stCondLst>
-                                  <p:childTnLst>
-                                    <p:set>
-                                      <p:cBhvr>
-                                        <p:cTn id="6" dur="1" fill="hold">
-                                          <p:stCondLst>
-                                            <p:cond delay="0"/>
-                                          </p:stCondLst>
-                                        </p:cTn>
-                                        <p:tgtEl>
-                                          <p:spTgt spid="7"/>
-                                        </p:tgtEl>
-                                        <p:attrNameLst>
-                                          <p:attrName>style.visibility</p:attrName>
-                                        </p:attrNameLst>
-                                      </p:cBhvr>
-                                      <p:to>
-                                        <p:strVal val="visible"/>
-                                      </p:to>
-                                    </p:set>
-                                  </p:childTnLst>
-                                </p:cTn>
-                              </p:par>
-                              <p:par>
-                                <p:cTn id="7" presetID="1" presetClass="entr" presetSubtype="0" fill="hold" nodeType="withEffect">
-                                  <p:stCondLst>
-                                    <p:cond delay="0"/>
-                                  </p:stCondLst>
-                                  <p:childTnLst>
-                                    <p:set>
-                                      <p:cBhvr>
-                                        <p:cTn id="8" dur="1" fill="hold">
-                                          <p:stCondLst>
-                                            <p:cond delay="0"/>
-                                          </p:stCondLst>
-                                        </p:cTn>
-                                        <p:tgtEl>
-                                          <p:spTgt spid="11"/>
-                                        </p:tgtEl>
-                                        <p:attrNameLst>
-                                          <p:attrName>style.visibility</p:attrName>
-                                        </p:attrNameLst>
-                                      </p:cBhvr>
-                                      <p:to>
-                                        <p:strVal val="visible"/>
-                                      </p:to>
-                                    </p:set>
-                                  </p:childTnLst>
-                                </p:cTn>
-                              </p:par>
-                            </p:childTnLst>
-                          </p:cTn>
-                        </p:par>
-                      </p:childTnLst>
-                    </p:cTn>
-                  </p:par>
-                  <p:par>
-                    <p:cTn id="9" fill="hold">
-                      <p:stCondLst>
-                        <p:cond delay="indefinite"/>
-                      </p:stCondLst>
-                      <p:childTnLst>
-                        <p:par>
-                          <p:cTn id="10" fill="hold">
-                            <p:stCondLst>
-                              <p:cond delay="0"/>
-                            </p:stCondLst>
-                            <p:childTnLst>
-                              <p:par>
-                                <p:cTn id="11" presetID="1" presetClass="entr" presetSubtype="0" fill="hold" grpId="0" nodeType="clickEffect">
-                                  <p:stCondLst>
-                                    <p:cond delay="0"/>
-                                  </p:stCondLst>
-                                  <p:childTnLst>
-                                    <p:set>
-                                      <p:cBhvr>
-                                        <p:cTn id="12" dur="1" fill="hold">
-                                          <p:stCondLst>
-                                            <p:cond delay="0"/>
-                                          </p:stCondLst>
-                                        </p:cTn>
-                                        <p:tgtEl>
-                                          <p:spTgt spid="6"/>
-                                        </p:tgtEl>
-                                        <p:attrNameLst>
-                                          <p:attrName>style.visibility</p:attrName>
-                                        </p:attrNameLst>
-                                      </p:cBhvr>
-                                      <p:to>
-                                        <p:strVal val="visible"/>
-                                      </p:to>
-                                    </p:set>
-                                  </p:childTnLst>
-                                </p:cTn>
-                              </p:par>
-                              <p:par>
-                                <p:cTn id="13" presetID="1" presetClass="entr" presetSubtype="0" fill="hold" nodeType="withEffect">
-                                  <p:stCondLst>
-                                    <p:cond delay="0"/>
-                                  </p:stCondLst>
-                                  <p:childTnLst>
-                                    <p:set>
-                                      <p:cBhvr>
-                                        <p:cTn id="14" dur="1" fill="hold">
-                                          <p:stCondLst>
-                                            <p:cond delay="0"/>
-                                          </p:stCondLst>
-                                        </p:cTn>
-                                        <p:tgtEl>
-                                          <p:spTgt spid="20"/>
-                                        </p:tgtEl>
-                                        <p:attrNameLst>
-                                          <p:attrName>style.visibility</p:attrName>
-                                        </p:attrNameLst>
-                                      </p:cBhvr>
-                                      <p:to>
-                                        <p:strVal val="visible"/>
-                                      </p:to>
-                                    </p:set>
-                                  </p:childTnLst>
-                                </p:cTn>
-                              </p:par>
-                            </p:childTnLst>
-                          </p:cTn>
-                        </p:par>
-                      </p:childTnLst>
-                    </p:cTn>
-                  </p:par>
-                  <p:par>
-                    <p:cTn id="15" fill="hold">
-                      <p:stCondLst>
-                        <p:cond delay="indefinite"/>
-                      </p:stCondLst>
-                      <p:childTnLst>
-                        <p:par>
-                          <p:cTn id="16" fill="hold">
-                            <p:stCondLst>
-                              <p:cond delay="0"/>
-                            </p:stCondLst>
-                            <p:childTnLst>
-                              <p:par>
-                                <p:cTn id="17" presetID="1" presetClass="entr" presetSubtype="0" fill="hold" grpId="0" nodeType="clickEffect">
-                                  <p:stCondLst>
-                                    <p:cond delay="0"/>
-                                  </p:stCondLst>
-                                  <p:childTnLst>
-                                    <p:set>
-                                      <p:cBhvr>
-                                        <p:cTn id="18" dur="1" fill="hold">
-                                          <p:stCondLst>
-                                            <p:cond delay="0"/>
-                                          </p:stCondLst>
-                                        </p:cTn>
-                                        <p:tgtEl>
-                                          <p:spTgt spid="4"/>
-                                        </p:tgtEl>
-                                        <p:attrNameLst>
-                                          <p:attrName>style.visibility</p:attrName>
-                                        </p:attrNameLst>
-                                      </p:cBhvr>
-                                      <p:to>
-                                        <p:strVal val="visible"/>
-                                      </p:to>
-                                    </p:set>
-                                  </p:childTnLst>
-                                </p:cTn>
-                              </p:par>
-                              <p:par>
-                                <p:cTn id="19" presetID="1" presetClass="entr" presetSubtype="0" fill="hold" nodeType="withEffect">
-                                  <p:stCondLst>
-                                    <p:cond delay="0"/>
-                                  </p:stCondLst>
-                                  <p:childTnLst>
-                                    <p:set>
-                                      <p:cBhvr>
-                                        <p:cTn id="20" dur="1" fill="hold">
-                                          <p:stCondLst>
-                                            <p:cond delay="0"/>
-                                          </p:stCondLst>
-                                        </p:cTn>
-                                        <p:tgtEl>
-                                          <p:spTgt spid="23"/>
-                                        </p:tgtEl>
-                                        <p:attrNameLst>
-                                          <p:attrName>style.visibility</p:attrName>
-                                        </p:attrNameLst>
-                                      </p:cBhvr>
-                                      <p:to>
-                                        <p:strVal val="visible"/>
-                                      </p:to>
-                                    </p:set>
-                                  </p:childTnLst>
-                                </p:cTn>
-                              </p:par>
-                            </p:childTnLst>
-                          </p:cTn>
-                        </p:par>
-                      </p:childTnLst>
-                    </p:cTn>
-                  </p:par>
-                  <p:par>
-                    <p:cTn id="21" fill="hold">
-                      <p:stCondLst>
-                        <p:cond delay="indefinite"/>
-                      </p:stCondLst>
-                      <p:childTnLst>
-                        <p:par>
-                          <p:cTn id="22" fill="hold">
-                            <p:stCondLst>
-                              <p:cond delay="0"/>
-                            </p:stCondLst>
-                            <p:childTnLst>
-                              <p:par>
-                                <p:cTn id="23" presetID="1" presetClass="entr" presetSubtype="0" fill="hold" grpId="0" nodeType="clickEffect">
-                                  <p:stCondLst>
-                                    <p:cond delay="0"/>
-                                  </p:stCondLst>
-                                  <p:childTnLst>
-                                    <p:set>
-                                      <p:cBhvr>
-                                        <p:cTn id="24" dur="1" fill="hold">
-                                          <p:stCondLst>
-                                            <p:cond delay="0"/>
-                                          </p:stCondLst>
-                                        </p:cTn>
-                                        <p:tgtEl>
-                                          <p:spTgt spid="8"/>
-                                        </p:tgtEl>
-                                        <p:attrNameLst>
-                                          <p:attrName>style.visibility</p:attrName>
-                                        </p:attrNameLst>
-                                      </p:cBhvr>
-                                      <p:to>
-                                        <p:strVal val="visible"/>
-                                      </p:to>
-                                    </p:set>
-                                  </p:childTnLst>
-                                </p:cTn>
-                              </p:par>
-                              <p:par>
-                                <p:cTn id="25" presetID="1" presetClass="entr" presetSubtype="0" fill="hold" nodeType="withEffect">
-                                  <p:stCondLst>
-                                    <p:cond delay="0"/>
-                                  </p:stCondLst>
-                                  <p:childTnLst>
-                                    <p:set>
-                                      <p:cBhvr>
-                                        <p:cTn id="26" dur="1" fill="hold">
-                                          <p:stCondLst>
-                                            <p:cond delay="0"/>
-                                          </p:stCondLst>
-                                        </p:cTn>
-                                        <p:tgtEl>
-                                          <p:spTgt spid="17"/>
-                                        </p:tgtEl>
-                                        <p:attrNameLst>
-                                          <p:attrName>style.visibility</p:attrName>
-                                        </p:attrNameLst>
-                                      </p:cBhvr>
-                                      <p:to>
-                                        <p:strVal val="visible"/>
-                                      </p:to>
-                                    </p:set>
-                                  </p:childTnLst>
-                                </p:cTn>
-                              </p:par>
-                              <p:par>
-                                <p:cTn id="27" presetID="1" presetClass="entr" presetSubtype="0" fill="hold" nodeType="withEffect">
-                                  <p:stCondLst>
-                                    <p:cond delay="0"/>
-                                  </p:stCondLst>
-                                  <p:childTnLst>
-                                    <p:set>
-                                      <p:cBhvr>
-                                        <p:cTn id="28" dur="1" fill="hold">
-                                          <p:stCondLst>
-                                            <p:cond delay="0"/>
-                                          </p:stCondLst>
-                                        </p:cTn>
-                                        <p:tgtEl>
-                                          <p:spTgt spid="14"/>
-                                        </p:tgtEl>
-                                        <p:attrNameLst>
-                                          <p:attrName>style.visibility</p:attrName>
-                                        </p:attrNameLst>
-                                      </p:cBhvr>
-                                      <p:to>
-                                        <p:strVal val="visible"/>
-                                      </p:to>
-                                    </p:set>
-                                  </p:childTnLst>
-                                </p:cTn>
-                              </p:par>
-                            </p:childTnLst>
-                          </p:cTn>
-                        </p:par>
-                      </p:childTnLst>
-                    </p:cTn>
-                  </p:par>
-                  <p:par>
-                    <p:cTn id="29" fill="hold">
-                      <p:stCondLst>
-                        <p:cond delay="indefinite"/>
-                      </p:stCondLst>
-                      <p:childTnLst>
-                        <p:par>
-                          <p:cTn id="30" fill="hold">
-                            <p:stCondLst>
-                              <p:cond delay="0"/>
-                            </p:stCondLst>
-                            <p:childTnLst>
-                              <p:par>
-                                <p:cTn id="31" presetID="1" presetClass="entr" presetSubtype="0" fill="hold" grpId="0" nodeType="clickEffect">
-                                  <p:stCondLst>
-                                    <p:cond delay="0"/>
-                                  </p:stCondLst>
-                                  <p:childTnLst>
-                                    <p:set>
-                                      <p:cBhvr>
-                                        <p:cTn id="32" dur="1" fill="hold">
-                                          <p:stCondLst>
-                                            <p:cond delay="0"/>
-                                          </p:stCondLst>
-                                        </p:cTn>
-                                        <p:tgtEl>
-                                          <p:spTgt spid="5"/>
-                                        </p:tgtEl>
-                                        <p:attrNameLst>
-                                          <p:attrName>style.visibility</p:attrName>
-                                        </p:attrNameLst>
-                                      </p:cBhvr>
-                                      <p:to>
-                                        <p:strVal val="visible"/>
-                                      </p:to>
-                                    </p:set>
-                                  </p:childTnLst>
-                                </p:cTn>
-                              </p:par>
-                              <p:par>
-                                <p:cTn id="33" presetID="1" presetClass="entr" presetSubtype="0" fill="hold" nodeType="withEffect">
-                                  <p:stCondLst>
-                                    <p:cond delay="0"/>
-                                  </p:stCondLst>
-                                  <p:childTnLst>
-                                    <p:set>
-                                      <p:cBhvr>
-                                        <p:cTn id="34" dur="1" fill="hold">
-                                          <p:stCondLst>
-                                            <p:cond delay="0"/>
-                                          </p:stCondLst>
-                                        </p:cTn>
-                                        <p:tgtEl>
-                                          <p:spTgt spid="10"/>
-                                        </p:tgtEl>
-                                        <p:attrNameLst>
-                                          <p:attrName>style.visibility</p:attrName>
-                                        </p:attrNameLst>
-                                      </p:cBhvr>
-                                      <p:to>
-                                        <p:strVal val="visible"/>
-                                      </p:to>
-                                    </p:set>
-                                  </p:childTnLst>
-                                </p:cTn>
-                              </p:par>
-                            </p:childTnLst>
-                          </p:cTn>
-                        </p:par>
-                      </p:childTnLst>
-                    </p:cTn>
-                  </p:par>
-                </p:childTnLst>
-              </p:cTn>
-              <p:prevCondLst>
-                <p:cond evt="onPrev" delay="0">
-                  <p:tgtEl>
-                    <p:sldTgt/>
-                  </p:tgtEl>
-                </p:cond>
-              </p:prevCondLst>
-              <p:nextCondLst>
-                <p:cond evt="onNext" delay="0">
-                  <p:tgtEl>
-                    <p:sldTgt/>
-                  </p:tgtEl>
-                </p:cond>
-              </p:nextCondLst>
-            </p:seq>
-          </p:childTnLst>
-        </p:cTn>
-      </p:par>
-    </p:tnLst>
-    <p:bldLst>
-      <p:bldP spid="4" grpId="0" animBg="1"/>
-      <p:bldP spid="5" grpId="0" animBg="1"/>
-      <p:bldP spid="6" grpId="0" animBg="1"/>
-      <p:bldP spid="7" grpId="0" animBg="1"/>
-      <p:bldP spid="8" grpId="0" animBg="1"/>
-    </p:bldLst>
-  </p:timing>
-</p:sld>
-</file>
-
-<file path=ppt/slides/slide22.xml><?xml version="1.0" encoding="utf-8"?>
-<p:sld xmlns:a="http://schemas.openxmlformats.org/drawingml/2006/main" xmlns:r="http://schemas.openxmlformats.org/officeDocument/2006/relationships" xmlns:p="http://schemas.openxmlformats.org/presentationml/2006/main">
-  <p:cSld>
-    <p:spTree>
-      <p:nvGrpSpPr>
-        <p:cNvPr id="1" name=""/>
-        <p:cNvGrpSpPr/>
-        <p:nvPr/>
-      </p:nvGrpSpPr>
-      <p:grpSpPr>
-        <a:xfrm>
-          <a:off x="0" y="0"/>
-          <a:ext cx="0" cy="0"/>
-          <a:chOff x="0" y="0"/>
-          <a:chExt cx="0" cy="0"/>
-        </a:xfrm>
-      </p:grpSpPr>
-      <p:sp>
-        <p:nvSpPr>
-          <p:cNvPr id="2" name="Title 1"/>
-          <p:cNvSpPr>
-            <a:spLocks noGrp="1"/>
-          </p:cNvSpPr>
-          <p:nvPr>
-            <p:ph type="title"/>
-          </p:nvPr>
-        </p:nvSpPr>
-        <p:spPr/>
-        <p:txBody>
-          <a:bodyPr/>
-          <a:lstStyle/>
-          <a:p>
-            <a:r>
-              <a:rPr lang="en-US"/>
-              <a:t>Code for Final Plot</a:t>
-            </a:r>
-          </a:p>
-        </p:txBody>
-      </p:sp>
-      <p:sp>
-        <p:nvSpPr>
-          <p:cNvPr id="3" name="TextBox 2"/>
-          <p:cNvSpPr txBox="1"/>
-          <p:nvPr/>
-        </p:nvSpPr>
-        <p:spPr>
-          <a:xfrm>
-            <a:off x="774894" y="1380270"/>
-            <a:ext cx="7835022" cy="3139321"/>
-          </a:xfrm>
-          <a:prstGeom prst="rect">
-            <a:avLst/>
-          </a:prstGeom>
-          <a:noFill/>
-        </p:spPr>
-        <p:txBody>
-          <a:bodyPr wrap="square" rtlCol="0">
-            <a:spAutoFit/>
-          </a:bodyPr>
-          <a:lstStyle/>
-          <a:p>
-            <a:r>
-              <a:rPr lang="en-US">
-                <a:latin typeface="Courier"/>
-                <a:cs typeface="Courier"/>
-              </a:rPr>
-              <a:t>## Setup ggplot with data frame</a:t>
-            </a:r>
-          </a:p>
-          <a:p>
-            <a:r>
-              <a:rPr lang="en-US">
-                <a:latin typeface="Courier"/>
-                <a:cs typeface="Courier"/>
-              </a:rPr>
-              <a:t>g &lt;- ggplot(maacs, aes(logpm25, NocturnalSympt))</a:t>
-            </a:r>
-          </a:p>
-          <a:p>
-            <a:endParaRPr lang="en-US">
-              <a:latin typeface="Courier"/>
-              <a:cs typeface="Courier"/>
-            </a:endParaRPr>
-          </a:p>
-          <a:p>
-            <a:r>
-              <a:rPr lang="en-US">
-                <a:latin typeface="Courier"/>
-                <a:cs typeface="Courier"/>
-              </a:rPr>
-              <a:t>## Add layers</a:t>
-            </a:r>
-          </a:p>
-          <a:p>
-            <a:r>
-              <a:rPr lang="en-US">
-                <a:latin typeface="Courier"/>
-                <a:cs typeface="Courier"/>
-              </a:rPr>
-              <a:t>g + geom_point(alpha = 1/3) </a:t>
-            </a:r>
-          </a:p>
-          <a:p>
-            <a:r>
-              <a:rPr lang="en-US">
-                <a:latin typeface="Courier"/>
-                <a:cs typeface="Courier"/>
-              </a:rPr>
-              <a:t>  + facet_wrap(bmicat ~ no2dec, nrow = 2, ncol = 4) </a:t>
-            </a:r>
-          </a:p>
-          <a:p>
-            <a:r>
-              <a:rPr lang="en-US">
-                <a:latin typeface="Courier"/>
-                <a:cs typeface="Courier"/>
-              </a:rPr>
-              <a:t>  + geom_smooth(method="lm", se=FALSE, col="steelblue")      </a:t>
-            </a:r>
-          </a:p>
-          <a:p>
-            <a:r>
-              <a:rPr lang="en-US">
-                <a:latin typeface="Courier"/>
-                <a:cs typeface="Courier"/>
-              </a:rPr>
-              <a:t>  + theme_bw(base_family = "Avenir", base_size = 10) </a:t>
-            </a:r>
-          </a:p>
-          <a:p>
-            <a:r>
-              <a:rPr lang="en-US">
-                <a:latin typeface="Courier"/>
-                <a:cs typeface="Courier"/>
-              </a:rPr>
-              <a:t>  + labs(x = expression("log " * PM[2.5]) </a:t>
-            </a:r>
-          </a:p>
-          <a:p>
-            <a:r>
-              <a:rPr lang="en-US">
-                <a:latin typeface="Courier"/>
-                <a:cs typeface="Courier"/>
-              </a:rPr>
-              <a:t>  + labs(y = "Nocturnal Symptoms”) </a:t>
-            </a:r>
-          </a:p>
-          <a:p>
-            <a:r>
-              <a:rPr lang="en-US">
-                <a:latin typeface="Courier"/>
-                <a:cs typeface="Courier"/>
-              </a:rPr>
-              <a:t>  + labs(title = "MAACS Cohort”)</a:t>
-            </a:r>
-          </a:p>
-        </p:txBody>
-      </p:sp>
-      <p:sp>
-        <p:nvSpPr>
-          <p:cNvPr id="4" name="Rectangle 3"/>
-          <p:cNvSpPr/>
-          <p:nvPr/>
-        </p:nvSpPr>
-        <p:spPr>
-          <a:xfrm>
-            <a:off x="6113040" y="1183960"/>
-            <a:ext cx="1388349" cy="505874"/>
-          </a:xfrm>
-          <a:prstGeom prst="rect">
-            <a:avLst/>
-          </a:prstGeom>
-        </p:spPr>
-        <p:style>
-          <a:lnRef idx="1">
-            <a:schemeClr val="accent1"/>
-          </a:lnRef>
-          <a:fillRef idx="3">
-            <a:schemeClr val="accent1"/>
-          </a:fillRef>
-          <a:effectRef idx="2">
-            <a:schemeClr val="accent1"/>
-          </a:effectRef>
-          <a:fontRef idx="minor">
-            <a:schemeClr val="lt1"/>
-          </a:fontRef>
-        </p:style>
-        <p:txBody>
-          <a:bodyPr rtlCol="0" anchor="ctr"/>
-          <a:lstStyle/>
-          <a:p>
-            <a:pPr algn="ctr"/>
-            <a:r>
-              <a:rPr lang="en-US"/>
-              <a:t>Add points</a:t>
-            </a:r>
-          </a:p>
-        </p:txBody>
-      </p:sp>
-      <p:sp>
-        <p:nvSpPr>
-          <p:cNvPr id="5" name="Rectangle 4"/>
-          <p:cNvSpPr/>
-          <p:nvPr/>
-        </p:nvSpPr>
-        <p:spPr>
-          <a:xfrm>
-            <a:off x="7493317" y="1836853"/>
-            <a:ext cx="1608979" cy="505874"/>
-          </a:xfrm>
-          <a:prstGeom prst="rect">
-            <a:avLst/>
-          </a:prstGeom>
-        </p:spPr>
-        <p:style>
-          <a:lnRef idx="1">
-            <a:schemeClr val="accent1"/>
-          </a:lnRef>
-          <a:fillRef idx="3">
-            <a:schemeClr val="accent1"/>
-          </a:fillRef>
-          <a:effectRef idx="2">
-            <a:schemeClr val="accent1"/>
-          </a:effectRef>
-          <a:fontRef idx="minor">
-            <a:schemeClr val="lt1"/>
-          </a:fontRef>
-        </p:style>
-        <p:txBody>
-          <a:bodyPr rtlCol="0" anchor="ctr"/>
-          <a:lstStyle/>
-          <a:p>
-            <a:pPr algn="ctr"/>
-            <a:r>
-              <a:rPr lang="en-US"/>
-              <a:t>Add smoother</a:t>
-            </a:r>
-          </a:p>
-        </p:txBody>
-      </p:sp>
-      <p:sp>
-        <p:nvSpPr>
-          <p:cNvPr id="6" name="Rectangle 5"/>
-          <p:cNvSpPr/>
-          <p:nvPr/>
-        </p:nvSpPr>
-        <p:spPr>
-          <a:xfrm>
-            <a:off x="7433150" y="3781337"/>
-            <a:ext cx="1608979" cy="505874"/>
-          </a:xfrm>
-          <a:prstGeom prst="rect">
-            <a:avLst/>
-          </a:prstGeom>
-        </p:spPr>
-        <p:style>
-          <a:lnRef idx="1">
-            <a:schemeClr val="accent1"/>
-          </a:lnRef>
-          <a:fillRef idx="3">
-            <a:schemeClr val="accent1"/>
-          </a:fillRef>
-          <a:effectRef idx="2">
-            <a:schemeClr val="accent1"/>
-          </a:effectRef>
-          <a:fontRef idx="minor">
-            <a:schemeClr val="lt1"/>
-          </a:fontRef>
-        </p:style>
-        <p:txBody>
-          <a:bodyPr rtlCol="0" anchor="ctr"/>
-          <a:lstStyle/>
-          <a:p>
-            <a:pPr algn="ctr"/>
-            <a:r>
-              <a:rPr lang="en-US"/>
-              <a:t>Change theme</a:t>
-            </a:r>
-          </a:p>
-        </p:txBody>
-      </p:sp>
-      <p:sp>
-        <p:nvSpPr>
-          <p:cNvPr id="7" name="Rectangle 6"/>
-          <p:cNvSpPr/>
-          <p:nvPr/>
-        </p:nvSpPr>
-        <p:spPr>
-          <a:xfrm>
-            <a:off x="7077822" y="4503206"/>
-            <a:ext cx="1219985" cy="505874"/>
-          </a:xfrm>
-          <a:prstGeom prst="rect">
-            <a:avLst/>
-          </a:prstGeom>
-        </p:spPr>
-        <p:style>
-          <a:lnRef idx="1">
-            <a:schemeClr val="accent1"/>
-          </a:lnRef>
-          <a:fillRef idx="3">
-            <a:schemeClr val="accent1"/>
-          </a:fillRef>
-          <a:effectRef idx="2">
-            <a:schemeClr val="accent1"/>
-          </a:effectRef>
-          <a:fontRef idx="minor">
-            <a:schemeClr val="lt1"/>
-          </a:fontRef>
-        </p:style>
-        <p:txBody>
-          <a:bodyPr rtlCol="0" anchor="ctr"/>
-          <a:lstStyle/>
-          <a:p>
-            <a:pPr algn="ctr"/>
-            <a:r>
-              <a:rPr lang="en-US"/>
-              <a:t>Add labels</a:t>
-            </a:r>
-          </a:p>
-        </p:txBody>
-      </p:sp>
-      <p:cxnSp>
-        <p:nvCxnSpPr>
-          <p:cNvPr id="9" name="Straight Arrow Connector 8"/>
-          <p:cNvCxnSpPr>
-            <a:stCxn id="4" idx="1"/>
-          </p:cNvCxnSpPr>
-          <p:nvPr/>
-        </p:nvCxnSpPr>
-        <p:spPr>
-          <a:xfrm flipH="1">
-            <a:off x="4509444" y="1436897"/>
-            <a:ext cx="1603596" cy="1038656"/>
-          </a:xfrm>
-          <a:prstGeom prst="straightConnector1">
-            <a:avLst/>
-          </a:prstGeom>
-          <a:ln>
-            <a:tailEnd type="arrow"/>
-          </a:ln>
-        </p:spPr>
-        <p:style>
-          <a:lnRef idx="2">
-            <a:schemeClr val="accent1"/>
-          </a:lnRef>
-          <a:fillRef idx="0">
-            <a:schemeClr val="accent1"/>
-          </a:fillRef>
-          <a:effectRef idx="1">
-            <a:schemeClr val="accent1"/>
-          </a:effectRef>
-          <a:fontRef idx="minor">
-            <a:schemeClr val="tx1"/>
-          </a:fontRef>
-        </p:style>
-      </p:cxnSp>
-      <p:cxnSp>
-        <p:nvCxnSpPr>
-          <p:cNvPr id="10" name="Straight Arrow Connector 9"/>
-          <p:cNvCxnSpPr>
-            <a:stCxn id="5" idx="2"/>
-          </p:cNvCxnSpPr>
-          <p:nvPr/>
-        </p:nvCxnSpPr>
-        <p:spPr>
-          <a:xfrm flipH="1">
-            <a:off x="7953410" y="2342727"/>
-            <a:ext cx="344397" cy="800149"/>
-          </a:xfrm>
-          <a:prstGeom prst="straightConnector1">
-            <a:avLst/>
-          </a:prstGeom>
-          <a:ln>
-            <a:tailEnd type="arrow"/>
-          </a:ln>
-        </p:spPr>
-        <p:style>
-          <a:lnRef idx="2">
-            <a:schemeClr val="accent1"/>
-          </a:lnRef>
-          <a:fillRef idx="0">
-            <a:schemeClr val="accent1"/>
-          </a:fillRef>
-          <a:effectRef idx="1">
-            <a:schemeClr val="accent1"/>
-          </a:effectRef>
-          <a:fontRef idx="minor">
-            <a:schemeClr val="tx1"/>
-          </a:fontRef>
-        </p:style>
-      </p:cxnSp>
-      <p:sp>
-        <p:nvSpPr>
-          <p:cNvPr id="15" name="Rectangle 14"/>
-          <p:cNvSpPr/>
-          <p:nvPr/>
-        </p:nvSpPr>
-        <p:spPr>
-          <a:xfrm>
-            <a:off x="6016182" y="2043068"/>
-            <a:ext cx="1358752" cy="505874"/>
-          </a:xfrm>
-          <a:prstGeom prst="rect">
-            <a:avLst/>
-          </a:prstGeom>
-        </p:spPr>
-        <p:style>
-          <a:lnRef idx="1">
-            <a:schemeClr val="accent1"/>
-          </a:lnRef>
-          <a:fillRef idx="3">
-            <a:schemeClr val="accent1"/>
-          </a:fillRef>
-          <a:effectRef idx="2">
-            <a:schemeClr val="accent1"/>
-          </a:effectRef>
-          <a:fontRef idx="minor">
-            <a:schemeClr val="lt1"/>
-          </a:fontRef>
-        </p:style>
-        <p:txBody>
-          <a:bodyPr rtlCol="0" anchor="ctr"/>
-          <a:lstStyle/>
-          <a:p>
-            <a:pPr algn="ctr"/>
-            <a:r>
-              <a:rPr lang="en-US"/>
-              <a:t>Make panels</a:t>
-            </a:r>
-          </a:p>
-        </p:txBody>
-      </p:sp>
-      <p:cxnSp>
-        <p:nvCxnSpPr>
-          <p:cNvPr id="16" name="Straight Arrow Connector 15"/>
-          <p:cNvCxnSpPr>
-            <a:stCxn id="15" idx="1"/>
-          </p:cNvCxnSpPr>
-          <p:nvPr/>
-        </p:nvCxnSpPr>
-        <p:spPr>
-          <a:xfrm flipH="1">
-            <a:off x="4778503" y="2296005"/>
-            <a:ext cx="1237679" cy="556263"/>
-          </a:xfrm>
-          <a:prstGeom prst="straightConnector1">
-            <a:avLst/>
-          </a:prstGeom>
-          <a:ln>
-            <a:tailEnd type="arrow"/>
-          </a:ln>
-        </p:spPr>
-        <p:style>
-          <a:lnRef idx="2">
-            <a:schemeClr val="accent1"/>
-          </a:lnRef>
-          <a:fillRef idx="0">
-            <a:schemeClr val="accent1"/>
-          </a:fillRef>
-          <a:effectRef idx="1">
-            <a:schemeClr val="accent1"/>
-          </a:effectRef>
-          <a:fontRef idx="minor">
-            <a:schemeClr val="tx1"/>
-          </a:fontRef>
-        </p:style>
-      </p:cxnSp>
-      <p:cxnSp>
-        <p:nvCxnSpPr>
-          <p:cNvPr id="19" name="Straight Arrow Connector 18"/>
-          <p:cNvCxnSpPr>
-            <a:stCxn id="6" idx="1"/>
-          </p:cNvCxnSpPr>
-          <p:nvPr/>
-        </p:nvCxnSpPr>
-        <p:spPr>
-          <a:xfrm flipH="1" flipV="1">
-            <a:off x="6898695" y="3616460"/>
-            <a:ext cx="534455" cy="417814"/>
-          </a:xfrm>
-          <a:prstGeom prst="straightConnector1">
-            <a:avLst/>
-          </a:prstGeom>
-          <a:ln>
-            <a:tailEnd type="arrow"/>
-          </a:ln>
-        </p:spPr>
-        <p:style>
-          <a:lnRef idx="2">
-            <a:schemeClr val="accent1"/>
-          </a:lnRef>
-          <a:fillRef idx="0">
-            <a:schemeClr val="accent1"/>
-          </a:fillRef>
-          <a:effectRef idx="1">
-            <a:schemeClr val="accent1"/>
-          </a:effectRef>
-          <a:fontRef idx="minor">
-            <a:schemeClr val="tx1"/>
-          </a:fontRef>
-        </p:style>
-      </p:cxnSp>
-      <p:cxnSp>
-        <p:nvCxnSpPr>
-          <p:cNvPr id="22" name="Straight Arrow Connector 21"/>
-          <p:cNvCxnSpPr>
-            <a:stCxn id="7" idx="1"/>
-          </p:cNvCxnSpPr>
-          <p:nvPr/>
-        </p:nvCxnSpPr>
-        <p:spPr>
-          <a:xfrm flipH="1" flipV="1">
-            <a:off x="5650257" y="4034274"/>
-            <a:ext cx="1427565" cy="721869"/>
-          </a:xfrm>
-          <a:prstGeom prst="straightConnector1">
-            <a:avLst/>
-          </a:prstGeom>
-          <a:ln>
-            <a:tailEnd type="arrow"/>
-          </a:ln>
-        </p:spPr>
-        <p:style>
-          <a:lnRef idx="2">
-            <a:schemeClr val="accent1"/>
-          </a:lnRef>
-          <a:fillRef idx="0">
-            <a:schemeClr val="accent1"/>
-          </a:fillRef>
-          <a:effectRef idx="1">
-            <a:schemeClr val="accent1"/>
-          </a:effectRef>
-          <a:fontRef idx="minor">
-            <a:schemeClr val="tx1"/>
-          </a:fontRef>
-        </p:style>
-      </p:cxnSp>
-    </p:spTree>
-    <p:extLst>
-      <p:ext uri="{BB962C8B-B14F-4D97-AF65-F5344CB8AC3E}">
-        <p14:creationId xmlns:p14="http://schemas.microsoft.com/office/powerpoint/2010/main" val="2321722039"/>
-      </p:ext>
-    </p:extLst>
-  </p:cSld>
-  <p:clrMapOvr>
-    <a:masterClrMapping/>
-  </p:clrMapOvr>
-  <p:timing>
-    <p:tnLst>
-      <p:par>
-        <p:cTn id="1" dur="indefinite" restart="never" nodeType="tmRoot"/>
-      </p:par>
-    </p:tnLst>
-  </p:timing>
-</p:sld>
-</file>
-
-<file path=ppt/slides/slide23.xml><?xml version="1.0" encoding="utf-8"?>
-<p:sld xmlns:a="http://schemas.openxmlformats.org/drawingml/2006/main" xmlns:r="http://schemas.openxmlformats.org/officeDocument/2006/relationships" xmlns:p="http://schemas.openxmlformats.org/presentationml/2006/main">
-  <p:cSld>
-    <p:spTree>
-      <p:nvGrpSpPr>
-        <p:cNvPr id="1" name=""/>
-        <p:cNvGrpSpPr/>
-        <p:nvPr/>
-      </p:nvGrpSpPr>
-      <p:grpSpPr>
-        <a:xfrm>
-          <a:off x="0" y="0"/>
-          <a:ext cx="0" cy="0"/>
-          <a:chOff x="0" y="0"/>
-          <a:chExt cx="0" cy="0"/>
-        </a:xfrm>
-      </p:grpSpPr>
-      <p:sp>
-        <p:nvSpPr>
-          <p:cNvPr id="2" name="Title 1"/>
-          <p:cNvSpPr>
-            <a:spLocks noGrp="1"/>
-          </p:cNvSpPr>
-          <p:nvPr>
-            <p:ph type="title"/>
-          </p:nvPr>
-        </p:nvSpPr>
-        <p:spPr/>
-        <p:txBody>
-          <a:bodyPr/>
-          <a:lstStyle/>
-          <a:p>
-            <a:r>
-              <a:rPr lang="en-US"/>
               <a:t>Summary</a:t>
             </a:r>
           </a:p>
@@ -9333,13 +8125,6 @@
   <p:clrMapOvr>
     <a:masterClrMapping/>
   </p:clrMapOvr>
-  <p:timing>
-    <p:tnLst>
-      <p:par>
-        <p:cTn id="1" dur="indefinite" restart="never" nodeType="tmRoot"/>
-      </p:par>
-    </p:tnLst>
-  </p:timing>
 </p:sld>
 </file>
 
@@ -9377,7 +8162,15 @@
           <a:p>
             <a:r>
               <a:rPr lang="en-US"/>
-              <a:t>Basic Components of a ggplot2 Plot</a:t>
+              <a:t>Example: BMI, PM</a:t>
+            </a:r>
+            <a:r>
+              <a:rPr lang="en-US" baseline="-25000"/>
+              <a:t>2.5</a:t>
+            </a:r>
+            <a:r>
+              <a:rPr lang="en-US"/>
+              <a:t>, Asthma</a:t>
             </a:r>
           </a:p>
         </p:txBody>
@@ -9392,132 +8185,54 @@
             <p:ph idx="1"/>
           </p:nvPr>
         </p:nvSpPr>
-        <p:spPr>
-          <a:xfrm>
-            <a:off x="457200" y="1200150"/>
-            <a:ext cx="8229600" cy="3705199"/>
-          </a:xfrm>
-        </p:spPr>
-        <p:txBody>
-          <a:bodyPr>
-            <a:normAutofit fontScale="77500" lnSpcReduction="20000"/>
-          </a:bodyPr>
-          <a:lstStyle/>
-          <a:p>
-            <a:r>
-              <a:rPr lang="en-US"/>
-              <a:t>A </a:t>
-            </a:r>
-            <a:r>
-              <a:rPr lang="en-US" b="1"/>
-              <a:t>data frame</a:t>
-            </a:r>
-          </a:p>
-          <a:p>
-            <a:r>
-              <a:rPr lang="en-US" b="1"/>
-              <a:t>aesthetic</a:t>
-            </a:r>
-            <a:r>
-              <a:rPr lang="en-US"/>
-              <a:t> </a:t>
-            </a:r>
-            <a:r>
-              <a:rPr lang="en-US" b="1"/>
-              <a:t>mappings</a:t>
-            </a:r>
-            <a:r>
-              <a:rPr lang="en-US"/>
-              <a:t>: how data are mapped to color, size </a:t>
-            </a:r>
-            <a:endParaRPr lang="en-US">
-              <a:effectLst/>
-            </a:endParaRPr>
-          </a:p>
-          <a:p>
-            <a:r>
-              <a:rPr lang="en-US" b="1"/>
-              <a:t>geoms</a:t>
-            </a:r>
-            <a:r>
-              <a:rPr lang="en-US"/>
-              <a:t>: geometric objects like points, lines, shapes. </a:t>
-            </a:r>
-            <a:endParaRPr lang="en-US">
-              <a:effectLst/>
-            </a:endParaRPr>
-          </a:p>
-          <a:p>
-            <a:r>
-              <a:rPr lang="en-US" b="1"/>
-              <a:t>facets</a:t>
-            </a:r>
-            <a:r>
-              <a:rPr lang="en-US"/>
-              <a:t>: for conditional plots. </a:t>
-            </a:r>
-          </a:p>
-          <a:p>
-            <a:r>
-              <a:rPr lang="en-US" b="1"/>
-              <a:t>stats</a:t>
-            </a:r>
-            <a:r>
-              <a:rPr lang="en-US"/>
-              <a:t>: statistical transformations like binning, quantiles, smoothing. </a:t>
-            </a:r>
-            <a:endParaRPr lang="en-US">
-              <a:effectLst/>
-            </a:endParaRPr>
-          </a:p>
-          <a:p>
-            <a:r>
-              <a:rPr lang="en-US" b="1"/>
-              <a:t>scales</a:t>
-            </a:r>
-            <a:r>
-              <a:rPr lang="en-US"/>
-              <a:t>: what scale an aesthetic map uses (example: male = red, female = blue). </a:t>
-            </a:r>
-            <a:endParaRPr lang="en-US">
-              <a:effectLst/>
-            </a:endParaRPr>
-          </a:p>
-          <a:p>
-            <a:r>
-              <a:rPr lang="en-US" b="1"/>
-              <a:t>coordinate system</a:t>
-            </a:r>
-            <a:r>
-              <a:rPr lang="en-US"/>
-              <a:t> </a:t>
-            </a:r>
-            <a:endParaRPr lang="en-US">
-              <a:effectLst/>
-            </a:endParaRPr>
-          </a:p>
-          <a:p>
-            <a:endParaRPr lang="en-US"/>
+        <p:spPr/>
+        <p:txBody>
+          <a:bodyPr/>
+          <a:lstStyle/>
+          <a:p>
+            <a:r>
+              <a:rPr lang="en-US"/>
+              <a:t>Mouse Allergen and Asthma Cohort Study</a:t>
+            </a:r>
+          </a:p>
+          <a:p>
+            <a:r>
+              <a:rPr lang="en-US"/>
+              <a:t>Baltimore children (age 5-17)</a:t>
+            </a:r>
+          </a:p>
+          <a:p>
+            <a:r>
+              <a:rPr lang="en-US"/>
+              <a:t>Persistent asthma, exacerbation in past year</a:t>
+            </a:r>
+          </a:p>
+          <a:p>
+            <a:r>
+              <a:rPr lang="en-US"/>
+              <a:t>Does BMI (normal vs. overweight) modify the relationship between PM</a:t>
+            </a:r>
+            <a:r>
+              <a:rPr lang="en-US" baseline="-25000"/>
+              <a:t>2.5</a:t>
+            </a:r>
+            <a:r>
+              <a:rPr lang="en-US"/>
+              <a:t> and asthma symptoms?</a:t>
+            </a:r>
           </a:p>
         </p:txBody>
       </p:sp>
     </p:spTree>
     <p:extLst>
       <p:ext uri="{BB962C8B-B14F-4D97-AF65-F5344CB8AC3E}">
-        <p14:creationId xmlns:p14="http://schemas.microsoft.com/office/powerpoint/2010/main" val="3779600500"/>
+        <p14:creationId xmlns:p14="http://schemas.microsoft.com/office/powerpoint/2010/main" val="2266852863"/>
       </p:ext>
     </p:extLst>
   </p:cSld>
   <p:clrMapOvr>
     <a:masterClrMapping/>
   </p:clrMapOvr>
-  <p:timing>
-    <p:tnLst>
-      <p:par>
-        <p:cTn id="1" dur="indefinite" restart="never" nodeType="tmRoot"/>
-      </p:par>
-    </p:tnLst>
-  </p:timing>
 </p:sld>
 </file>
 
@@ -9555,79 +8270,160 @@
           <a:p>
             <a:r>
               <a:rPr lang="en-US"/>
-              <a:t>Building Plots with ggplot2</a:t>
-            </a:r>
-          </a:p>
-        </p:txBody>
-      </p:sp>
-      <p:sp>
-        <p:nvSpPr>
-          <p:cNvPr id="3" name="Content Placeholder 2"/>
-          <p:cNvSpPr>
-            <a:spLocks noGrp="1"/>
-          </p:cNvSpPr>
-          <p:nvPr>
-            <p:ph idx="1"/>
-          </p:nvPr>
-        </p:nvSpPr>
-        <p:spPr/>
-        <p:txBody>
-          <a:bodyPr>
-            <a:normAutofit lnSpcReduction="10000"/>
+              <a:t>Basic Plot</a:t>
+            </a:r>
+          </a:p>
+        </p:txBody>
+      </p:sp>
+      <p:sp>
+        <p:nvSpPr>
+          <p:cNvPr id="5" name="TextBox 4"/>
+          <p:cNvSpPr txBox="1"/>
+          <p:nvPr/>
+        </p:nvSpPr>
+        <p:spPr>
+          <a:xfrm>
+            <a:off x="597228" y="4539110"/>
+            <a:ext cx="8089572" cy="523220"/>
+          </a:xfrm>
+          <a:prstGeom prst="rect">
+            <a:avLst/>
+          </a:prstGeom>
+          <a:noFill/>
+        </p:spPr>
+        <p:txBody>
+          <a:bodyPr wrap="square" rtlCol="0">
+            <a:spAutoFit/>
           </a:bodyPr>
           <a:lstStyle/>
           <a:p>
             <a:r>
-              <a:rPr lang="en-US"/>
-              <a:t>When building plots in ggplot2 (rather than using qplot) the “artist’s palette” model may be the closest analogy</a:t>
-            </a:r>
-          </a:p>
-          <a:p>
-            <a:r>
-              <a:rPr lang="en-US"/>
-              <a:t>Plots are built up in layers</a:t>
-            </a:r>
-          </a:p>
-          <a:p>
-            <a:pPr lvl="1"/>
-            <a:r>
-              <a:rPr lang="en-US"/>
-              <a:t>Plot the data</a:t>
-            </a:r>
-          </a:p>
-          <a:p>
-            <a:pPr lvl="1"/>
-            <a:r>
-              <a:rPr lang="en-US"/>
-              <a:t>Overlay a summary</a:t>
-            </a:r>
-          </a:p>
-          <a:p>
-            <a:pPr lvl="1"/>
-            <a:r>
-              <a:rPr lang="en-US"/>
-              <a:t>Metadata and annotation</a:t>
-            </a:r>
-          </a:p>
-        </p:txBody>
-      </p:sp>
+              <a:rPr lang="en-US" sz="1400" dirty="0" err="1">
+                <a:latin typeface="Courier"/>
+                <a:cs typeface="Courier"/>
+              </a:rPr>
+              <a:t>qplot</a:t>
+            </a:r>
+            <a:r>
+              <a:rPr lang="en-US" sz="1400" dirty="0">
+                <a:latin typeface="Courier"/>
+                <a:cs typeface="Courier"/>
+              </a:rPr>
+              <a:t>(logpm25, </a:t>
+            </a:r>
+            <a:r>
+              <a:rPr lang="en-US" sz="1400" dirty="0" err="1">
+                <a:latin typeface="Courier"/>
+                <a:cs typeface="Courier"/>
+              </a:rPr>
+              <a:t>NocturnalSympt</a:t>
+            </a:r>
+            <a:r>
+              <a:rPr lang="en-US" sz="1400" dirty="0">
+                <a:latin typeface="Courier"/>
+                <a:cs typeface="Courier"/>
+              </a:rPr>
+              <a:t>, data = </a:t>
+            </a:r>
+            <a:r>
+              <a:rPr lang="en-US" sz="1400" dirty="0" err="1">
+                <a:latin typeface="Courier"/>
+                <a:cs typeface="Courier"/>
+              </a:rPr>
+              <a:t>maacs</a:t>
+            </a:r>
+            <a:r>
+              <a:rPr lang="en-US" sz="1400" dirty="0">
+                <a:latin typeface="Courier"/>
+                <a:cs typeface="Courier"/>
+              </a:rPr>
+              <a:t>, facets = . ~ </a:t>
+            </a:r>
+            <a:r>
+              <a:rPr lang="en-US" sz="1400" dirty="0" err="1">
+                <a:latin typeface="Courier"/>
+                <a:cs typeface="Courier"/>
+              </a:rPr>
+              <a:t>bmicat</a:t>
+            </a:r>
+            <a:r>
+              <a:rPr lang="en-US" sz="1400" dirty="0">
+                <a:latin typeface="Courier"/>
+                <a:cs typeface="Courier"/>
+              </a:rPr>
+              <a:t>) + </a:t>
+            </a:r>
+            <a:r>
+              <a:rPr lang="en-US" sz="1400" dirty="0" err="1">
+                <a:latin typeface="Courier"/>
+                <a:cs typeface="Courier"/>
+              </a:rPr>
+              <a:t>geom_smooth</a:t>
+            </a:r>
+            <a:r>
+              <a:rPr lang="en-US" sz="1400" dirty="0">
+                <a:latin typeface="Courier"/>
+                <a:cs typeface="Courier"/>
+              </a:rPr>
+              <a:t>(method = “</a:t>
+            </a:r>
+            <a:r>
+              <a:rPr lang="en-US" sz="1400" dirty="0" err="1">
+                <a:latin typeface="Courier"/>
+                <a:cs typeface="Courier"/>
+              </a:rPr>
+              <a:t>lm</a:t>
+            </a:r>
+            <a:r>
+              <a:rPr lang="en-US" sz="1400" dirty="0">
+                <a:latin typeface="Courier"/>
+                <a:cs typeface="Courier"/>
+              </a:rPr>
+              <a:t>”)</a:t>
+            </a:r>
+          </a:p>
+        </p:txBody>
+      </p:sp>
+      <p:pic>
+        <p:nvPicPr>
+          <p:cNvPr id="6" name="Picture 5" descr="ggplotp2plot1.pdf"/>
+          <p:cNvPicPr>
+            <a:picLocks noChangeAspect="1"/>
+          </p:cNvPicPr>
+          <p:nvPr/>
+        </p:nvPicPr>
+        <p:blipFill>
+          <a:blip r:embed="rId3">
+            <a:extLst>
+              <a:ext uri="{28A0092B-C50C-407E-A947-70E740481C1C}">
+                <a14:useLocalDpi xmlns:a14="http://schemas.microsoft.com/office/drawing/2010/main" val="0"/>
+              </a:ext>
+            </a:extLst>
+          </a:blip>
+          <a:stretch>
+            <a:fillRect/>
+          </a:stretch>
+        </p:blipFill>
+        <p:spPr>
+          <a:xfrm>
+            <a:off x="1130300" y="906481"/>
+            <a:ext cx="6883400" cy="3517900"/>
+          </a:xfrm>
+          <a:prstGeom prst="rect">
+            <a:avLst/>
+          </a:prstGeom>
+        </p:spPr>
+      </p:pic>
     </p:spTree>
     <p:extLst>
       <p:ext uri="{BB962C8B-B14F-4D97-AF65-F5344CB8AC3E}">
-        <p14:creationId xmlns:p14="http://schemas.microsoft.com/office/powerpoint/2010/main" val="3426321968"/>
+        <p14:creationId xmlns:p14="http://schemas.microsoft.com/office/powerpoint/2010/main" val="3205448716"/>
       </p:ext>
     </p:extLst>
   </p:cSld>
   <p:clrMapOvr>
     <a:masterClrMapping/>
   </p:clrMapOvr>
-  <p:timing>
-    <p:tnLst>
-      <p:par>
-        <p:cTn id="1" dur="indefinite" restart="never" nodeType="tmRoot"/>
-      </p:par>
-    </p:tnLst>
-  </p:timing>
 </p:sld>
 </file>
 
@@ -9665,84 +8461,494 @@
           <a:p>
             <a:r>
               <a:rPr lang="en-US"/>
-              <a:t>Example: BMI, PM</a:t>
-            </a:r>
-            <a:r>
-              <a:rPr lang="en-US" baseline="-25000"/>
-              <a:t>2.5</a:t>
-            </a:r>
-            <a:r>
-              <a:rPr lang="en-US"/>
-              <a:t>, Asthma</a:t>
-            </a:r>
-          </a:p>
-        </p:txBody>
-      </p:sp>
-      <p:sp>
-        <p:nvSpPr>
-          <p:cNvPr id="3" name="Content Placeholder 2"/>
-          <p:cNvSpPr>
-            <a:spLocks noGrp="1"/>
-          </p:cNvSpPr>
-          <p:nvPr>
-            <p:ph idx="1"/>
-          </p:nvPr>
-        </p:nvSpPr>
-        <p:spPr/>
-        <p:txBody>
-          <a:bodyPr/>
-          <a:lstStyle/>
-          <a:p>
-            <a:r>
-              <a:rPr lang="en-US"/>
-              <a:t>Mouse Allergen and Asthma Cohort Study</a:t>
-            </a:r>
-          </a:p>
-          <a:p>
-            <a:r>
-              <a:rPr lang="en-US"/>
-              <a:t>Baltimore children (age 5-17)</a:t>
-            </a:r>
-          </a:p>
-          <a:p>
-            <a:r>
-              <a:rPr lang="en-US"/>
-              <a:t>Persistent asthma, exacerbation in past year</a:t>
-            </a:r>
-          </a:p>
-          <a:p>
-            <a:r>
-              <a:rPr lang="en-US"/>
-              <a:t>Does BMI (normal vs. overweight) modify the relationship between PM</a:t>
-            </a:r>
-            <a:r>
-              <a:rPr lang="en-US" baseline="-25000"/>
-              <a:t>2.5</a:t>
-            </a:r>
-            <a:r>
-              <a:rPr lang="en-US"/>
-              <a:t> and asthma symptoms?</a:t>
-            </a:r>
-          </a:p>
-        </p:txBody>
-      </p:sp>
+              <a:t>Building Up in Layers</a:t>
+            </a:r>
+          </a:p>
+        </p:txBody>
+      </p:sp>
+      <p:sp>
+        <p:nvSpPr>
+          <p:cNvPr id="3" name="TextBox 2"/>
+          <p:cNvSpPr txBox="1"/>
+          <p:nvPr/>
+        </p:nvSpPr>
+        <p:spPr>
+          <a:xfrm>
+            <a:off x="166561" y="1064708"/>
+            <a:ext cx="6341199" cy="4031873"/>
+          </a:xfrm>
+          <a:prstGeom prst="rect">
+            <a:avLst/>
+          </a:prstGeom>
+          <a:noFill/>
+        </p:spPr>
+        <p:txBody>
+          <a:bodyPr wrap="none" rtlCol="0">
+            <a:spAutoFit/>
+          </a:bodyPr>
+          <a:lstStyle/>
+          <a:p>
+            <a:r>
+              <a:rPr lang="en-US" sz="1600">
+                <a:latin typeface="Courier"/>
+                <a:cs typeface="Courier"/>
+              </a:rPr>
+              <a:t>&gt; head(maacs[, 1:3])</a:t>
+            </a:r>
+          </a:p>
+          <a:p>
+            <a:r>
+              <a:rPr lang="en-US" sz="1600">
+                <a:latin typeface="Courier"/>
+                <a:cs typeface="Courier"/>
+              </a:rPr>
+              <a:t>    logpm25        bmicat NocturnalSympt</a:t>
+            </a:r>
+          </a:p>
+          <a:p>
+            <a:r>
+              <a:rPr lang="en-US" sz="1600">
+                <a:latin typeface="Courier"/>
+                <a:cs typeface="Courier"/>
+              </a:rPr>
+              <a:t>2 1.5361795 normal weight              1</a:t>
+            </a:r>
+          </a:p>
+          <a:p>
+            <a:r>
+              <a:rPr lang="en-US" sz="1600">
+                <a:latin typeface="Courier"/>
+                <a:cs typeface="Courier"/>
+              </a:rPr>
+              <a:t>3 1.5905409 normal weight              0</a:t>
+            </a:r>
+          </a:p>
+          <a:p>
+            <a:r>
+              <a:rPr lang="en-US" sz="1600">
+                <a:latin typeface="Courier"/>
+                <a:cs typeface="Courier"/>
+              </a:rPr>
+              <a:t>4 1.5217786 normal weight              0</a:t>
+            </a:r>
+          </a:p>
+          <a:p>
+            <a:r>
+              <a:rPr lang="en-US" sz="1600">
+                <a:latin typeface="Courier"/>
+                <a:cs typeface="Courier"/>
+              </a:rPr>
+              <a:t>5 1.4323277 normal weight              0</a:t>
+            </a:r>
+          </a:p>
+          <a:p>
+            <a:r>
+              <a:rPr lang="en-US" sz="1600">
+                <a:latin typeface="Courier"/>
+                <a:cs typeface="Courier"/>
+              </a:rPr>
+              <a:t>6 1.2762320    overweight              8</a:t>
+            </a:r>
+          </a:p>
+          <a:p>
+            <a:r>
+              <a:rPr lang="en-US" sz="1600">
+                <a:latin typeface="Courier"/>
+                <a:cs typeface="Courier"/>
+              </a:rPr>
+              <a:t>8 0.7139103    overweight              0</a:t>
+            </a:r>
+          </a:p>
+          <a:p>
+            <a:endParaRPr lang="en-US" sz="1600">
+              <a:latin typeface="Courier"/>
+              <a:cs typeface="Courier"/>
+            </a:endParaRPr>
+          </a:p>
+          <a:p>
+            <a:r>
+              <a:rPr lang="en-US" sz="1600">
+                <a:latin typeface="Courier"/>
+                <a:cs typeface="Courier"/>
+              </a:rPr>
+              <a:t>&gt; g &lt;- ggplot(maacs, aes(logpm25, NocturnalSympt))</a:t>
+            </a:r>
+          </a:p>
+          <a:p>
+            <a:endParaRPr lang="en-US" sz="1600">
+              <a:latin typeface="Courier"/>
+              <a:cs typeface="Courier"/>
+            </a:endParaRPr>
+          </a:p>
+          <a:p>
+            <a:r>
+              <a:rPr lang="en-US" sz="1600">
+                <a:latin typeface="Courier"/>
+                <a:cs typeface="Courier"/>
+              </a:rPr>
+              <a:t>&gt; summary(g)</a:t>
+            </a:r>
+          </a:p>
+          <a:p>
+            <a:r>
+              <a:rPr lang="en-US" sz="1600">
+                <a:latin typeface="Courier"/>
+                <a:cs typeface="Courier"/>
+              </a:rPr>
+              <a:t>data: logpm25, bmicat, NocturnalSympt [554x3]</a:t>
+            </a:r>
+          </a:p>
+          <a:p>
+            <a:r>
+              <a:rPr lang="en-US" sz="1600">
+                <a:latin typeface="Courier"/>
+                <a:cs typeface="Courier"/>
+              </a:rPr>
+              <a:t>mapping:  x = logpm25, y = NocturnalSympt</a:t>
+            </a:r>
+          </a:p>
+          <a:p>
+            <a:r>
+              <a:rPr lang="en-US" sz="1600">
+                <a:latin typeface="Courier"/>
+                <a:cs typeface="Courier"/>
+              </a:rPr>
+              <a:t>faceting: facet_null() </a:t>
+            </a:r>
+          </a:p>
+          <a:p>
+            <a:endParaRPr lang="en-US" sz="1600">
+              <a:latin typeface="Courier"/>
+              <a:cs typeface="Courier"/>
+            </a:endParaRPr>
+          </a:p>
+        </p:txBody>
+      </p:sp>
+      <p:sp>
+        <p:nvSpPr>
+          <p:cNvPr id="4" name="Rectangle 3"/>
+          <p:cNvSpPr/>
+          <p:nvPr/>
+        </p:nvSpPr>
+        <p:spPr>
+          <a:xfrm>
+            <a:off x="7271022" y="1660284"/>
+            <a:ext cx="1415778" cy="530875"/>
+          </a:xfrm>
+          <a:prstGeom prst="rect">
+            <a:avLst/>
+          </a:prstGeom>
+        </p:spPr>
+        <p:style>
+          <a:lnRef idx="1">
+            <a:schemeClr val="accent1"/>
+          </a:lnRef>
+          <a:fillRef idx="3">
+            <a:schemeClr val="accent1"/>
+          </a:fillRef>
+          <a:effectRef idx="2">
+            <a:schemeClr val="accent1"/>
+          </a:effectRef>
+          <a:fontRef idx="minor">
+            <a:schemeClr val="lt1"/>
+          </a:fontRef>
+        </p:style>
+        <p:txBody>
+          <a:bodyPr rtlCol="0" anchor="ctr"/>
+          <a:lstStyle/>
+          <a:p>
+            <a:pPr algn="ctr"/>
+            <a:r>
+              <a:rPr lang="en-US"/>
+              <a:t>Data Frame</a:t>
+            </a:r>
+          </a:p>
+        </p:txBody>
+      </p:sp>
+      <p:sp>
+        <p:nvSpPr>
+          <p:cNvPr id="5" name="Rectangle 4"/>
+          <p:cNvSpPr/>
+          <p:nvPr/>
+        </p:nvSpPr>
+        <p:spPr>
+          <a:xfrm>
+            <a:off x="7271022" y="2942096"/>
+            <a:ext cx="1577590" cy="628298"/>
+          </a:xfrm>
+          <a:prstGeom prst="rect">
+            <a:avLst/>
+          </a:prstGeom>
+        </p:spPr>
+        <p:style>
+          <a:lnRef idx="1">
+            <a:schemeClr val="accent1"/>
+          </a:lnRef>
+          <a:fillRef idx="3">
+            <a:schemeClr val="accent1"/>
+          </a:fillRef>
+          <a:effectRef idx="2">
+            <a:schemeClr val="accent1"/>
+          </a:effectRef>
+          <a:fontRef idx="minor">
+            <a:schemeClr val="lt1"/>
+          </a:fontRef>
+        </p:style>
+        <p:txBody>
+          <a:bodyPr rtlCol="0" anchor="ctr"/>
+          <a:lstStyle/>
+          <a:p>
+            <a:pPr algn="ctr"/>
+            <a:r>
+              <a:rPr lang="en-US"/>
+              <a:t>Initial call to ggplot</a:t>
+            </a:r>
+          </a:p>
+        </p:txBody>
+      </p:sp>
+      <p:sp>
+        <p:nvSpPr>
+          <p:cNvPr id="6" name="Rectangle 5"/>
+          <p:cNvSpPr/>
+          <p:nvPr/>
+        </p:nvSpPr>
+        <p:spPr>
+          <a:xfrm>
+            <a:off x="7271022" y="4020924"/>
+            <a:ext cx="1577590" cy="628298"/>
+          </a:xfrm>
+          <a:prstGeom prst="rect">
+            <a:avLst/>
+          </a:prstGeom>
+        </p:spPr>
+        <p:style>
+          <a:lnRef idx="1">
+            <a:schemeClr val="accent1"/>
+          </a:lnRef>
+          <a:fillRef idx="3">
+            <a:schemeClr val="accent1"/>
+          </a:fillRef>
+          <a:effectRef idx="2">
+            <a:schemeClr val="accent1"/>
+          </a:effectRef>
+          <a:fontRef idx="minor">
+            <a:schemeClr val="lt1"/>
+          </a:fontRef>
+        </p:style>
+        <p:txBody>
+          <a:bodyPr rtlCol="0" anchor="ctr"/>
+          <a:lstStyle/>
+          <a:p>
+            <a:pPr algn="ctr"/>
+            <a:r>
+              <a:rPr lang="en-US"/>
+              <a:t>Summary of ggplot object</a:t>
+            </a:r>
+          </a:p>
+        </p:txBody>
+      </p:sp>
+      <p:cxnSp>
+        <p:nvCxnSpPr>
+          <p:cNvPr id="8" name="Straight Arrow Connector 7"/>
+          <p:cNvCxnSpPr>
+            <a:stCxn id="4" idx="1"/>
+          </p:cNvCxnSpPr>
+          <p:nvPr/>
+        </p:nvCxnSpPr>
+        <p:spPr>
+          <a:xfrm flipH="1">
+            <a:off x="5350808" y="1925722"/>
+            <a:ext cx="1920214" cy="83275"/>
+          </a:xfrm>
+          <a:prstGeom prst="straightConnector1">
+            <a:avLst/>
+          </a:prstGeom>
+          <a:ln>
+            <a:tailEnd type="arrow"/>
+          </a:ln>
+        </p:spPr>
+        <p:style>
+          <a:lnRef idx="2">
+            <a:schemeClr val="accent1"/>
+          </a:lnRef>
+          <a:fillRef idx="0">
+            <a:schemeClr val="accent1"/>
+          </a:fillRef>
+          <a:effectRef idx="1">
+            <a:schemeClr val="accent1"/>
+          </a:effectRef>
+          <a:fontRef idx="minor">
+            <a:schemeClr val="tx1"/>
+          </a:fontRef>
+        </p:style>
+      </p:cxnSp>
+      <p:cxnSp>
+        <p:nvCxnSpPr>
+          <p:cNvPr id="9" name="Straight Arrow Connector 8"/>
+          <p:cNvCxnSpPr>
+            <a:stCxn id="5" idx="1"/>
+          </p:cNvCxnSpPr>
+          <p:nvPr/>
+        </p:nvCxnSpPr>
+        <p:spPr>
+          <a:xfrm flipH="1">
+            <a:off x="6371001" y="3256245"/>
+            <a:ext cx="900021" cy="189236"/>
+          </a:xfrm>
+          <a:prstGeom prst="straightConnector1">
+            <a:avLst/>
+          </a:prstGeom>
+          <a:ln>
+            <a:tailEnd type="arrow"/>
+          </a:ln>
+        </p:spPr>
+        <p:style>
+          <a:lnRef idx="2">
+            <a:schemeClr val="accent1"/>
+          </a:lnRef>
+          <a:fillRef idx="0">
+            <a:schemeClr val="accent1"/>
+          </a:fillRef>
+          <a:effectRef idx="1">
+            <a:schemeClr val="accent1"/>
+          </a:effectRef>
+          <a:fontRef idx="minor">
+            <a:schemeClr val="tx1"/>
+          </a:fontRef>
+        </p:style>
+      </p:cxnSp>
+      <p:cxnSp>
+        <p:nvCxnSpPr>
+          <p:cNvPr id="12" name="Straight Arrow Connector 11"/>
+          <p:cNvCxnSpPr>
+            <a:stCxn id="6" idx="1"/>
+          </p:cNvCxnSpPr>
+          <p:nvPr/>
+        </p:nvCxnSpPr>
+        <p:spPr>
+          <a:xfrm flipH="1">
+            <a:off x="5840084" y="4335073"/>
+            <a:ext cx="1430938" cy="64325"/>
+          </a:xfrm>
+          <a:prstGeom prst="straightConnector1">
+            <a:avLst/>
+          </a:prstGeom>
+          <a:ln>
+            <a:tailEnd type="arrow"/>
+          </a:ln>
+        </p:spPr>
+        <p:style>
+          <a:lnRef idx="2">
+            <a:schemeClr val="accent1"/>
+          </a:lnRef>
+          <a:fillRef idx="0">
+            <a:schemeClr val="accent1"/>
+          </a:fillRef>
+          <a:effectRef idx="1">
+            <a:schemeClr val="accent1"/>
+          </a:effectRef>
+          <a:fontRef idx="minor">
+            <a:schemeClr val="tx1"/>
+          </a:fontRef>
+        </p:style>
+      </p:cxnSp>
+      <p:sp>
+        <p:nvSpPr>
+          <p:cNvPr id="19" name="Rounded Rectangle 18"/>
+          <p:cNvSpPr/>
+          <p:nvPr/>
+        </p:nvSpPr>
+        <p:spPr>
+          <a:xfrm>
+            <a:off x="6371001" y="2331684"/>
+            <a:ext cx="1290856" cy="478829"/>
+          </a:xfrm>
+          <a:prstGeom prst="roundRect">
+            <a:avLst/>
+          </a:prstGeom>
+          <a:solidFill>
+            <a:srgbClr val="C0504D"/>
+          </a:solidFill>
+          <a:ln>
+            <a:solidFill>
+              <a:schemeClr val="accent2"/>
+            </a:solidFill>
+          </a:ln>
+        </p:spPr>
+        <p:style>
+          <a:lnRef idx="1">
+            <a:schemeClr val="accent1"/>
+          </a:lnRef>
+          <a:fillRef idx="3">
+            <a:schemeClr val="accent1"/>
+          </a:fillRef>
+          <a:effectRef idx="2">
+            <a:schemeClr val="accent1"/>
+          </a:effectRef>
+          <a:fontRef idx="minor">
+            <a:schemeClr val="lt1"/>
+          </a:fontRef>
+        </p:style>
+        <p:txBody>
+          <a:bodyPr rtlCol="0" anchor="ctr"/>
+          <a:lstStyle/>
+          <a:p>
+            <a:pPr algn="ctr"/>
+            <a:r>
+              <a:rPr lang="en-US"/>
+              <a:t>Aesthetics</a:t>
+            </a:r>
+          </a:p>
+        </p:txBody>
+      </p:sp>
+      <p:cxnSp>
+        <p:nvCxnSpPr>
+          <p:cNvPr id="21" name="Straight Arrow Connector 20"/>
+          <p:cNvCxnSpPr>
+            <a:stCxn id="19" idx="1"/>
+          </p:cNvCxnSpPr>
+          <p:nvPr/>
+        </p:nvCxnSpPr>
+        <p:spPr>
+          <a:xfrm flipH="1">
+            <a:off x="5236297" y="2571099"/>
+            <a:ext cx="1134704" cy="685146"/>
+          </a:xfrm>
+          <a:prstGeom prst="straightConnector1">
+            <a:avLst/>
+          </a:prstGeom>
+          <a:ln>
+            <a:solidFill>
+              <a:srgbClr val="C0504D"/>
+            </a:solidFill>
+            <a:tailEnd type="arrow"/>
+          </a:ln>
+        </p:spPr>
+        <p:style>
+          <a:lnRef idx="2">
+            <a:schemeClr val="accent1"/>
+          </a:lnRef>
+          <a:fillRef idx="0">
+            <a:schemeClr val="accent1"/>
+          </a:fillRef>
+          <a:effectRef idx="1">
+            <a:schemeClr val="accent1"/>
+          </a:effectRef>
+          <a:fontRef idx="minor">
+            <a:schemeClr val="tx1"/>
+          </a:fontRef>
+        </p:style>
+      </p:cxnSp>
     </p:spTree>
     <p:extLst>
       <p:ext uri="{BB962C8B-B14F-4D97-AF65-F5344CB8AC3E}">
-        <p14:creationId xmlns:p14="http://schemas.microsoft.com/office/powerpoint/2010/main" val="2266852863"/>
+        <p14:creationId xmlns:p14="http://schemas.microsoft.com/office/powerpoint/2010/main" val="2765980305"/>
       </p:ext>
     </p:extLst>
   </p:cSld>
   <p:clrMapOvr>
     <a:masterClrMapping/>
   </p:clrMapOvr>
-  <p:timing>
-    <p:tnLst>
-      <p:par>
-        <p:cTn id="1" dur="indefinite" restart="never" nodeType="tmRoot"/>
-      </p:par>
-    </p:tnLst>
-  </p:timing>
 </p:sld>
 </file>
 
@@ -9780,188 +8986,261 @@
           <a:p>
             <a:r>
               <a:rPr lang="en-US"/>
-              <a:t>Basic Plot</a:t>
-            </a:r>
-          </a:p>
-        </p:txBody>
-      </p:sp>
-      <p:sp>
-        <p:nvSpPr>
-          <p:cNvPr id="5" name="TextBox 4"/>
-          <p:cNvSpPr txBox="1"/>
+              <a:t>No Plot Yet!</a:t>
+            </a:r>
+          </a:p>
+        </p:txBody>
+      </p:sp>
+      <p:sp>
+        <p:nvSpPr>
+          <p:cNvPr id="3" name="Rectangle 2"/>
+          <p:cNvSpPr/>
           <p:nvPr/>
         </p:nvSpPr>
         <p:spPr>
           <a:xfrm>
-            <a:off x="597228" y="4539110"/>
-            <a:ext cx="8089572" cy="523220"/>
+            <a:off x="718299" y="1884482"/>
+            <a:ext cx="7578575" cy="2308324"/>
           </a:xfrm>
           <a:prstGeom prst="rect">
             <a:avLst/>
           </a:prstGeom>
-          <a:noFill/>
-        </p:spPr>
-        <p:txBody>
-          <a:bodyPr wrap="square" rtlCol="0">
+        </p:spPr>
+        <p:txBody>
+          <a:bodyPr wrap="square">
             <a:spAutoFit/>
           </a:bodyPr>
           <a:lstStyle/>
           <a:p>
             <a:r>
-              <a:rPr lang="en-US" sz="1400" dirty="0" err="1">
+              <a:rPr lang="en-US">
                 <a:latin typeface="Courier"/>
                 <a:cs typeface="Courier"/>
               </a:rPr>
-              <a:t>qplot</a:t>
-            </a:r>
-            <a:r>
-              <a:rPr lang="en-US" sz="1400" dirty="0">
+              <a:t>&gt; g &lt;- ggplot(maacs, aes(logpm25, NocturnalSympt))</a:t>
+            </a:r>
+          </a:p>
+          <a:p>
+            <a:r>
+              <a:rPr lang="en-US">
                 <a:latin typeface="Courier"/>
                 <a:cs typeface="Courier"/>
               </a:rPr>
-              <a:t>(logpm25, </a:t>
-            </a:r>
-            <a:r>
-              <a:rPr lang="en-US" sz="1400" dirty="0" err="1">
+              <a:t>&gt; print(g)</a:t>
+            </a:r>
+          </a:p>
+          <a:p>
+            <a:r>
+              <a:rPr lang="en-US">
                 <a:latin typeface="Courier"/>
                 <a:cs typeface="Courier"/>
               </a:rPr>
-              <a:t>NocturnalSympt</a:t>
-            </a:r>
-            <a:r>
-              <a:rPr lang="en-US" sz="1400" dirty="0">
+              <a:t>Error: No layers in plot</a:t>
+            </a:r>
+          </a:p>
+          <a:p>
+            <a:endParaRPr lang="en-US">
+              <a:latin typeface="Courier"/>
+              <a:cs typeface="Courier"/>
+            </a:endParaRPr>
+          </a:p>
+          <a:p>
+            <a:r>
+              <a:rPr lang="en-US">
                 <a:latin typeface="Courier"/>
                 <a:cs typeface="Courier"/>
               </a:rPr>
-              <a:t>, data = </a:t>
-            </a:r>
-            <a:r>
-              <a:rPr lang="en-US" sz="1400" dirty="0" err="1">
+              <a:t>&gt; p &lt;- g + geom_point()</a:t>
+            </a:r>
+          </a:p>
+          <a:p>
+            <a:r>
+              <a:rPr lang="en-US">
                 <a:latin typeface="Courier"/>
                 <a:cs typeface="Courier"/>
               </a:rPr>
-              <a:t>maacs</a:t>
-            </a:r>
-            <a:r>
-              <a:rPr lang="en-US" sz="1400" dirty="0">
+              <a:t>&gt; print(p)</a:t>
+            </a:r>
+          </a:p>
+          <a:p>
+            <a:endParaRPr lang="en-US">
+              <a:latin typeface="Courier"/>
+              <a:cs typeface="Courier"/>
+            </a:endParaRPr>
+          </a:p>
+          <a:p>
+            <a:r>
+              <a:rPr lang="en-US">
                 <a:latin typeface="Courier"/>
                 <a:cs typeface="Courier"/>
               </a:rPr>
-              <a:t>, facets = . ~ </a:t>
-            </a:r>
-            <a:r>
-              <a:rPr lang="en-US" sz="1400" dirty="0" err="1" smtClean="0">
-                <a:latin typeface="Courier"/>
-                <a:cs typeface="Courier"/>
-              </a:rPr>
-              <a:t>bmicat</a:t>
-            </a:r>
-            <a:r>
-              <a:rPr lang="en-US" sz="1400" dirty="0" smtClean="0">
-                <a:latin typeface="Courier"/>
-                <a:cs typeface="Courier"/>
-              </a:rPr>
-              <a:t>) + </a:t>
-            </a:r>
-            <a:r>
-              <a:rPr lang="en-US" sz="1400" dirty="0" err="1" smtClean="0">
-                <a:latin typeface="Courier"/>
-                <a:cs typeface="Courier"/>
-              </a:rPr>
-              <a:t>geom</a:t>
-            </a:r>
-            <a:r>
-              <a:rPr lang="en-US" sz="1400" dirty="0" err="1" smtClean="0">
-                <a:latin typeface="Courier"/>
-                <a:cs typeface="Courier"/>
-              </a:rPr>
-              <a:t>_</a:t>
-            </a:r>
-            <a:r>
-              <a:rPr lang="en-US" sz="1400" dirty="0" err="1" smtClean="0">
-                <a:latin typeface="Courier"/>
-                <a:cs typeface="Courier"/>
-              </a:rPr>
-              <a:t>smooth</a:t>
-            </a:r>
-            <a:r>
-              <a:rPr lang="en-US" sz="1400" smtClean="0">
-                <a:latin typeface="Courier"/>
-                <a:cs typeface="Courier"/>
-              </a:rPr>
-              <a:t>(method </a:t>
-            </a:r>
-            <a:r>
-              <a:rPr lang="en-US" sz="1400">
-                <a:latin typeface="Courier"/>
-                <a:cs typeface="Courier"/>
-              </a:rPr>
-              <a:t>= </a:t>
-            </a:r>
-            <a:r>
-              <a:rPr lang="en-US" sz="1400" smtClean="0">
-                <a:latin typeface="Courier"/>
-                <a:cs typeface="Courier"/>
-              </a:rPr>
-              <a:t>“lm</a:t>
-            </a:r>
-            <a:r>
-              <a:rPr lang="en-US" sz="1400" dirty="0">
-                <a:latin typeface="Courier"/>
-                <a:cs typeface="Courier"/>
-              </a:rPr>
-              <a:t>”)</a:t>
-            </a:r>
-          </a:p>
-        </p:txBody>
-      </p:sp>
-      <p:pic>
-        <p:nvPicPr>
-          <p:cNvPr id="6" name="Picture 5" descr="ggplotp2plot1.pdf"/>
-          <p:cNvPicPr>
-            <a:picLocks noChangeAspect="1"/>
-          </p:cNvPicPr>
+              <a:t>&gt; g + geom_point()</a:t>
+            </a:r>
+          </a:p>
+        </p:txBody>
+      </p:sp>
+      <p:sp>
+        <p:nvSpPr>
+          <p:cNvPr id="5" name="Rectangle 4"/>
+          <p:cNvSpPr/>
           <p:nvPr/>
-        </p:nvPicPr>
-        <p:blipFill>
-          <a:blip r:embed="rId3">
-            <a:extLst>
-              <a:ext uri="{28A0092B-C50C-407E-A947-70E740481C1C}">
-                <a14:useLocalDpi xmlns:a14="http://schemas.microsoft.com/office/drawing/2010/main" val="0"/>
-              </a:ext>
-            </a:extLst>
-          </a:blip>
-          <a:stretch>
-            <a:fillRect/>
-          </a:stretch>
-        </p:blipFill>
+        </p:nvSpPr>
         <p:spPr>
           <a:xfrm>
-            <a:off x="1130300" y="906481"/>
-            <a:ext cx="6883400" cy="3517900"/>
+            <a:off x="5767213" y="3018700"/>
+            <a:ext cx="2529661" cy="603740"/>
           </a:xfrm>
           <a:prstGeom prst="rect">
             <a:avLst/>
           </a:prstGeom>
         </p:spPr>
-      </p:pic>
+        <p:style>
+          <a:lnRef idx="1">
+            <a:schemeClr val="accent1"/>
+          </a:lnRef>
+          <a:fillRef idx="3">
+            <a:schemeClr val="accent1"/>
+          </a:fillRef>
+          <a:effectRef idx="2">
+            <a:schemeClr val="accent1"/>
+          </a:effectRef>
+          <a:fontRef idx="minor">
+            <a:schemeClr val="lt1"/>
+          </a:fontRef>
+        </p:style>
+        <p:txBody>
+          <a:bodyPr rtlCol="0" anchor="ctr"/>
+          <a:lstStyle/>
+          <a:p>
+            <a:pPr algn="ctr"/>
+            <a:r>
+              <a:rPr lang="en-US"/>
+              <a:t>Explicitly save and print ggplot object</a:t>
+            </a:r>
+          </a:p>
+        </p:txBody>
+      </p:sp>
+      <p:sp>
+        <p:nvSpPr>
+          <p:cNvPr id="6" name="Rectangle 5"/>
+          <p:cNvSpPr/>
+          <p:nvPr/>
+        </p:nvSpPr>
+        <p:spPr>
+          <a:xfrm>
+            <a:off x="5767213" y="3837294"/>
+            <a:ext cx="2529661" cy="603740"/>
+          </a:xfrm>
+          <a:prstGeom prst="rect">
+            <a:avLst/>
+          </a:prstGeom>
+        </p:spPr>
+        <p:style>
+          <a:lnRef idx="1">
+            <a:schemeClr val="accent1"/>
+          </a:lnRef>
+          <a:fillRef idx="3">
+            <a:schemeClr val="accent1"/>
+          </a:fillRef>
+          <a:effectRef idx="2">
+            <a:schemeClr val="accent1"/>
+          </a:effectRef>
+          <a:fontRef idx="minor">
+            <a:schemeClr val="lt1"/>
+          </a:fontRef>
+        </p:style>
+        <p:txBody>
+          <a:bodyPr rtlCol="0" anchor="ctr"/>
+          <a:lstStyle/>
+          <a:p>
+            <a:pPr algn="ctr"/>
+            <a:r>
+              <a:rPr lang="en-US"/>
+              <a:t>Auto-print plot object without saving</a:t>
+            </a:r>
+          </a:p>
+        </p:txBody>
+      </p:sp>
+      <p:cxnSp>
+        <p:nvCxnSpPr>
+          <p:cNvPr id="8" name="Straight Arrow Connector 7"/>
+          <p:cNvCxnSpPr>
+            <a:stCxn id="5" idx="1"/>
+          </p:cNvCxnSpPr>
+          <p:nvPr/>
+        </p:nvCxnSpPr>
+        <p:spPr>
+          <a:xfrm flipH="1">
+            <a:off x="4049541" y="3320570"/>
+            <a:ext cx="1717672" cy="10409"/>
+          </a:xfrm>
+          <a:prstGeom prst="straightConnector1">
+            <a:avLst/>
+          </a:prstGeom>
+          <a:ln>
+            <a:tailEnd type="arrow"/>
+          </a:ln>
+        </p:spPr>
+        <p:style>
+          <a:lnRef idx="2">
+            <a:schemeClr val="accent1"/>
+          </a:lnRef>
+          <a:fillRef idx="0">
+            <a:schemeClr val="accent1"/>
+          </a:fillRef>
+          <a:effectRef idx="1">
+            <a:schemeClr val="accent1"/>
+          </a:effectRef>
+          <a:fontRef idx="minor">
+            <a:schemeClr val="tx1"/>
+          </a:fontRef>
+        </p:style>
+      </p:cxnSp>
+      <p:cxnSp>
+        <p:nvCxnSpPr>
+          <p:cNvPr id="9" name="Straight Arrow Connector 8"/>
+          <p:cNvCxnSpPr>
+            <a:stCxn id="6" idx="1"/>
+          </p:cNvCxnSpPr>
+          <p:nvPr/>
+        </p:nvCxnSpPr>
+        <p:spPr>
+          <a:xfrm flipH="1" flipV="1">
+            <a:off x="3414523" y="4059629"/>
+            <a:ext cx="2352690" cy="79535"/>
+          </a:xfrm>
+          <a:prstGeom prst="straightConnector1">
+            <a:avLst/>
+          </a:prstGeom>
+          <a:ln>
+            <a:tailEnd type="arrow"/>
+          </a:ln>
+        </p:spPr>
+        <p:style>
+          <a:lnRef idx="2">
+            <a:schemeClr val="accent1"/>
+          </a:lnRef>
+          <a:fillRef idx="0">
+            <a:schemeClr val="accent1"/>
+          </a:fillRef>
+          <a:effectRef idx="1">
+            <a:schemeClr val="accent1"/>
+          </a:effectRef>
+          <a:fontRef idx="minor">
+            <a:schemeClr val="tx1"/>
+          </a:fontRef>
+        </p:style>
+      </p:cxnSp>
     </p:spTree>
     <p:extLst>
       <p:ext uri="{BB962C8B-B14F-4D97-AF65-F5344CB8AC3E}">
-        <p14:creationId xmlns:p14="http://schemas.microsoft.com/office/powerpoint/2010/main" val="3205448716"/>
+        <p14:creationId xmlns:p14="http://schemas.microsoft.com/office/powerpoint/2010/main" val="2657037542"/>
       </p:ext>
     </p:extLst>
   </p:cSld>
   <p:clrMapOvr>
     <a:masterClrMapping/>
   </p:clrMapOvr>
-  <p:timing>
-    <p:tnLst>
-      <p:par>
-        <p:cTn id="1" dur="indefinite" restart="never" nodeType="tmRoot"/>
-      </p:par>
-    </p:tnLst>
-  </p:timing>
 </p:sld>
 </file>
 
@@ -9999,21 +9278,51 @@
           <a:p>
             <a:r>
               <a:rPr lang="en-US"/>
-              <a:t>Building Up in Layers</a:t>
-            </a:r>
-          </a:p>
-        </p:txBody>
-      </p:sp>
-      <p:sp>
-        <p:nvSpPr>
-          <p:cNvPr id="3" name="TextBox 2"/>
+              <a:t>First Plot with Point Layer</a:t>
+            </a:r>
+          </a:p>
+        </p:txBody>
+      </p:sp>
+      <p:pic>
+        <p:nvPicPr>
+          <p:cNvPr id="3" name="Picture 2" descr="ggplotp2plot2.pdf"/>
+          <p:cNvPicPr>
+            <a:picLocks noChangeAspect="1"/>
+          </p:cNvPicPr>
+          <p:nvPr/>
+        </p:nvPicPr>
+        <p:blipFill>
+          <a:blip r:embed="rId3">
+            <a:extLst>
+              <a:ext uri="{28A0092B-C50C-407E-A947-70E740481C1C}">
+                <a14:useLocalDpi xmlns:a14="http://schemas.microsoft.com/office/drawing/2010/main" val="0"/>
+              </a:ext>
+            </a:extLst>
+          </a:blip>
+          <a:stretch>
+            <a:fillRect/>
+          </a:stretch>
+        </p:blipFill>
+        <p:spPr>
+          <a:xfrm>
+            <a:off x="1130300" y="1063229"/>
+            <a:ext cx="6883400" cy="3517900"/>
+          </a:xfrm>
+          <a:prstGeom prst="rect">
+            <a:avLst/>
+          </a:prstGeom>
+        </p:spPr>
+      </p:pic>
+      <p:sp>
+        <p:nvSpPr>
+          <p:cNvPr id="4" name="TextBox 3"/>
           <p:cNvSpPr txBox="1"/>
           <p:nvPr/>
         </p:nvSpPr>
         <p:spPr>
           <a:xfrm>
-            <a:off x="166561" y="1064708"/>
-            <a:ext cx="6341199" cy="4031873"/>
+            <a:off x="1707335" y="4497169"/>
+            <a:ext cx="6094938" cy="584776"/>
           </a:xfrm>
           <a:prstGeom prst="rect">
             <a:avLst/>
@@ -10031,7 +9340,7 @@
                 <a:latin typeface="Courier"/>
                 <a:cs typeface="Courier"/>
               </a:rPr>
-              <a:t>&gt; head(maacs[, 1:3])</a:t>
+              <a:t>g &lt;- ggplot(maacs, aes(logpm25, NocturnalSympt))</a:t>
             </a:r>
           </a:p>
           <a:p>
@@ -10040,460 +9349,21 @@
                 <a:latin typeface="Courier"/>
                 <a:cs typeface="Courier"/>
               </a:rPr>
-              <a:t>    logpm25        bmicat NocturnalSympt</a:t>
-            </a:r>
-          </a:p>
-          <a:p>
-            <a:r>
-              <a:rPr lang="en-US" sz="1600">
-                <a:latin typeface="Courier"/>
-                <a:cs typeface="Courier"/>
-              </a:rPr>
-              <a:t>2 1.5361795 normal weight              1</a:t>
-            </a:r>
-          </a:p>
-          <a:p>
-            <a:r>
-              <a:rPr lang="en-US" sz="1600">
-                <a:latin typeface="Courier"/>
-                <a:cs typeface="Courier"/>
-              </a:rPr>
-              <a:t>3 1.5905409 normal weight              0</a:t>
-            </a:r>
-          </a:p>
-          <a:p>
-            <a:r>
-              <a:rPr lang="en-US" sz="1600">
-                <a:latin typeface="Courier"/>
-                <a:cs typeface="Courier"/>
-              </a:rPr>
-              <a:t>4 1.5217786 normal weight              0</a:t>
-            </a:r>
-          </a:p>
-          <a:p>
-            <a:r>
-              <a:rPr lang="en-US" sz="1600">
-                <a:latin typeface="Courier"/>
-                <a:cs typeface="Courier"/>
-              </a:rPr>
-              <a:t>5 1.4323277 normal weight              0</a:t>
-            </a:r>
-          </a:p>
-          <a:p>
-            <a:r>
-              <a:rPr lang="en-US" sz="1600">
-                <a:latin typeface="Courier"/>
-                <a:cs typeface="Courier"/>
-              </a:rPr>
-              <a:t>6 1.2762320    overweight              8</a:t>
-            </a:r>
-          </a:p>
-          <a:p>
-            <a:r>
-              <a:rPr lang="en-US" sz="1600">
-                <a:latin typeface="Courier"/>
-                <a:cs typeface="Courier"/>
-              </a:rPr>
-              <a:t>8 0.7139103    overweight              0</a:t>
-            </a:r>
-          </a:p>
-          <a:p>
-            <a:endParaRPr lang="en-US" sz="1600">
-              <a:latin typeface="Courier"/>
-              <a:cs typeface="Courier"/>
-            </a:endParaRPr>
-          </a:p>
-          <a:p>
-            <a:r>
-              <a:rPr lang="en-US" sz="1600">
-                <a:latin typeface="Courier"/>
-                <a:cs typeface="Courier"/>
-              </a:rPr>
-              <a:t>&gt; g &lt;- ggplot(maacs, aes(logpm25, NocturnalSympt))</a:t>
-            </a:r>
-          </a:p>
-          <a:p>
-            <a:endParaRPr lang="en-US" sz="1600">
-              <a:latin typeface="Courier"/>
-              <a:cs typeface="Courier"/>
-            </a:endParaRPr>
-          </a:p>
-          <a:p>
-            <a:r>
-              <a:rPr lang="en-US" sz="1600">
-                <a:latin typeface="Courier"/>
-                <a:cs typeface="Courier"/>
-              </a:rPr>
-              <a:t>&gt; summary(g)</a:t>
-            </a:r>
-          </a:p>
-          <a:p>
-            <a:r>
-              <a:rPr lang="en-US" sz="1600">
-                <a:latin typeface="Courier"/>
-                <a:cs typeface="Courier"/>
-              </a:rPr>
-              <a:t>data: logpm25, bmicat, NocturnalSympt [554x3]</a:t>
-            </a:r>
-          </a:p>
-          <a:p>
-            <a:r>
-              <a:rPr lang="en-US" sz="1600">
-                <a:latin typeface="Courier"/>
-                <a:cs typeface="Courier"/>
-              </a:rPr>
-              <a:t>mapping:  x = logpm25, y = NocturnalSympt</a:t>
-            </a:r>
-          </a:p>
-          <a:p>
-            <a:r>
-              <a:rPr lang="en-US" sz="1600">
-                <a:latin typeface="Courier"/>
-                <a:cs typeface="Courier"/>
-              </a:rPr>
-              <a:t>faceting: facet_null() </a:t>
-            </a:r>
-          </a:p>
-          <a:p>
-            <a:endParaRPr lang="en-US" sz="1600">
-              <a:latin typeface="Courier"/>
-              <a:cs typeface="Courier"/>
-            </a:endParaRPr>
-          </a:p>
-        </p:txBody>
-      </p:sp>
-      <p:sp>
-        <p:nvSpPr>
-          <p:cNvPr id="4" name="Rectangle 3"/>
-          <p:cNvSpPr/>
-          <p:nvPr/>
-        </p:nvSpPr>
-        <p:spPr>
-          <a:xfrm>
-            <a:off x="7271022" y="1660284"/>
-            <a:ext cx="1415778" cy="530875"/>
-          </a:xfrm>
-          <a:prstGeom prst="rect">
-            <a:avLst/>
-          </a:prstGeom>
-        </p:spPr>
-        <p:style>
-          <a:lnRef idx="1">
-            <a:schemeClr val="accent1"/>
-          </a:lnRef>
-          <a:fillRef idx="3">
-            <a:schemeClr val="accent1"/>
-          </a:fillRef>
-          <a:effectRef idx="2">
-            <a:schemeClr val="accent1"/>
-          </a:effectRef>
-          <a:fontRef idx="minor">
-            <a:schemeClr val="lt1"/>
-          </a:fontRef>
-        </p:style>
-        <p:txBody>
-          <a:bodyPr rtlCol="0" anchor="ctr"/>
-          <a:lstStyle/>
-          <a:p>
-            <a:pPr algn="ctr"/>
-            <a:r>
-              <a:rPr lang="en-US"/>
-              <a:t>Data Frame</a:t>
-            </a:r>
-          </a:p>
-        </p:txBody>
-      </p:sp>
-      <p:sp>
-        <p:nvSpPr>
-          <p:cNvPr id="5" name="Rectangle 4"/>
-          <p:cNvSpPr/>
-          <p:nvPr/>
-        </p:nvSpPr>
-        <p:spPr>
-          <a:xfrm>
-            <a:off x="7271022" y="2942096"/>
-            <a:ext cx="1577590" cy="628298"/>
-          </a:xfrm>
-          <a:prstGeom prst="rect">
-            <a:avLst/>
-          </a:prstGeom>
-        </p:spPr>
-        <p:style>
-          <a:lnRef idx="1">
-            <a:schemeClr val="accent1"/>
-          </a:lnRef>
-          <a:fillRef idx="3">
-            <a:schemeClr val="accent1"/>
-          </a:fillRef>
-          <a:effectRef idx="2">
-            <a:schemeClr val="accent1"/>
-          </a:effectRef>
-          <a:fontRef idx="minor">
-            <a:schemeClr val="lt1"/>
-          </a:fontRef>
-        </p:style>
-        <p:txBody>
-          <a:bodyPr rtlCol="0" anchor="ctr"/>
-          <a:lstStyle/>
-          <a:p>
-            <a:pPr algn="ctr"/>
-            <a:r>
-              <a:rPr lang="en-US"/>
-              <a:t>Initial call to ggplot</a:t>
-            </a:r>
-          </a:p>
-        </p:txBody>
-      </p:sp>
-      <p:sp>
-        <p:nvSpPr>
-          <p:cNvPr id="6" name="Rectangle 5"/>
-          <p:cNvSpPr/>
-          <p:nvPr/>
-        </p:nvSpPr>
-        <p:spPr>
-          <a:xfrm>
-            <a:off x="7271022" y="4020924"/>
-            <a:ext cx="1577590" cy="628298"/>
-          </a:xfrm>
-          <a:prstGeom prst="rect">
-            <a:avLst/>
-          </a:prstGeom>
-        </p:spPr>
-        <p:style>
-          <a:lnRef idx="1">
-            <a:schemeClr val="accent1"/>
-          </a:lnRef>
-          <a:fillRef idx="3">
-            <a:schemeClr val="accent1"/>
-          </a:fillRef>
-          <a:effectRef idx="2">
-            <a:schemeClr val="accent1"/>
-          </a:effectRef>
-          <a:fontRef idx="minor">
-            <a:schemeClr val="lt1"/>
-          </a:fontRef>
-        </p:style>
-        <p:txBody>
-          <a:bodyPr rtlCol="0" anchor="ctr"/>
-          <a:lstStyle/>
-          <a:p>
-            <a:pPr algn="ctr"/>
-            <a:r>
-              <a:rPr lang="en-US"/>
-              <a:t>Summary of ggplot object</a:t>
-            </a:r>
-          </a:p>
-        </p:txBody>
-      </p:sp>
-      <p:cxnSp>
-        <p:nvCxnSpPr>
-          <p:cNvPr id="8" name="Straight Arrow Connector 7"/>
-          <p:cNvCxnSpPr>
-            <a:stCxn id="4" idx="1"/>
-          </p:cNvCxnSpPr>
-          <p:nvPr/>
-        </p:nvCxnSpPr>
-        <p:spPr>
-          <a:xfrm flipH="1">
-            <a:off x="5350808" y="1925722"/>
-            <a:ext cx="1920214" cy="83275"/>
-          </a:xfrm>
-          <a:prstGeom prst="straightConnector1">
-            <a:avLst/>
-          </a:prstGeom>
-          <a:ln>
-            <a:tailEnd type="arrow"/>
-          </a:ln>
-        </p:spPr>
-        <p:style>
-          <a:lnRef idx="2">
-            <a:schemeClr val="accent1"/>
-          </a:lnRef>
-          <a:fillRef idx="0">
-            <a:schemeClr val="accent1"/>
-          </a:fillRef>
-          <a:effectRef idx="1">
-            <a:schemeClr val="accent1"/>
-          </a:effectRef>
-          <a:fontRef idx="minor">
-            <a:schemeClr val="tx1"/>
-          </a:fontRef>
-        </p:style>
-      </p:cxnSp>
-      <p:cxnSp>
-        <p:nvCxnSpPr>
-          <p:cNvPr id="9" name="Straight Arrow Connector 8"/>
-          <p:cNvCxnSpPr>
-            <a:stCxn id="5" idx="1"/>
-          </p:cNvCxnSpPr>
-          <p:nvPr/>
-        </p:nvCxnSpPr>
-        <p:spPr>
-          <a:xfrm flipH="1">
-            <a:off x="6371001" y="3256245"/>
-            <a:ext cx="900021" cy="189236"/>
-          </a:xfrm>
-          <a:prstGeom prst="straightConnector1">
-            <a:avLst/>
-          </a:prstGeom>
-          <a:ln>
-            <a:tailEnd type="arrow"/>
-          </a:ln>
-        </p:spPr>
-        <p:style>
-          <a:lnRef idx="2">
-            <a:schemeClr val="accent1"/>
-          </a:lnRef>
-          <a:fillRef idx="0">
-            <a:schemeClr val="accent1"/>
-          </a:fillRef>
-          <a:effectRef idx="1">
-            <a:schemeClr val="accent1"/>
-          </a:effectRef>
-          <a:fontRef idx="minor">
-            <a:schemeClr val="tx1"/>
-          </a:fontRef>
-        </p:style>
-      </p:cxnSp>
-      <p:cxnSp>
-        <p:nvCxnSpPr>
-          <p:cNvPr id="12" name="Straight Arrow Connector 11"/>
-          <p:cNvCxnSpPr>
-            <a:stCxn id="6" idx="1"/>
-          </p:cNvCxnSpPr>
-          <p:nvPr/>
-        </p:nvCxnSpPr>
-        <p:spPr>
-          <a:xfrm flipH="1">
-            <a:off x="5840084" y="4335073"/>
-            <a:ext cx="1430938" cy="64325"/>
-          </a:xfrm>
-          <a:prstGeom prst="straightConnector1">
-            <a:avLst/>
-          </a:prstGeom>
-          <a:ln>
-            <a:tailEnd type="arrow"/>
-          </a:ln>
-        </p:spPr>
-        <p:style>
-          <a:lnRef idx="2">
-            <a:schemeClr val="accent1"/>
-          </a:lnRef>
-          <a:fillRef idx="0">
-            <a:schemeClr val="accent1"/>
-          </a:fillRef>
-          <a:effectRef idx="1">
-            <a:schemeClr val="accent1"/>
-          </a:effectRef>
-          <a:fontRef idx="minor">
-            <a:schemeClr val="tx1"/>
-          </a:fontRef>
-        </p:style>
-      </p:cxnSp>
-      <p:sp>
-        <p:nvSpPr>
-          <p:cNvPr id="19" name="Rounded Rectangle 18"/>
-          <p:cNvSpPr/>
-          <p:nvPr/>
-        </p:nvSpPr>
-        <p:spPr>
-          <a:xfrm>
-            <a:off x="6371001" y="2331684"/>
-            <a:ext cx="1290856" cy="478829"/>
-          </a:xfrm>
-          <a:prstGeom prst="roundRect">
-            <a:avLst/>
-          </a:prstGeom>
-          <a:solidFill>
-            <a:srgbClr val="C0504D"/>
-          </a:solidFill>
-          <a:ln>
-            <a:solidFill>
-              <a:schemeClr val="accent2"/>
-            </a:solidFill>
-          </a:ln>
-        </p:spPr>
-        <p:style>
-          <a:lnRef idx="1">
-            <a:schemeClr val="accent1"/>
-          </a:lnRef>
-          <a:fillRef idx="3">
-            <a:schemeClr val="accent1"/>
-          </a:fillRef>
-          <a:effectRef idx="2">
-            <a:schemeClr val="accent1"/>
-          </a:effectRef>
-          <a:fontRef idx="minor">
-            <a:schemeClr val="lt1"/>
-          </a:fontRef>
-        </p:style>
-        <p:txBody>
-          <a:bodyPr rtlCol="0" anchor="ctr"/>
-          <a:lstStyle/>
-          <a:p>
-            <a:pPr algn="ctr"/>
-            <a:r>
-              <a:rPr lang="en-US"/>
-              <a:t>Aesthetics</a:t>
-            </a:r>
-          </a:p>
-        </p:txBody>
-      </p:sp>
-      <p:cxnSp>
-        <p:nvCxnSpPr>
-          <p:cNvPr id="21" name="Straight Arrow Connector 20"/>
-          <p:cNvCxnSpPr>
-            <a:stCxn id="19" idx="1"/>
-          </p:cNvCxnSpPr>
-          <p:nvPr/>
-        </p:nvCxnSpPr>
-        <p:spPr>
-          <a:xfrm flipH="1">
-            <a:off x="5236297" y="2571099"/>
-            <a:ext cx="1134704" cy="685146"/>
-          </a:xfrm>
-          <a:prstGeom prst="straightConnector1">
-            <a:avLst/>
-          </a:prstGeom>
-          <a:ln>
-            <a:solidFill>
-              <a:srgbClr val="C0504D"/>
-            </a:solidFill>
-            <a:tailEnd type="arrow"/>
-          </a:ln>
-        </p:spPr>
-        <p:style>
-          <a:lnRef idx="2">
-            <a:schemeClr val="accent1"/>
-          </a:lnRef>
-          <a:fillRef idx="0">
-            <a:schemeClr val="accent1"/>
-          </a:fillRef>
-          <a:effectRef idx="1">
-            <a:schemeClr val="accent1"/>
-          </a:effectRef>
-          <a:fontRef idx="minor">
-            <a:schemeClr val="tx1"/>
-          </a:fontRef>
-        </p:style>
-      </p:cxnSp>
+              <a:t>g + geom_point()</a:t>
+            </a:r>
+          </a:p>
+        </p:txBody>
+      </p:sp>
     </p:spTree>
     <p:extLst>
       <p:ext uri="{BB962C8B-B14F-4D97-AF65-F5344CB8AC3E}">
-        <p14:creationId xmlns:p14="http://schemas.microsoft.com/office/powerpoint/2010/main" val="2765980305"/>
+        <p14:creationId xmlns:p14="http://schemas.microsoft.com/office/powerpoint/2010/main" val="3503446028"/>
       </p:ext>
     </p:extLst>
   </p:cSld>
   <p:clrMapOvr>
     <a:masterClrMapping/>
   </p:clrMapOvr>
-  <p:timing>
-    <p:tnLst>
-      <p:par>
-        <p:cTn id="1" dur="indefinite" restart="never" nodeType="tmRoot"/>
-      </p:par>
-    </p:tnLst>
-  </p:timing>
 </p:sld>
 </file>
 
@@ -10526,273 +9396,152 @@
         </p:nvSpPr>
         <p:spPr/>
         <p:txBody>
-          <a:bodyPr/>
-          <a:lstStyle/>
-          <a:p>
-            <a:r>
-              <a:rPr lang="en-US"/>
-              <a:t>No Plot Yet!</a:t>
-            </a:r>
-          </a:p>
-        </p:txBody>
-      </p:sp>
-      <p:sp>
-        <p:nvSpPr>
-          <p:cNvPr id="3" name="Rectangle 2"/>
-          <p:cNvSpPr/>
+          <a:bodyPr>
+            <a:normAutofit/>
+          </a:bodyPr>
+          <a:lstStyle/>
+          <a:p>
+            <a:r>
+              <a:rPr lang="en-US"/>
+              <a:t>Adding More Layers: Smooth</a:t>
+            </a:r>
+          </a:p>
+        </p:txBody>
+      </p:sp>
+      <p:pic>
+        <p:nvPicPr>
+          <p:cNvPr id="3" name="Picture 2" descr="ggplotp2plot3.pdf"/>
+          <p:cNvPicPr>
+            <a:picLocks noChangeAspect="1"/>
+          </p:cNvPicPr>
           <p:nvPr/>
-        </p:nvSpPr>
+        </p:nvPicPr>
+        <p:blipFill>
+          <a:blip r:embed="rId3">
+            <a:extLst>
+              <a:ext uri="{28A0092B-C50C-407E-A947-70E740481C1C}">
+                <a14:useLocalDpi xmlns:a14="http://schemas.microsoft.com/office/drawing/2010/main" val="0"/>
+              </a:ext>
+            </a:extLst>
+          </a:blip>
+          <a:stretch>
+            <a:fillRect/>
+          </a:stretch>
+        </p:blipFill>
         <p:spPr>
           <a:xfrm>
-            <a:off x="718299" y="1884482"/>
-            <a:ext cx="7578575" cy="2308324"/>
+            <a:off x="138760" y="1063229"/>
+            <a:ext cx="4229100" cy="3517900"/>
           </a:xfrm>
           <a:prstGeom prst="rect">
             <a:avLst/>
           </a:prstGeom>
         </p:spPr>
-        <p:txBody>
-          <a:bodyPr wrap="square">
+      </p:pic>
+      <p:pic>
+        <p:nvPicPr>
+          <p:cNvPr id="4" name="Picture 3" descr="ggplotp2plot4.pdf"/>
+          <p:cNvPicPr>
+            <a:picLocks noChangeAspect="1"/>
+          </p:cNvPicPr>
+          <p:nvPr/>
+        </p:nvPicPr>
+        <p:blipFill>
+          <a:blip r:embed="rId4">
+            <a:extLst>
+              <a:ext uri="{28A0092B-C50C-407E-A947-70E740481C1C}">
+                <a14:useLocalDpi xmlns:a14="http://schemas.microsoft.com/office/drawing/2010/main" val="0"/>
+              </a:ext>
+            </a:extLst>
+          </a:blip>
+          <a:stretch>
+            <a:fillRect/>
+          </a:stretch>
+        </p:blipFill>
+        <p:spPr>
+          <a:xfrm>
+            <a:off x="4626818" y="1063229"/>
+            <a:ext cx="4229100" cy="3517900"/>
+          </a:xfrm>
+          <a:prstGeom prst="rect">
+            <a:avLst/>
+          </a:prstGeom>
+        </p:spPr>
+      </p:pic>
+      <p:sp>
+        <p:nvSpPr>
+          <p:cNvPr id="5" name="TextBox 4"/>
+          <p:cNvSpPr txBox="1"/>
+          <p:nvPr/>
+        </p:nvSpPr>
+        <p:spPr>
+          <a:xfrm>
+            <a:off x="4702996" y="4735017"/>
+            <a:ext cx="4340326" cy="276999"/>
+          </a:xfrm>
+          <a:prstGeom prst="rect">
+            <a:avLst/>
+          </a:prstGeom>
+          <a:noFill/>
+        </p:spPr>
+        <p:txBody>
+          <a:bodyPr wrap="none" rtlCol="0">
             <a:spAutoFit/>
           </a:bodyPr>
           <a:lstStyle/>
           <a:p>
             <a:r>
-              <a:rPr lang="en-US">
+              <a:rPr lang="en-US" sz="1200">
                 <a:latin typeface="Courier"/>
                 <a:cs typeface="Courier"/>
               </a:rPr>
-              <a:t>&gt; g &lt;- ggplot(maacs, aes(logpm25, NocturnalSympt))</a:t>
-            </a:r>
-          </a:p>
-          <a:p>
-            <a:r>
-              <a:rPr lang="en-US">
+              <a:t>g + geom_point() + geom_smooth(method = "lm”)</a:t>
+            </a:r>
+          </a:p>
+        </p:txBody>
+      </p:sp>
+      <p:sp>
+        <p:nvSpPr>
+          <p:cNvPr id="6" name="TextBox 5"/>
+          <p:cNvSpPr txBox="1"/>
+          <p:nvPr/>
+        </p:nvSpPr>
+        <p:spPr>
+          <a:xfrm>
+            <a:off x="716988" y="4735017"/>
+            <a:ext cx="3232150" cy="276999"/>
+          </a:xfrm>
+          <a:prstGeom prst="rect">
+            <a:avLst/>
+          </a:prstGeom>
+          <a:noFill/>
+        </p:spPr>
+        <p:txBody>
+          <a:bodyPr wrap="none" rtlCol="0">
+            <a:spAutoFit/>
+          </a:bodyPr>
+          <a:lstStyle/>
+          <a:p>
+            <a:r>
+              <a:rPr lang="en-US" sz="1200">
                 <a:latin typeface="Courier"/>
                 <a:cs typeface="Courier"/>
               </a:rPr>
-              <a:t>&gt; print(g)</a:t>
-            </a:r>
-          </a:p>
-          <a:p>
-            <a:r>
-              <a:rPr lang="en-US">
-                <a:latin typeface="Courier"/>
-                <a:cs typeface="Courier"/>
-              </a:rPr>
-              <a:t>Error: No layers in plot</a:t>
-            </a:r>
-          </a:p>
-          <a:p>
-            <a:endParaRPr lang="en-US">
-              <a:latin typeface="Courier"/>
-              <a:cs typeface="Courier"/>
-            </a:endParaRPr>
-          </a:p>
-          <a:p>
-            <a:r>
-              <a:rPr lang="en-US">
-                <a:latin typeface="Courier"/>
-                <a:cs typeface="Courier"/>
-              </a:rPr>
-              <a:t>&gt; p &lt;- g + geom_point()</a:t>
-            </a:r>
-          </a:p>
-          <a:p>
-            <a:r>
-              <a:rPr lang="en-US">
-                <a:latin typeface="Courier"/>
-                <a:cs typeface="Courier"/>
-              </a:rPr>
-              <a:t>&gt; print(p)</a:t>
-            </a:r>
-          </a:p>
-          <a:p>
-            <a:endParaRPr lang="en-US">
-              <a:latin typeface="Courier"/>
-              <a:cs typeface="Courier"/>
-            </a:endParaRPr>
-          </a:p>
-          <a:p>
-            <a:r>
-              <a:rPr lang="en-US">
-                <a:latin typeface="Courier"/>
-                <a:cs typeface="Courier"/>
-              </a:rPr>
-              <a:t>&gt; g + geom_point()</a:t>
-            </a:r>
-          </a:p>
-        </p:txBody>
-      </p:sp>
-      <p:sp>
-        <p:nvSpPr>
-          <p:cNvPr id="5" name="Rectangle 4"/>
-          <p:cNvSpPr/>
-          <p:nvPr/>
-        </p:nvSpPr>
-        <p:spPr>
-          <a:xfrm>
-            <a:off x="5767213" y="3018700"/>
-            <a:ext cx="2529661" cy="603740"/>
-          </a:xfrm>
-          <a:prstGeom prst="rect">
-            <a:avLst/>
-          </a:prstGeom>
-        </p:spPr>
-        <p:style>
-          <a:lnRef idx="1">
-            <a:schemeClr val="accent1"/>
-          </a:lnRef>
-          <a:fillRef idx="3">
-            <a:schemeClr val="accent1"/>
-          </a:fillRef>
-          <a:effectRef idx="2">
-            <a:schemeClr val="accent1"/>
-          </a:effectRef>
-          <a:fontRef idx="minor">
-            <a:schemeClr val="lt1"/>
-          </a:fontRef>
-        </p:style>
-        <p:txBody>
-          <a:bodyPr rtlCol="0" anchor="ctr"/>
-          <a:lstStyle/>
-          <a:p>
-            <a:pPr algn="ctr"/>
-            <a:r>
-              <a:rPr lang="en-US"/>
-              <a:t>Explicitly save and print ggplot object</a:t>
-            </a:r>
-          </a:p>
-        </p:txBody>
-      </p:sp>
-      <p:sp>
-        <p:nvSpPr>
-          <p:cNvPr id="6" name="Rectangle 5"/>
-          <p:cNvSpPr/>
-          <p:nvPr/>
-        </p:nvSpPr>
-        <p:spPr>
-          <a:xfrm>
-            <a:off x="5767213" y="3837294"/>
-            <a:ext cx="2529661" cy="603740"/>
-          </a:xfrm>
-          <a:prstGeom prst="rect">
-            <a:avLst/>
-          </a:prstGeom>
-        </p:spPr>
-        <p:style>
-          <a:lnRef idx="1">
-            <a:schemeClr val="accent1"/>
-          </a:lnRef>
-          <a:fillRef idx="3">
-            <a:schemeClr val="accent1"/>
-          </a:fillRef>
-          <a:effectRef idx="2">
-            <a:schemeClr val="accent1"/>
-          </a:effectRef>
-          <a:fontRef idx="minor">
-            <a:schemeClr val="lt1"/>
-          </a:fontRef>
-        </p:style>
-        <p:txBody>
-          <a:bodyPr rtlCol="0" anchor="ctr"/>
-          <a:lstStyle/>
-          <a:p>
-            <a:pPr algn="ctr"/>
-            <a:r>
-              <a:rPr lang="en-US"/>
-              <a:t>Auto-print plot object without saving</a:t>
-            </a:r>
-          </a:p>
-        </p:txBody>
-      </p:sp>
-      <p:cxnSp>
-        <p:nvCxnSpPr>
-          <p:cNvPr id="8" name="Straight Arrow Connector 7"/>
-          <p:cNvCxnSpPr>
-            <a:stCxn id="5" idx="1"/>
-          </p:cNvCxnSpPr>
-          <p:nvPr/>
-        </p:nvCxnSpPr>
-        <p:spPr>
-          <a:xfrm flipH="1">
-            <a:off x="4049541" y="3320570"/>
-            <a:ext cx="1717672" cy="10409"/>
-          </a:xfrm>
-          <a:prstGeom prst="straightConnector1">
-            <a:avLst/>
-          </a:prstGeom>
-          <a:ln>
-            <a:tailEnd type="arrow"/>
-          </a:ln>
-        </p:spPr>
-        <p:style>
-          <a:lnRef idx="2">
-            <a:schemeClr val="accent1"/>
-          </a:lnRef>
-          <a:fillRef idx="0">
-            <a:schemeClr val="accent1"/>
-          </a:fillRef>
-          <a:effectRef idx="1">
-            <a:schemeClr val="accent1"/>
-          </a:effectRef>
-          <a:fontRef idx="minor">
-            <a:schemeClr val="tx1"/>
-          </a:fontRef>
-        </p:style>
-      </p:cxnSp>
-      <p:cxnSp>
-        <p:nvCxnSpPr>
-          <p:cNvPr id="9" name="Straight Arrow Connector 8"/>
-          <p:cNvCxnSpPr>
-            <a:stCxn id="6" idx="1"/>
-          </p:cNvCxnSpPr>
-          <p:nvPr/>
-        </p:nvCxnSpPr>
-        <p:spPr>
-          <a:xfrm flipH="1" flipV="1">
-            <a:off x="3414523" y="4059629"/>
-            <a:ext cx="2352690" cy="79535"/>
-          </a:xfrm>
-          <a:prstGeom prst="straightConnector1">
-            <a:avLst/>
-          </a:prstGeom>
-          <a:ln>
-            <a:tailEnd type="arrow"/>
-          </a:ln>
-        </p:spPr>
-        <p:style>
-          <a:lnRef idx="2">
-            <a:schemeClr val="accent1"/>
-          </a:lnRef>
-          <a:fillRef idx="0">
-            <a:schemeClr val="accent1"/>
-          </a:fillRef>
-          <a:effectRef idx="1">
-            <a:schemeClr val="accent1"/>
-          </a:effectRef>
-          <a:fontRef idx="minor">
-            <a:schemeClr val="tx1"/>
-          </a:fontRef>
-        </p:style>
-      </p:cxnSp>
+              <a:t>g + geom_point() + geom_smooth()</a:t>
+            </a:r>
+          </a:p>
+        </p:txBody>
+      </p:sp>
     </p:spTree>
     <p:extLst>
       <p:ext uri="{BB962C8B-B14F-4D97-AF65-F5344CB8AC3E}">
-        <p14:creationId xmlns:p14="http://schemas.microsoft.com/office/powerpoint/2010/main" val="2657037542"/>
+        <p14:creationId xmlns:p14="http://schemas.microsoft.com/office/powerpoint/2010/main" val="2739953665"/>
       </p:ext>
     </p:extLst>
   </p:cSld>
   <p:clrMapOvr>
     <a:masterClrMapping/>
   </p:clrMapOvr>
-  <p:timing>
-    <p:tnLst>
-      <p:par>
-        <p:cTn id="1" dur="indefinite" restart="never" nodeType="tmRoot"/>
-      </p:par>
-    </p:tnLst>
-  </p:timing>
 </p:sld>
 </file>
 
@@ -10830,14 +9579,14 @@
           <a:p>
             <a:r>
               <a:rPr lang="en-US"/>
-              <a:t>First Plot with Point Layer</a:t>
+              <a:t>Adding More Layers: Facets</a:t>
             </a:r>
           </a:p>
         </p:txBody>
       </p:sp>
       <p:pic>
         <p:nvPicPr>
-          <p:cNvPr id="3" name="Picture 2" descr="ggplotp2plot2.pdf"/>
+          <p:cNvPr id="3" name="Picture 2" descr="ggplotp2plot5.pdf"/>
           <p:cNvPicPr>
             <a:picLocks noChangeAspect="1"/>
           </p:cNvPicPr>
@@ -10857,8 +9606,8 @@
         </p:blipFill>
         <p:spPr>
           <a:xfrm>
-            <a:off x="1130300" y="1063229"/>
-            <a:ext cx="6883400" cy="3517900"/>
+            <a:off x="1346200" y="990366"/>
+            <a:ext cx="6438900" cy="3517900"/>
           </a:xfrm>
           <a:prstGeom prst="rect">
             <a:avLst/>
@@ -10867,62 +9616,271 @@
       </p:pic>
       <p:sp>
         <p:nvSpPr>
-          <p:cNvPr id="4" name="TextBox 3"/>
-          <p:cNvSpPr txBox="1"/>
+          <p:cNvPr id="4" name="Rectangle 3"/>
+          <p:cNvSpPr/>
           <p:nvPr/>
         </p:nvSpPr>
         <p:spPr>
           <a:xfrm>
-            <a:off x="1707335" y="4497169"/>
-            <a:ext cx="6094938" cy="584776"/>
+            <a:off x="675813" y="4771424"/>
+            <a:ext cx="7839675" cy="307777"/>
           </a:xfrm>
           <a:prstGeom prst="rect">
             <a:avLst/>
           </a:prstGeom>
-          <a:noFill/>
-        </p:spPr>
-        <p:txBody>
-          <a:bodyPr wrap="none" rtlCol="0">
+        </p:spPr>
+        <p:txBody>
+          <a:bodyPr wrap="square">
             <a:spAutoFit/>
           </a:bodyPr>
           <a:lstStyle/>
           <a:p>
             <a:r>
-              <a:rPr lang="en-US" sz="1600">
+              <a:rPr lang="en-US" sz="1400">
                 <a:latin typeface="Courier"/>
                 <a:cs typeface="Courier"/>
               </a:rPr>
-              <a:t>g &lt;- ggplot(maacs, aes(logpm25, NocturnalSympt))</a:t>
-            </a:r>
-          </a:p>
-          <a:p>
-            <a:r>
-              <a:rPr lang="en-US" sz="1600">
-                <a:latin typeface="Courier"/>
-                <a:cs typeface="Courier"/>
-              </a:rPr>
-              <a:t>g + geom_point()</a:t>
-            </a:r>
-          </a:p>
-        </p:txBody>
-      </p:sp>
+              <a:t>g + geom_point() + facet_grid(. ~ bmicat) + geom_smooth(method = "lm")</a:t>
+            </a:r>
+          </a:p>
+        </p:txBody>
+      </p:sp>
+      <p:sp>
+        <p:nvSpPr>
+          <p:cNvPr id="5" name="Rectangle 4"/>
+          <p:cNvSpPr/>
+          <p:nvPr/>
+        </p:nvSpPr>
+        <p:spPr>
+          <a:xfrm>
+            <a:off x="175060" y="4337975"/>
+            <a:ext cx="1264831" cy="340582"/>
+          </a:xfrm>
+          <a:prstGeom prst="rect">
+            <a:avLst/>
+          </a:prstGeom>
+        </p:spPr>
+        <p:style>
+          <a:lnRef idx="1">
+            <a:schemeClr val="accent1"/>
+          </a:lnRef>
+          <a:fillRef idx="3">
+            <a:schemeClr val="accent1"/>
+          </a:fillRef>
+          <a:effectRef idx="2">
+            <a:schemeClr val="accent1"/>
+          </a:effectRef>
+          <a:fontRef idx="minor">
+            <a:schemeClr val="lt1"/>
+          </a:fontRef>
+        </p:style>
+        <p:txBody>
+          <a:bodyPr rtlCol="0" anchor="ctr"/>
+          <a:lstStyle/>
+          <a:p>
+            <a:pPr algn="ctr"/>
+            <a:r>
+              <a:rPr lang="en-US"/>
+              <a:t>Add facets</a:t>
+            </a:r>
+          </a:p>
+        </p:txBody>
+      </p:sp>
+      <p:sp>
+        <p:nvSpPr>
+          <p:cNvPr id="6" name="Rectangle 5"/>
+          <p:cNvSpPr/>
+          <p:nvPr/>
+        </p:nvSpPr>
+        <p:spPr>
+          <a:xfrm>
+            <a:off x="5836493" y="4337975"/>
+            <a:ext cx="2678995" cy="340582"/>
+          </a:xfrm>
+          <a:prstGeom prst="rect">
+            <a:avLst/>
+          </a:prstGeom>
+        </p:spPr>
+        <p:style>
+          <a:lnRef idx="1">
+            <a:schemeClr val="accent1"/>
+          </a:lnRef>
+          <a:fillRef idx="3">
+            <a:schemeClr val="accent1"/>
+          </a:fillRef>
+          <a:effectRef idx="2">
+            <a:schemeClr val="accent1"/>
+          </a:effectRef>
+          <a:fontRef idx="minor">
+            <a:schemeClr val="lt1"/>
+          </a:fontRef>
+        </p:style>
+        <p:txBody>
+          <a:bodyPr rtlCol="0" anchor="ctr"/>
+          <a:lstStyle/>
+          <a:p>
+            <a:pPr algn="ctr"/>
+            <a:r>
+              <a:rPr lang="en-US"/>
+              <a:t>Faceting (factor) variable</a:t>
+            </a:r>
+          </a:p>
+        </p:txBody>
+      </p:sp>
+      <p:cxnSp>
+        <p:nvCxnSpPr>
+          <p:cNvPr id="8" name="Straight Arrow Connector 7"/>
+          <p:cNvCxnSpPr/>
+          <p:nvPr/>
+        </p:nvCxnSpPr>
+        <p:spPr>
+          <a:xfrm>
+            <a:off x="1439891" y="4508266"/>
+            <a:ext cx="1495766" cy="263158"/>
+          </a:xfrm>
+          <a:prstGeom prst="straightConnector1">
+            <a:avLst/>
+          </a:prstGeom>
+          <a:ln>
+            <a:tailEnd type="arrow"/>
+          </a:ln>
+        </p:spPr>
+        <p:style>
+          <a:lnRef idx="2">
+            <a:schemeClr val="accent1"/>
+          </a:lnRef>
+          <a:fillRef idx="0">
+            <a:schemeClr val="accent1"/>
+          </a:fillRef>
+          <a:effectRef idx="1">
+            <a:schemeClr val="accent1"/>
+          </a:effectRef>
+          <a:fontRef idx="minor">
+            <a:schemeClr val="tx1"/>
+          </a:fontRef>
+        </p:style>
+      </p:cxnSp>
+      <p:cxnSp>
+        <p:nvCxnSpPr>
+          <p:cNvPr id="9" name="Straight Arrow Connector 8"/>
+          <p:cNvCxnSpPr>
+            <a:stCxn id="6" idx="1"/>
+          </p:cNvCxnSpPr>
+          <p:nvPr/>
+        </p:nvCxnSpPr>
+        <p:spPr>
+          <a:xfrm flipH="1">
+            <a:off x="4767841" y="4508266"/>
+            <a:ext cx="1068652" cy="263158"/>
+          </a:xfrm>
+          <a:prstGeom prst="straightConnector1">
+            <a:avLst/>
+          </a:prstGeom>
+          <a:ln>
+            <a:tailEnd type="arrow"/>
+          </a:ln>
+        </p:spPr>
+        <p:style>
+          <a:lnRef idx="2">
+            <a:schemeClr val="accent1"/>
+          </a:lnRef>
+          <a:fillRef idx="0">
+            <a:schemeClr val="accent1"/>
+          </a:fillRef>
+          <a:effectRef idx="1">
+            <a:schemeClr val="accent1"/>
+          </a:effectRef>
+          <a:fontRef idx="minor">
+            <a:schemeClr val="tx1"/>
+          </a:fontRef>
+        </p:style>
+      </p:cxnSp>
+      <p:sp>
+        <p:nvSpPr>
+          <p:cNvPr id="13" name="Rectangle 12"/>
+          <p:cNvSpPr/>
+          <p:nvPr/>
+        </p:nvSpPr>
+        <p:spPr>
+          <a:xfrm>
+            <a:off x="50139" y="1063229"/>
+            <a:ext cx="1542612" cy="654308"/>
+          </a:xfrm>
+          <a:prstGeom prst="rect">
+            <a:avLst/>
+          </a:prstGeom>
+        </p:spPr>
+        <p:style>
+          <a:lnRef idx="1">
+            <a:schemeClr val="accent1"/>
+          </a:lnRef>
+          <a:fillRef idx="3">
+            <a:schemeClr val="accent1"/>
+          </a:fillRef>
+          <a:effectRef idx="2">
+            <a:schemeClr val="accent1"/>
+          </a:effectRef>
+          <a:fontRef idx="minor">
+            <a:schemeClr val="lt1"/>
+          </a:fontRef>
+        </p:style>
+        <p:txBody>
+          <a:bodyPr rtlCol="0" anchor="ctr"/>
+          <a:lstStyle/>
+          <a:p>
+            <a:pPr algn="ctr"/>
+            <a:r>
+              <a:rPr lang="en-US"/>
+              <a:t>Labels from facet variable</a:t>
+            </a:r>
+          </a:p>
+        </p:txBody>
+      </p:sp>
+      <p:cxnSp>
+        <p:nvCxnSpPr>
+          <p:cNvPr id="14" name="Straight Arrow Connector 13"/>
+          <p:cNvCxnSpPr>
+            <a:stCxn id="13" idx="3"/>
+          </p:cNvCxnSpPr>
+          <p:nvPr/>
+        </p:nvCxnSpPr>
+        <p:spPr>
+          <a:xfrm flipV="1">
+            <a:off x="1592751" y="1259526"/>
+            <a:ext cx="1207575" cy="130857"/>
+          </a:xfrm>
+          <a:prstGeom prst="straightConnector1">
+            <a:avLst/>
+          </a:prstGeom>
+          <a:ln>
+            <a:tailEnd type="arrow"/>
+          </a:ln>
+        </p:spPr>
+        <p:style>
+          <a:lnRef idx="2">
+            <a:schemeClr val="accent1"/>
+          </a:lnRef>
+          <a:fillRef idx="0">
+            <a:schemeClr val="accent1"/>
+          </a:fillRef>
+          <a:effectRef idx="1">
+            <a:schemeClr val="accent1"/>
+          </a:effectRef>
+          <a:fontRef idx="minor">
+            <a:schemeClr val="tx1"/>
+          </a:fontRef>
+        </p:style>
+      </p:cxnSp>
     </p:spTree>
     <p:extLst>
       <p:ext uri="{BB962C8B-B14F-4D97-AF65-F5344CB8AC3E}">
-        <p14:creationId xmlns:p14="http://schemas.microsoft.com/office/powerpoint/2010/main" val="3503446028"/>
+        <p14:creationId xmlns:p14="http://schemas.microsoft.com/office/powerpoint/2010/main" val="775192822"/>
       </p:ext>
     </p:extLst>
   </p:cSld>
   <p:clrMapOvr>
     <a:masterClrMapping/>
   </p:clrMapOvr>
-  <p:timing>
-    <p:tnLst>
-      <p:par>
-        <p:cTn id="1" dur="indefinite" restart="never" nodeType="tmRoot"/>
-      </p:par>
-    </p:tnLst>
-  </p:timing>
 </p:sld>
 </file>
 
